--- a/img/success6g_edge_architecture.pptx
+++ b/img/success6g_edge_architecture.pptx
@@ -104,6 +104,11 @@
       </a:defRPr>
     </a:lvl9pPr>
   </p:defaultTextStyle>
+  <p:extLst>
+    <p:ext uri="{EFAFB233-063F-42B5-8137-9DF3F51BA10A}">
+      <p15:sldGuideLst xmlns:p15="http://schemas.microsoft.com/office/powerpoint/2012/main"/>
+    </p:ext>
+  </p:extLst>
 </p:presentation>
 </file>
 
@@ -3335,7 +3340,7 @@
         </p:nvSpPr>
         <p:spPr>
           <a:xfrm>
-            <a:off x="157610" y="2956582"/>
+            <a:off x="208410" y="4328182"/>
             <a:ext cx="2320505" cy="1528190"/>
           </a:xfrm>
           <a:prstGeom prst="roundRect">
@@ -3389,7 +3394,7 @@
         </p:nvSpPr>
         <p:spPr>
           <a:xfrm>
-            <a:off x="2803043" y="1841021"/>
+            <a:off x="2853843" y="3212621"/>
             <a:ext cx="5178067" cy="3269411"/>
           </a:xfrm>
           <a:prstGeom prst="roundRect">
@@ -3443,7 +3448,7 @@
         </p:nvSpPr>
         <p:spPr>
           <a:xfrm>
-            <a:off x="2869178" y="2317897"/>
+            <a:off x="2919978" y="3689497"/>
             <a:ext cx="5042921" cy="2706271"/>
           </a:xfrm>
           <a:prstGeom prst="roundRect">
@@ -3497,7 +3502,7 @@
         </p:nvSpPr>
         <p:spPr>
           <a:xfrm>
-            <a:off x="2966061" y="3508911"/>
+            <a:off x="3016861" y="4880511"/>
             <a:ext cx="1138687" cy="786439"/>
           </a:xfrm>
           <a:prstGeom prst="roundRect">
@@ -3551,7 +3556,7 @@
         </p:nvSpPr>
         <p:spPr>
           <a:xfrm>
-            <a:off x="4142356" y="2790583"/>
+            <a:off x="4193156" y="4162183"/>
             <a:ext cx="3683480" cy="2121441"/>
           </a:xfrm>
           <a:prstGeom prst="roundRect">
@@ -3605,7 +3610,7 @@
         </p:nvSpPr>
         <p:spPr>
           <a:xfrm>
-            <a:off x="4207710" y="3679164"/>
+            <a:off x="4258510" y="5050764"/>
             <a:ext cx="1220310" cy="456543"/>
           </a:xfrm>
           <a:prstGeom prst="roundRect">
@@ -3659,7 +3664,7 @@
         </p:nvSpPr>
         <p:spPr>
           <a:xfrm>
-            <a:off x="5486967" y="3267131"/>
+            <a:off x="5537767" y="4638731"/>
             <a:ext cx="2262996" cy="1568694"/>
           </a:xfrm>
           <a:prstGeom prst="roundRect">
@@ -3713,7 +3718,7 @@
         </p:nvSpPr>
         <p:spPr>
           <a:xfrm>
-            <a:off x="5570355" y="3649505"/>
+            <a:off x="5621155" y="5021105"/>
             <a:ext cx="2110596" cy="486202"/>
           </a:xfrm>
           <a:prstGeom prst="roundRect">
@@ -3767,7 +3772,7 @@
         </p:nvSpPr>
         <p:spPr>
           <a:xfrm>
-            <a:off x="5570355" y="4241671"/>
+            <a:off x="5621155" y="5613271"/>
             <a:ext cx="2110596" cy="486202"/>
           </a:xfrm>
           <a:prstGeom prst="roundRect">
@@ -3821,7 +3826,7 @@
         </p:nvSpPr>
         <p:spPr>
           <a:xfrm>
-            <a:off x="223665" y="3369211"/>
+            <a:off x="274465" y="4740811"/>
             <a:ext cx="2176813" cy="1055176"/>
           </a:xfrm>
           <a:prstGeom prst="roundRect">
@@ -3879,7 +3884,7 @@
         </p:nvCxnSpPr>
         <p:spPr>
           <a:xfrm>
-            <a:off x="2400478" y="3896799"/>
+            <a:off x="2451278" y="5268399"/>
             <a:ext cx="565583" cy="5332"/>
           </a:xfrm>
           <a:prstGeom prst="straightConnector1">
@@ -3922,7 +3927,7 @@
         </p:nvCxnSpPr>
         <p:spPr>
           <a:xfrm>
-            <a:off x="4104748" y="3902131"/>
+            <a:off x="4155548" y="5273731"/>
             <a:ext cx="102962" cy="5305"/>
           </a:xfrm>
           <a:prstGeom prst="straightConnector1">
@@ -3964,7 +3969,7 @@
         </p:nvCxnSpPr>
         <p:spPr>
           <a:xfrm>
-            <a:off x="5465628" y="3892606"/>
+            <a:off x="5516428" y="5264206"/>
             <a:ext cx="104727" cy="0"/>
           </a:xfrm>
           <a:prstGeom prst="straightConnector1">
@@ -4007,7 +4012,7 @@
         </p:nvCxnSpPr>
         <p:spPr>
           <a:xfrm>
-            <a:off x="6625653" y="4135707"/>
+            <a:off x="6676453" y="5507307"/>
             <a:ext cx="0" cy="105964"/>
           </a:xfrm>
           <a:prstGeom prst="straightConnector1">
@@ -4046,7 +4051,7 @@
         </p:nvSpPr>
         <p:spPr>
           <a:xfrm>
-            <a:off x="2725406" y="923925"/>
+            <a:off x="2776206" y="2295525"/>
             <a:ext cx="9237994" cy="4410075"/>
           </a:xfrm>
           <a:prstGeom prst="roundRect">
@@ -4100,7 +4105,7 @@
         </p:nvSpPr>
         <p:spPr>
           <a:xfrm>
-            <a:off x="8611785" y="4146096"/>
+            <a:off x="8656728" y="4532365"/>
             <a:ext cx="1457323" cy="686045"/>
           </a:xfrm>
           <a:prstGeom prst="roundRect">
@@ -4154,7 +4159,7 @@
         </p:nvSpPr>
         <p:spPr>
           <a:xfrm>
-            <a:off x="8656190" y="2272199"/>
+            <a:off x="8706990" y="3643799"/>
             <a:ext cx="1368515" cy="754380"/>
           </a:xfrm>
           <a:prstGeom prst="roundRect">
@@ -4208,7 +4213,7 @@
         </p:nvSpPr>
         <p:spPr>
           <a:xfrm>
-            <a:off x="8404405" y="1792907"/>
+            <a:off x="8455205" y="3164507"/>
             <a:ext cx="3381196" cy="3269411"/>
           </a:xfrm>
           <a:prstGeom prst="roundRect">
@@ -4238,7 +4243,7 @@
           <a:p>
             <a:pPr algn="ctr"/>
             <a:r>
-              <a:rPr lang="en-US" dirty="0">
+              <a:rPr lang="en-US" b="1" dirty="0">
                 <a:solidFill>
                   <a:schemeClr val="tx1"/>
                 </a:solidFill>
@@ -4262,7 +4267,7 @@
         </p:nvSpPr>
         <p:spPr>
           <a:xfrm>
-            <a:off x="10186897" y="2306366"/>
+            <a:off x="10225894" y="5436517"/>
             <a:ext cx="1457323" cy="686045"/>
           </a:xfrm>
           <a:prstGeom prst="roundRect">
@@ -4321,7 +4326,7 @@
         </p:nvSpPr>
         <p:spPr>
           <a:xfrm>
-            <a:off x="10186897" y="3132703"/>
+            <a:off x="8629337" y="5418522"/>
             <a:ext cx="1457323" cy="686045"/>
           </a:xfrm>
           <a:prstGeom prst="roundRect">
@@ -4363,24 +4368,24 @@
       </p:sp>
       <p:cxnSp>
         <p:nvCxnSpPr>
-          <p:cNvPr id="37" name="Straight Arrow Connector 36">
-            <a:extLst>
-              <a:ext uri="{FF2B5EF4-FFF2-40B4-BE49-F238E27FC236}">
-                <a16:creationId xmlns:a16="http://schemas.microsoft.com/office/drawing/2014/main" id="{9DC7B6C1-2265-E856-E39D-10B463F77231}"/>
+          <p:cNvPr id="40" name="Straight Arrow Connector 39">
+            <a:extLst>
+              <a:ext uri="{FF2B5EF4-FFF2-40B4-BE49-F238E27FC236}">
+                <a16:creationId xmlns:a16="http://schemas.microsoft.com/office/drawing/2014/main" id="{5421D38B-DF3C-CC06-9AA6-AA7A488308CB}"/>
               </a:ext>
             </a:extLst>
           </p:cNvPr>
           <p:cNvCxnSpPr>
             <a:cxnSpLocks/>
-            <a:stCxn id="12" idx="3"/>
-            <a:endCxn id="28" idx="1"/>
+            <a:stCxn id="30" idx="2"/>
+            <a:endCxn id="28" idx="0"/>
           </p:cNvCxnSpPr>
           <p:nvPr/>
         </p:nvCxnSpPr>
         <p:spPr>
-          <a:xfrm>
-            <a:off x="7680951" y="4484772"/>
-            <a:ext cx="930834" cy="4347"/>
+          <a:xfrm flipH="1">
+            <a:off x="9385390" y="4398179"/>
+            <a:ext cx="5858" cy="134186"/>
           </a:xfrm>
           <a:prstGeom prst="straightConnector1">
             <a:avLst/>
@@ -4407,30 +4412,276 @@
       </p:cxnSp>
       <p:cxnSp>
         <p:nvCxnSpPr>
-          <p:cNvPr id="40" name="Straight Arrow Connector 39">
-            <a:extLst>
-              <a:ext uri="{FF2B5EF4-FFF2-40B4-BE49-F238E27FC236}">
-                <a16:creationId xmlns:a16="http://schemas.microsoft.com/office/drawing/2014/main" id="{5421D38B-DF3C-CC06-9AA6-AA7A488308CB}"/>
+          <p:cNvPr id="16" name="Connector: Elbow 15">
+            <a:extLst>
+              <a:ext uri="{FF2B5EF4-FFF2-40B4-BE49-F238E27FC236}">
+                <a16:creationId xmlns:a16="http://schemas.microsoft.com/office/drawing/2014/main" id="{17EB8CD6-6D72-3684-D23E-FDBE0032A094}"/>
               </a:ext>
             </a:extLst>
           </p:cNvPr>
           <p:cNvCxnSpPr>
-            <a:cxnSpLocks/>
-            <a:stCxn id="30" idx="2"/>
-            <a:endCxn id="28" idx="0"/>
+            <a:stCxn id="12" idx="3"/>
+            <a:endCxn id="28" idx="1"/>
           </p:cNvCxnSpPr>
           <p:nvPr/>
         </p:nvCxnSpPr>
         <p:spPr>
-          <a:xfrm flipH="1">
-            <a:off x="9340447" y="3026579"/>
-            <a:ext cx="1" cy="1119517"/>
+          <a:xfrm flipV="1">
+            <a:off x="7731751" y="4875388"/>
+            <a:ext cx="924977" cy="980984"/>
+          </a:xfrm>
+          <a:prstGeom prst="bentConnector3">
+            <a:avLst/>
+          </a:prstGeom>
+          <a:ln>
+            <a:headEnd type="triangle"/>
+            <a:tailEnd type="triangle"/>
+          </a:ln>
+        </p:spPr>
+        <p:style>
+          <a:lnRef idx="1">
+            <a:schemeClr val="dk1"/>
+          </a:lnRef>
+          <a:fillRef idx="0">
+            <a:schemeClr val="dk1"/>
+          </a:fillRef>
+          <a:effectRef idx="0">
+            <a:schemeClr val="dk1"/>
+          </a:effectRef>
+          <a:fontRef idx="minor">
+            <a:schemeClr val="tx1"/>
+          </a:fontRef>
+        </p:style>
+      </p:cxnSp>
+      <p:sp>
+        <p:nvSpPr>
+          <p:cNvPr id="17" name="Rectangle: Rounded Corners 16">
+            <a:extLst>
+              <a:ext uri="{FF2B5EF4-FFF2-40B4-BE49-F238E27FC236}">
+                <a16:creationId xmlns:a16="http://schemas.microsoft.com/office/drawing/2014/main" id="{10B418DB-960B-FB42-D95D-FBE7509B1A8B}"/>
+              </a:ext>
+            </a:extLst>
+          </p:cNvPr>
+          <p:cNvSpPr/>
+          <p:nvPr/>
+        </p:nvSpPr>
+        <p:spPr>
+          <a:xfrm>
+            <a:off x="10225894" y="3689497"/>
+            <a:ext cx="1457323" cy="686045"/>
+          </a:xfrm>
+          <a:prstGeom prst="roundRect">
+            <a:avLst/>
+          </a:prstGeom>
+          <a:noFill/>
+        </p:spPr>
+        <p:style>
+          <a:lnRef idx="2">
+            <a:schemeClr val="accent1">
+              <a:shade val="15000"/>
+            </a:schemeClr>
+          </a:lnRef>
+          <a:fillRef idx="1">
+            <a:schemeClr val="accent1"/>
+          </a:fillRef>
+          <a:effectRef idx="0">
+            <a:schemeClr val="accent1"/>
+          </a:effectRef>
+          <a:fontRef idx="minor">
+            <a:schemeClr val="lt1"/>
+          </a:fontRef>
+        </p:style>
+        <p:txBody>
+          <a:bodyPr rtlCol="0" anchor="ctr"/>
+          <a:lstStyle/>
+          <a:p>
+            <a:pPr algn="ctr"/>
+            <a:r>
+              <a:rPr lang="en-US" dirty="0">
+                <a:solidFill>
+                  <a:schemeClr val="tx1"/>
+                </a:solidFill>
+              </a:rPr>
+              <a:t>Ingress</a:t>
+            </a:r>
+          </a:p>
+        </p:txBody>
+      </p:sp>
+      <p:cxnSp>
+        <p:nvCxnSpPr>
+          <p:cNvPr id="19" name="Straight Arrow Connector 18">
+            <a:extLst>
+              <a:ext uri="{FF2B5EF4-FFF2-40B4-BE49-F238E27FC236}">
+                <a16:creationId xmlns:a16="http://schemas.microsoft.com/office/drawing/2014/main" id="{7DC2C7C1-BDFD-F8FC-792A-54B0CCBE800F}"/>
+              </a:ext>
+            </a:extLst>
+          </p:cNvPr>
+          <p:cNvCxnSpPr>
+            <a:cxnSpLocks/>
+            <a:stCxn id="17" idx="1"/>
+            <a:endCxn id="30" idx="3"/>
+          </p:cNvCxnSpPr>
+          <p:nvPr/>
+        </p:nvCxnSpPr>
+        <p:spPr>
+          <a:xfrm flipH="1" flipV="1">
+            <a:off x="10075505" y="4020989"/>
+            <a:ext cx="150389" cy="11531"/>
           </a:xfrm>
           <a:prstGeom prst="straightConnector1">
             <a:avLst/>
           </a:prstGeom>
           <a:ln>
-            <a:headEnd type="triangle"/>
+            <a:tailEnd type="triangle"/>
+          </a:ln>
+        </p:spPr>
+        <p:style>
+          <a:lnRef idx="1">
+            <a:schemeClr val="dk1"/>
+          </a:lnRef>
+          <a:fillRef idx="0">
+            <a:schemeClr val="dk1"/>
+          </a:fillRef>
+          <a:effectRef idx="0">
+            <a:schemeClr val="dk1"/>
+          </a:effectRef>
+          <a:fontRef idx="minor">
+            <a:schemeClr val="tx1"/>
+          </a:fontRef>
+        </p:style>
+      </p:cxnSp>
+      <p:cxnSp>
+        <p:nvCxnSpPr>
+          <p:cNvPr id="26" name="Connector: Elbow 25">
+            <a:extLst>
+              <a:ext uri="{FF2B5EF4-FFF2-40B4-BE49-F238E27FC236}">
+                <a16:creationId xmlns:a16="http://schemas.microsoft.com/office/drawing/2014/main" id="{91BBCE7B-D259-6DA3-413A-D66D215FAECE}"/>
+              </a:ext>
+            </a:extLst>
+          </p:cNvPr>
+          <p:cNvCxnSpPr>
+            <a:stCxn id="17" idx="2"/>
+            <a:endCxn id="28" idx="3"/>
+          </p:cNvCxnSpPr>
+          <p:nvPr/>
+        </p:nvCxnSpPr>
+        <p:spPr>
+          <a:xfrm rot="5400000">
+            <a:off x="10284381" y="4205213"/>
+            <a:ext cx="499846" cy="840505"/>
+          </a:xfrm>
+          <a:prstGeom prst="bentConnector2">
+            <a:avLst/>
+          </a:prstGeom>
+          <a:ln>
+            <a:tailEnd type="triangle"/>
+          </a:ln>
+        </p:spPr>
+        <p:style>
+          <a:lnRef idx="1">
+            <a:schemeClr val="dk1"/>
+          </a:lnRef>
+          <a:fillRef idx="0">
+            <a:schemeClr val="dk1"/>
+          </a:fillRef>
+          <a:effectRef idx="0">
+            <a:schemeClr val="dk1"/>
+          </a:effectRef>
+          <a:fontRef idx="minor">
+            <a:schemeClr val="tx1"/>
+          </a:fontRef>
+        </p:style>
+      </p:cxnSp>
+      <p:sp>
+        <p:nvSpPr>
+          <p:cNvPr id="29" name="Rectangle: Rounded Corners 28">
+            <a:extLst>
+              <a:ext uri="{FF2B5EF4-FFF2-40B4-BE49-F238E27FC236}">
+                <a16:creationId xmlns:a16="http://schemas.microsoft.com/office/drawing/2014/main" id="{5D748AA8-2B98-1EA2-EDF1-8BC5D5EB5D70}"/>
+              </a:ext>
+            </a:extLst>
+          </p:cNvPr>
+          <p:cNvSpPr/>
+          <p:nvPr/>
+        </p:nvSpPr>
+        <p:spPr>
+          <a:xfrm>
+            <a:off x="10182610" y="208019"/>
+            <a:ext cx="1543890" cy="1054838"/>
+          </a:xfrm>
+          <a:prstGeom prst="roundRect">
+            <a:avLst/>
+          </a:prstGeom>
+          <a:noFill/>
+        </p:spPr>
+        <p:style>
+          <a:lnRef idx="2">
+            <a:schemeClr val="accent1">
+              <a:shade val="15000"/>
+            </a:schemeClr>
+          </a:lnRef>
+          <a:fillRef idx="1">
+            <a:schemeClr val="accent1"/>
+          </a:fillRef>
+          <a:effectRef idx="0">
+            <a:schemeClr val="accent1"/>
+          </a:effectRef>
+          <a:fontRef idx="minor">
+            <a:schemeClr val="lt1"/>
+          </a:fontRef>
+        </p:style>
+        <p:txBody>
+          <a:bodyPr rtlCol="0" anchor="ctr"/>
+          <a:lstStyle/>
+          <a:p>
+            <a:pPr algn="ctr"/>
+            <a:r>
+              <a:rPr lang="en-US" b="1" dirty="0">
+                <a:solidFill>
+                  <a:schemeClr val="tx1"/>
+                </a:solidFill>
+              </a:rPr>
+              <a:t>Operator</a:t>
+            </a:r>
+          </a:p>
+          <a:p>
+            <a:pPr algn="ctr"/>
+            <a:r>
+              <a:rPr lang="en-US" dirty="0">
+                <a:solidFill>
+                  <a:schemeClr val="tx1"/>
+                </a:solidFill>
+              </a:rPr>
+              <a:t>(user)</a:t>
+            </a:r>
+          </a:p>
+        </p:txBody>
+      </p:sp>
+      <p:cxnSp>
+        <p:nvCxnSpPr>
+          <p:cNvPr id="34" name="Straight Arrow Connector 33">
+            <a:extLst>
+              <a:ext uri="{FF2B5EF4-FFF2-40B4-BE49-F238E27FC236}">
+                <a16:creationId xmlns:a16="http://schemas.microsoft.com/office/drawing/2014/main" id="{A6400AC2-A8B1-EE24-F4E4-DE8CF02D3C98}"/>
+              </a:ext>
+            </a:extLst>
+          </p:cNvPr>
+          <p:cNvCxnSpPr>
+            <a:cxnSpLocks/>
+            <a:stCxn id="29" idx="2"/>
+            <a:endCxn id="17" idx="0"/>
+          </p:cNvCxnSpPr>
+          <p:nvPr/>
+        </p:nvCxnSpPr>
+        <p:spPr>
+          <a:xfrm>
+            <a:off x="10954555" y="1262857"/>
+            <a:ext cx="1" cy="2426640"/>
+          </a:xfrm>
+          <a:prstGeom prst="straightConnector1">
+            <a:avLst/>
+          </a:prstGeom>
+          <a:ln>
             <a:tailEnd type="triangle"/>
           </a:ln>
         </p:spPr>

--- a/img/success6g_edge_architecture.pptx
+++ b/img/success6g_edge_architecture.pptx
@@ -3340,7 +3340,7 @@
         </p:nvSpPr>
         <p:spPr>
           <a:xfrm>
-            <a:off x="208410" y="4328182"/>
+            <a:off x="246510" y="3758213"/>
             <a:ext cx="2320505" cy="1528190"/>
           </a:xfrm>
           <a:prstGeom prst="roundRect">
@@ -3394,7 +3394,7 @@
         </p:nvSpPr>
         <p:spPr>
           <a:xfrm>
-            <a:off x="2853843" y="3212621"/>
+            <a:off x="2891943" y="2642652"/>
             <a:ext cx="5178067" cy="3269411"/>
           </a:xfrm>
           <a:prstGeom prst="roundRect">
@@ -3448,7 +3448,7 @@
         </p:nvSpPr>
         <p:spPr>
           <a:xfrm>
-            <a:off x="2919978" y="3689497"/>
+            <a:off x="2958078" y="3119528"/>
             <a:ext cx="5042921" cy="2706271"/>
           </a:xfrm>
           <a:prstGeom prst="roundRect">
@@ -3502,7 +3502,7 @@
         </p:nvSpPr>
         <p:spPr>
           <a:xfrm>
-            <a:off x="3016861" y="4880511"/>
+            <a:off x="3054961" y="4310542"/>
             <a:ext cx="1138687" cy="786439"/>
           </a:xfrm>
           <a:prstGeom prst="roundRect">
@@ -3556,7 +3556,7 @@
         </p:nvSpPr>
         <p:spPr>
           <a:xfrm>
-            <a:off x="4193156" y="4162183"/>
+            <a:off x="4231256" y="3592214"/>
             <a:ext cx="3683480" cy="2121441"/>
           </a:xfrm>
           <a:prstGeom prst="roundRect">
@@ -3610,7 +3610,7 @@
         </p:nvSpPr>
         <p:spPr>
           <a:xfrm>
-            <a:off x="4258510" y="5050764"/>
+            <a:off x="4296610" y="4480795"/>
             <a:ext cx="1220310" cy="456543"/>
           </a:xfrm>
           <a:prstGeom prst="roundRect">
@@ -3664,7 +3664,7 @@
         </p:nvSpPr>
         <p:spPr>
           <a:xfrm>
-            <a:off x="5537767" y="4638731"/>
+            <a:off x="5575867" y="4068762"/>
             <a:ext cx="2262996" cy="1568694"/>
           </a:xfrm>
           <a:prstGeom prst="roundRect">
@@ -3718,7 +3718,7 @@
         </p:nvSpPr>
         <p:spPr>
           <a:xfrm>
-            <a:off x="5621155" y="5021105"/>
+            <a:off x="5659255" y="4451136"/>
             <a:ext cx="2110596" cy="486202"/>
           </a:xfrm>
           <a:prstGeom prst="roundRect">
@@ -3772,7 +3772,7 @@
         </p:nvSpPr>
         <p:spPr>
           <a:xfrm>
-            <a:off x="5621155" y="5613271"/>
+            <a:off x="5659255" y="5043302"/>
             <a:ext cx="2110596" cy="486202"/>
           </a:xfrm>
           <a:prstGeom prst="roundRect">
@@ -3826,7 +3826,7 @@
         </p:nvSpPr>
         <p:spPr>
           <a:xfrm>
-            <a:off x="274465" y="4740811"/>
+            <a:off x="312565" y="4170842"/>
             <a:ext cx="2176813" cy="1055176"/>
           </a:xfrm>
           <a:prstGeom prst="roundRect">
@@ -3884,7 +3884,7 @@
         </p:nvCxnSpPr>
         <p:spPr>
           <a:xfrm>
-            <a:off x="2451278" y="5268399"/>
+            <a:off x="2489378" y="4698430"/>
             <a:ext cx="565583" cy="5332"/>
           </a:xfrm>
           <a:prstGeom prst="straightConnector1">
@@ -3927,7 +3927,7 @@
         </p:nvCxnSpPr>
         <p:spPr>
           <a:xfrm>
-            <a:off x="4155548" y="5273731"/>
+            <a:off x="4193648" y="4703762"/>
             <a:ext cx="102962" cy="5305"/>
           </a:xfrm>
           <a:prstGeom prst="straightConnector1">
@@ -3969,7 +3969,7 @@
         </p:nvCxnSpPr>
         <p:spPr>
           <a:xfrm>
-            <a:off x="5516428" y="5264206"/>
+            <a:off x="5554528" y="4694237"/>
             <a:ext cx="104727" cy="0"/>
           </a:xfrm>
           <a:prstGeom prst="straightConnector1">
@@ -4012,7 +4012,7 @@
         </p:nvCxnSpPr>
         <p:spPr>
           <a:xfrm>
-            <a:off x="6676453" y="5507307"/>
+            <a:off x="6714553" y="4937338"/>
             <a:ext cx="0" cy="105964"/>
           </a:xfrm>
           <a:prstGeom prst="straightConnector1">
@@ -4051,8 +4051,8 @@
         </p:nvSpPr>
         <p:spPr>
           <a:xfrm>
-            <a:off x="2776206" y="2295525"/>
-            <a:ext cx="9237994" cy="4410075"/>
+            <a:off x="2814306" y="1725556"/>
+            <a:ext cx="9237994" cy="4637144"/>
           </a:xfrm>
           <a:prstGeom prst="roundRect">
             <a:avLst/>
@@ -4105,7 +4105,7 @@
         </p:nvSpPr>
         <p:spPr>
           <a:xfrm>
-            <a:off x="8656728" y="4532365"/>
+            <a:off x="8694828" y="3962396"/>
             <a:ext cx="1457323" cy="686045"/>
           </a:xfrm>
           <a:prstGeom prst="roundRect">
@@ -4159,7 +4159,7 @@
         </p:nvSpPr>
         <p:spPr>
           <a:xfrm>
-            <a:off x="8706990" y="3643799"/>
+            <a:off x="8745090" y="3073830"/>
             <a:ext cx="1368515" cy="754380"/>
           </a:xfrm>
           <a:prstGeom prst="roundRect">
@@ -4213,7 +4213,7 @@
         </p:nvSpPr>
         <p:spPr>
           <a:xfrm>
-            <a:off x="8455205" y="3164507"/>
+            <a:off x="8493305" y="2594538"/>
             <a:ext cx="3381196" cy="3269411"/>
           </a:xfrm>
           <a:prstGeom prst="roundRect">
@@ -4267,13 +4267,20 @@
         </p:nvSpPr>
         <p:spPr>
           <a:xfrm>
-            <a:off x="10225894" y="5436517"/>
+            <a:off x="10263994" y="4866548"/>
             <a:ext cx="1457323" cy="686045"/>
           </a:xfrm>
           <a:prstGeom prst="roundRect">
             <a:avLst/>
           </a:prstGeom>
           <a:noFill/>
+          <a:ln>
+            <a:solidFill>
+              <a:schemeClr val="bg2">
+                <a:lumMod val="75000"/>
+              </a:schemeClr>
+            </a:solidFill>
+          </a:ln>
         </p:spPr>
         <p:style>
           <a:lnRef idx="2">
@@ -4299,14 +4306,18 @@
             <a:r>
               <a:rPr lang="en-US" dirty="0" err="1">
                 <a:solidFill>
-                  <a:schemeClr val="tx1"/>
+                  <a:schemeClr val="bg2">
+                    <a:lumMod val="75000"/>
+                  </a:schemeClr>
                 </a:solidFill>
               </a:rPr>
               <a:t>MLFlow</a:t>
             </a:r>
             <a:endParaRPr lang="en-US" dirty="0">
               <a:solidFill>
-                <a:schemeClr val="tx1"/>
+                <a:schemeClr val="bg2">
+                  <a:lumMod val="75000"/>
+                </a:schemeClr>
               </a:solidFill>
             </a:endParaRPr>
           </a:p>
@@ -4326,7 +4337,7 @@
         </p:nvSpPr>
         <p:spPr>
           <a:xfrm>
-            <a:off x="8629337" y="5418522"/>
+            <a:off x="8694828" y="4851819"/>
             <a:ext cx="1457323" cy="686045"/>
           </a:xfrm>
           <a:prstGeom prst="roundRect">
@@ -4384,7 +4395,7 @@
         </p:nvCxnSpPr>
         <p:spPr>
           <a:xfrm flipH="1">
-            <a:off x="9385390" y="4398179"/>
+            <a:off x="9423490" y="3828210"/>
             <a:ext cx="5858" cy="134186"/>
           </a:xfrm>
           <a:prstGeom prst="straightConnector1">
@@ -4427,7 +4438,7 @@
         </p:nvCxnSpPr>
         <p:spPr>
           <a:xfrm flipV="1">
-            <a:off x="7731751" y="4875388"/>
+            <a:off x="7769851" y="4305419"/>
             <a:ext cx="924977" cy="980984"/>
           </a:xfrm>
           <a:prstGeom prst="bentConnector3">
@@ -4467,7 +4478,7 @@
         </p:nvSpPr>
         <p:spPr>
           <a:xfrm>
-            <a:off x="10225894" y="3689497"/>
+            <a:off x="10263994" y="3119528"/>
             <a:ext cx="1457323" cy="686045"/>
           </a:xfrm>
           <a:prstGeom prst="roundRect">
@@ -4525,7 +4536,7 @@
         </p:nvCxnSpPr>
         <p:spPr>
           <a:xfrm flipH="1" flipV="1">
-            <a:off x="10075505" y="4020989"/>
+            <a:off x="10113605" y="3451020"/>
             <a:ext cx="150389" cy="11531"/>
           </a:xfrm>
           <a:prstGeom prst="straightConnector1">
@@ -4567,7 +4578,7 @@
         </p:nvCxnSpPr>
         <p:spPr>
           <a:xfrm rot="5400000">
-            <a:off x="10284381" y="4205213"/>
+            <a:off x="10322481" y="3635244"/>
             <a:ext cx="499846" cy="840505"/>
           </a:xfrm>
           <a:prstGeom prst="bentConnector2">
@@ -4606,7 +4617,7 @@
         </p:nvSpPr>
         <p:spPr>
           <a:xfrm>
-            <a:off x="10182610" y="208019"/>
+            <a:off x="10220710" y="314325"/>
             <a:ext cx="1543890" cy="1054838"/>
           </a:xfrm>
           <a:prstGeom prst="roundRect">
@@ -4675,13 +4686,103 @@
         </p:nvCxnSpPr>
         <p:spPr>
           <a:xfrm>
-            <a:off x="10954555" y="1262857"/>
-            <a:ext cx="1" cy="2426640"/>
+            <a:off x="10992655" y="1369163"/>
+            <a:ext cx="1" cy="1750365"/>
           </a:xfrm>
           <a:prstGeom prst="straightConnector1">
             <a:avLst/>
           </a:prstGeom>
           <a:ln>
+            <a:tailEnd type="triangle"/>
+          </a:ln>
+        </p:spPr>
+        <p:style>
+          <a:lnRef idx="1">
+            <a:schemeClr val="dk1"/>
+          </a:lnRef>
+          <a:fillRef idx="0">
+            <a:schemeClr val="dk1"/>
+          </a:fillRef>
+          <a:effectRef idx="0">
+            <a:schemeClr val="dk1"/>
+          </a:effectRef>
+          <a:fontRef idx="minor">
+            <a:schemeClr val="tx1"/>
+          </a:fontRef>
+        </p:style>
+      </p:cxnSp>
+      <p:cxnSp>
+        <p:nvCxnSpPr>
+          <p:cNvPr id="2" name="Straight Arrow Connector 1">
+            <a:extLst>
+              <a:ext uri="{FF2B5EF4-FFF2-40B4-BE49-F238E27FC236}">
+                <a16:creationId xmlns:a16="http://schemas.microsoft.com/office/drawing/2014/main" id="{D9B34681-0236-2538-9307-B027BCBBC839}"/>
+              </a:ext>
+            </a:extLst>
+          </p:cNvPr>
+          <p:cNvCxnSpPr>
+            <a:cxnSpLocks/>
+            <a:stCxn id="28" idx="2"/>
+            <a:endCxn id="33" idx="0"/>
+          </p:cNvCxnSpPr>
+          <p:nvPr/>
+        </p:nvCxnSpPr>
+        <p:spPr>
+          <a:xfrm>
+            <a:off x="9423490" y="4648441"/>
+            <a:ext cx="0" cy="203378"/>
+          </a:xfrm>
+          <a:prstGeom prst="straightConnector1">
+            <a:avLst/>
+          </a:prstGeom>
+          <a:ln>
+            <a:headEnd type="triangle"/>
+            <a:tailEnd type="triangle"/>
+          </a:ln>
+        </p:spPr>
+        <p:style>
+          <a:lnRef idx="1">
+            <a:schemeClr val="dk1"/>
+          </a:lnRef>
+          <a:fillRef idx="0">
+            <a:schemeClr val="dk1"/>
+          </a:fillRef>
+          <a:effectRef idx="0">
+            <a:schemeClr val="dk1"/>
+          </a:effectRef>
+          <a:fontRef idx="minor">
+            <a:schemeClr val="tx1"/>
+          </a:fontRef>
+        </p:style>
+      </p:cxnSp>
+      <p:cxnSp>
+        <p:nvCxnSpPr>
+          <p:cNvPr id="23" name="Connector: Elbow 22">
+            <a:extLst>
+              <a:ext uri="{FF2B5EF4-FFF2-40B4-BE49-F238E27FC236}">
+                <a16:creationId xmlns:a16="http://schemas.microsoft.com/office/drawing/2014/main" id="{7581B487-3392-D83C-E058-994BEC63E02D}"/>
+              </a:ext>
+            </a:extLst>
+          </p:cNvPr>
+          <p:cNvCxnSpPr>
+            <a:cxnSpLocks/>
+            <a:stCxn id="5" idx="2"/>
+            <a:endCxn id="33" idx="2"/>
+          </p:cNvCxnSpPr>
+          <p:nvPr/>
+        </p:nvCxnSpPr>
+        <p:spPr>
+          <a:xfrm rot="5400000" flipH="1" flipV="1">
+            <a:off x="7265133" y="3753707"/>
+            <a:ext cx="374199" cy="3942513"/>
+          </a:xfrm>
+          <a:prstGeom prst="bentConnector3">
+            <a:avLst>
+              <a:gd name="adj1" fmla="val -61090"/>
+            </a:avLst>
+          </a:prstGeom>
+          <a:ln>
+            <a:headEnd type="triangle"/>
             <a:tailEnd type="triangle"/>
           </a:ln>
         </p:spPr>

--- a/img/success6g_edge_architecture.pptx
+++ b/img/success6g_edge_architecture.pptx
@@ -259,7 +259,7 @@
           <a:p>
             <a:fld id="{9952FCE7-4E71-40A9-B3AA-F4BE5BA13E2A}" type="datetimeFigureOut">
               <a:rPr lang="en-US" smtClean="0"/>
-              <a:t>2/5/2024</a:t>
+              <a:t>2/6/2024</a:t>
             </a:fld>
             <a:endParaRPr lang="en-US"/>
           </a:p>
@@ -457,7 +457,7 @@
           <a:p>
             <a:fld id="{9952FCE7-4E71-40A9-B3AA-F4BE5BA13E2A}" type="datetimeFigureOut">
               <a:rPr lang="en-US" smtClean="0"/>
-              <a:t>2/5/2024</a:t>
+              <a:t>2/6/2024</a:t>
             </a:fld>
             <a:endParaRPr lang="en-US"/>
           </a:p>
@@ -665,7 +665,7 @@
           <a:p>
             <a:fld id="{9952FCE7-4E71-40A9-B3AA-F4BE5BA13E2A}" type="datetimeFigureOut">
               <a:rPr lang="en-US" smtClean="0"/>
-              <a:t>2/5/2024</a:t>
+              <a:t>2/6/2024</a:t>
             </a:fld>
             <a:endParaRPr lang="en-US"/>
           </a:p>
@@ -863,7 +863,7 @@
           <a:p>
             <a:fld id="{9952FCE7-4E71-40A9-B3AA-F4BE5BA13E2A}" type="datetimeFigureOut">
               <a:rPr lang="en-US" smtClean="0"/>
-              <a:t>2/5/2024</a:t>
+              <a:t>2/6/2024</a:t>
             </a:fld>
             <a:endParaRPr lang="en-US"/>
           </a:p>
@@ -1138,7 +1138,7 @@
           <a:p>
             <a:fld id="{9952FCE7-4E71-40A9-B3AA-F4BE5BA13E2A}" type="datetimeFigureOut">
               <a:rPr lang="en-US" smtClean="0"/>
-              <a:t>2/5/2024</a:t>
+              <a:t>2/6/2024</a:t>
             </a:fld>
             <a:endParaRPr lang="en-US"/>
           </a:p>
@@ -1403,7 +1403,7 @@
           <a:p>
             <a:fld id="{9952FCE7-4E71-40A9-B3AA-F4BE5BA13E2A}" type="datetimeFigureOut">
               <a:rPr lang="en-US" smtClean="0"/>
-              <a:t>2/5/2024</a:t>
+              <a:t>2/6/2024</a:t>
             </a:fld>
             <a:endParaRPr lang="en-US"/>
           </a:p>
@@ -1815,7 +1815,7 @@
           <a:p>
             <a:fld id="{9952FCE7-4E71-40A9-B3AA-F4BE5BA13E2A}" type="datetimeFigureOut">
               <a:rPr lang="en-US" smtClean="0"/>
-              <a:t>2/5/2024</a:t>
+              <a:t>2/6/2024</a:t>
             </a:fld>
             <a:endParaRPr lang="en-US"/>
           </a:p>
@@ -1956,7 +1956,7 @@
           <a:p>
             <a:fld id="{9952FCE7-4E71-40A9-B3AA-F4BE5BA13E2A}" type="datetimeFigureOut">
               <a:rPr lang="en-US" smtClean="0"/>
-              <a:t>2/5/2024</a:t>
+              <a:t>2/6/2024</a:t>
             </a:fld>
             <a:endParaRPr lang="en-US"/>
           </a:p>
@@ -2069,7 +2069,7 @@
           <a:p>
             <a:fld id="{9952FCE7-4E71-40A9-B3AA-F4BE5BA13E2A}" type="datetimeFigureOut">
               <a:rPr lang="en-US" smtClean="0"/>
-              <a:t>2/5/2024</a:t>
+              <a:t>2/6/2024</a:t>
             </a:fld>
             <a:endParaRPr lang="en-US"/>
           </a:p>
@@ -2380,7 +2380,7 @@
           <a:p>
             <a:fld id="{9952FCE7-4E71-40A9-B3AA-F4BE5BA13E2A}" type="datetimeFigureOut">
               <a:rPr lang="en-US" smtClean="0"/>
-              <a:t>2/5/2024</a:t>
+              <a:t>2/6/2024</a:t>
             </a:fld>
             <a:endParaRPr lang="en-US"/>
           </a:p>
@@ -2668,7 +2668,7 @@
           <a:p>
             <a:fld id="{9952FCE7-4E71-40A9-B3AA-F4BE5BA13E2A}" type="datetimeFigureOut">
               <a:rPr lang="en-US" smtClean="0"/>
-              <a:t>2/5/2024</a:t>
+              <a:t>2/6/2024</a:t>
             </a:fld>
             <a:endParaRPr lang="en-US"/>
           </a:p>
@@ -2909,7 +2909,7 @@
           <a:p>
             <a:fld id="{9952FCE7-4E71-40A9-B3AA-F4BE5BA13E2A}" type="datetimeFigureOut">
               <a:rPr lang="en-US" smtClean="0"/>
-              <a:t>2/5/2024</a:t>
+              <a:t>2/6/2024</a:t>
             </a:fld>
             <a:endParaRPr lang="en-US"/>
           </a:p>
@@ -3340,7 +3340,7 @@
         </p:nvSpPr>
         <p:spPr>
           <a:xfrm>
-            <a:off x="246510" y="3758213"/>
+            <a:off x="43542" y="2988870"/>
             <a:ext cx="2320505" cy="1528190"/>
           </a:xfrm>
           <a:prstGeom prst="roundRect">
@@ -3368,7 +3368,6 @@
           <a:bodyPr rtlCol="0" anchor="t"/>
           <a:lstStyle/>
           <a:p>
-            <a:pPr algn="ctr"/>
             <a:r>
               <a:rPr lang="en-US" b="1" dirty="0">
                 <a:solidFill>
@@ -3394,8 +3393,8 @@
         </p:nvSpPr>
         <p:spPr>
           <a:xfrm>
-            <a:off x="2891943" y="2642652"/>
-            <a:ext cx="5178067" cy="3269411"/>
+            <a:off x="2602306" y="3039672"/>
+            <a:ext cx="4077930" cy="1528190"/>
           </a:xfrm>
           <a:prstGeom prst="roundRect">
             <a:avLst/>
@@ -3422,7 +3421,6 @@
           <a:bodyPr rtlCol="0" anchor="t"/>
           <a:lstStyle/>
           <a:p>
-            <a:pPr algn="ctr"/>
             <a:r>
               <a:rPr lang="en-US" b="1" dirty="0">
                 <a:solidFill>
@@ -3436,10 +3434,10 @@
       </p:sp>
       <p:sp>
         <p:nvSpPr>
-          <p:cNvPr id="6" name="Rectangle: Rounded Corners 5">
-            <a:extLst>
-              <a:ext uri="{FF2B5EF4-FFF2-40B4-BE49-F238E27FC236}">
-                <a16:creationId xmlns:a16="http://schemas.microsoft.com/office/drawing/2014/main" id="{DF47362E-8F81-0816-FA55-038F5455A646}"/>
+          <p:cNvPr id="7" name="Rectangle: Rounded Corners 6">
+            <a:extLst>
+              <a:ext uri="{FF2B5EF4-FFF2-40B4-BE49-F238E27FC236}">
+                <a16:creationId xmlns:a16="http://schemas.microsoft.com/office/drawing/2014/main" id="{D5C1C2DD-4DE8-4775-2294-7D59CFECB009}"/>
               </a:ext>
             </a:extLst>
           </p:cNvPr>
@@ -3448,8 +3446,8 @@
         </p:nvSpPr>
         <p:spPr>
           <a:xfrm>
-            <a:off x="2958078" y="3119528"/>
-            <a:ext cx="5042921" cy="2706271"/>
+            <a:off x="2765323" y="3452301"/>
+            <a:ext cx="1433788" cy="926139"/>
           </a:xfrm>
           <a:prstGeom prst="roundRect">
             <a:avLst/>
@@ -3473,7 +3471,7 @@
           </a:fontRef>
         </p:style>
         <p:txBody>
-          <a:bodyPr rtlCol="0" anchor="t"/>
+          <a:bodyPr rtlCol="0" anchor="ctr"/>
           <a:lstStyle/>
           <a:p>
             <a:pPr algn="ctr"/>
@@ -3483,17 +3481,33 @@
                   <a:schemeClr val="tx1"/>
                 </a:solidFill>
               </a:rPr>
-              <a:t>Edge pod</a:t>
-            </a:r>
-          </a:p>
-        </p:txBody>
-      </p:sp>
-      <p:sp>
-        <p:nvSpPr>
-          <p:cNvPr id="7" name="Rectangle: Rounded Corners 6">
-            <a:extLst>
-              <a:ext uri="{FF2B5EF4-FFF2-40B4-BE49-F238E27FC236}">
-                <a16:creationId xmlns:a16="http://schemas.microsoft.com/office/drawing/2014/main" id="{D5C1C2DD-4DE8-4775-2294-7D59CFECB009}"/>
+              <a:t>Edge pod #1</a:t>
+            </a:r>
+            <a:endParaRPr lang="en-US" dirty="0">
+              <a:solidFill>
+                <a:schemeClr val="tx1"/>
+              </a:solidFill>
+            </a:endParaRPr>
+          </a:p>
+          <a:p>
+            <a:pPr algn="ctr"/>
+            <a:r>
+              <a:rPr lang="en-US" dirty="0">
+                <a:solidFill>
+                  <a:schemeClr val="tx1"/>
+                </a:solidFill>
+              </a:rPr>
+              <a:t>Redis Database</a:t>
+            </a:r>
+          </a:p>
+        </p:txBody>
+      </p:sp>
+      <p:sp>
+        <p:nvSpPr>
+          <p:cNvPr id="13" name="Rectangle: Rounded Corners 12">
+            <a:extLst>
+              <a:ext uri="{FF2B5EF4-FFF2-40B4-BE49-F238E27FC236}">
+                <a16:creationId xmlns:a16="http://schemas.microsoft.com/office/drawing/2014/main" id="{7D77E292-FC63-A21E-7E35-D2019A9B4A81}"/>
               </a:ext>
             </a:extLst>
           </p:cNvPr>
@@ -3502,8 +3516,8 @@
         </p:nvSpPr>
         <p:spPr>
           <a:xfrm>
-            <a:off x="3054961" y="4310542"/>
-            <a:ext cx="1138687" cy="786439"/>
+            <a:off x="109597" y="3401499"/>
+            <a:ext cx="2176813" cy="1055176"/>
           </a:xfrm>
           <a:prstGeom prst="roundRect">
             <a:avLst/>
@@ -3537,17 +3551,60 @@
                   <a:schemeClr val="tx1"/>
                 </a:solidFill>
               </a:rPr>
-              <a:t>Redis Database</a:t>
-            </a:r>
-          </a:p>
-        </p:txBody>
-      </p:sp>
-      <p:sp>
-        <p:nvSpPr>
-          <p:cNvPr id="8" name="Rectangle: Rounded Corners 7">
-            <a:extLst>
-              <a:ext uri="{FF2B5EF4-FFF2-40B4-BE49-F238E27FC236}">
-                <a16:creationId xmlns:a16="http://schemas.microsoft.com/office/drawing/2014/main" id="{21232514-17CF-FD19-8113-A2ACC0186DC0}"/>
+              <a:t>On Board Unit(OBU)</a:t>
+            </a:r>
+          </a:p>
+        </p:txBody>
+      </p:sp>
+      <p:cxnSp>
+        <p:nvCxnSpPr>
+          <p:cNvPr id="15" name="Straight Arrow Connector 14">
+            <a:extLst>
+              <a:ext uri="{FF2B5EF4-FFF2-40B4-BE49-F238E27FC236}">
+                <a16:creationId xmlns:a16="http://schemas.microsoft.com/office/drawing/2014/main" id="{D72F7CFC-D72B-B75F-D5C2-FD6A1E6A13BE}"/>
+              </a:ext>
+            </a:extLst>
+          </p:cNvPr>
+          <p:cNvCxnSpPr>
+            <a:cxnSpLocks/>
+            <a:stCxn id="13" idx="3"/>
+            <a:endCxn id="7" idx="1"/>
+          </p:cNvCxnSpPr>
+          <p:nvPr/>
+        </p:nvCxnSpPr>
+        <p:spPr>
+          <a:xfrm flipV="1">
+            <a:off x="2286410" y="3915371"/>
+            <a:ext cx="478913" cy="13716"/>
+          </a:xfrm>
+          <a:prstGeom prst="straightConnector1">
+            <a:avLst/>
+          </a:prstGeom>
+          <a:ln>
+            <a:tailEnd type="triangle"/>
+          </a:ln>
+        </p:spPr>
+        <p:style>
+          <a:lnRef idx="1">
+            <a:schemeClr val="dk1"/>
+          </a:lnRef>
+          <a:fillRef idx="0">
+            <a:schemeClr val="dk1"/>
+          </a:fillRef>
+          <a:effectRef idx="0">
+            <a:schemeClr val="dk1"/>
+          </a:effectRef>
+          <a:fontRef idx="minor">
+            <a:schemeClr val="tx1"/>
+          </a:fontRef>
+        </p:style>
+      </p:cxnSp>
+      <p:sp>
+        <p:nvSpPr>
+          <p:cNvPr id="27" name="Rectangle: Rounded Corners 26">
+            <a:extLst>
+              <a:ext uri="{FF2B5EF4-FFF2-40B4-BE49-F238E27FC236}">
+                <a16:creationId xmlns:a16="http://schemas.microsoft.com/office/drawing/2014/main" id="{284A17B5-9E8E-A666-55DA-ED158F402A5C}"/>
               </a:ext>
             </a:extLst>
           </p:cNvPr>
@@ -3556,8 +3613,8 @@
         </p:nvSpPr>
         <p:spPr>
           <a:xfrm>
-            <a:off x="4231256" y="3592214"/>
-            <a:ext cx="3683480" cy="2121441"/>
+            <a:off x="2524668" y="1801906"/>
+            <a:ext cx="9548949" cy="4930588"/>
           </a:xfrm>
           <a:prstGeom prst="roundRect">
             <a:avLst/>
@@ -3584,24 +3641,23 @@
           <a:bodyPr rtlCol="0" anchor="t"/>
           <a:lstStyle/>
           <a:p>
-            <a:pPr algn="ctr"/>
-            <a:r>
-              <a:rPr lang="en-US" dirty="0">
+            <a:r>
+              <a:rPr lang="en-US" b="1" dirty="0">
                 <a:solidFill>
                   <a:schemeClr val="tx1"/>
                 </a:solidFill>
               </a:rPr>
-              <a:t>Python</a:t>
-            </a:r>
-          </a:p>
-        </p:txBody>
-      </p:sp>
-      <p:sp>
-        <p:nvSpPr>
-          <p:cNvPr id="9" name="Rectangle: Rounded Corners 8">
-            <a:extLst>
-              <a:ext uri="{FF2B5EF4-FFF2-40B4-BE49-F238E27FC236}">
-                <a16:creationId xmlns:a16="http://schemas.microsoft.com/office/drawing/2014/main" id="{75EA45C1-36A4-DA06-2AA1-4BF951D8639C}"/>
+              <a:t>Kubernetes</a:t>
+            </a:r>
+          </a:p>
+        </p:txBody>
+      </p:sp>
+      <p:sp>
+        <p:nvSpPr>
+          <p:cNvPr id="28" name="Rectangle: Rounded Corners 27">
+            <a:extLst>
+              <a:ext uri="{FF2B5EF4-FFF2-40B4-BE49-F238E27FC236}">
+                <a16:creationId xmlns:a16="http://schemas.microsoft.com/office/drawing/2014/main" id="{B5FD2DBB-C1A9-4462-EEB9-1BD72F609305}"/>
               </a:ext>
             </a:extLst>
           </p:cNvPr>
@@ -3610,8 +3666,8 @@
         </p:nvSpPr>
         <p:spPr>
           <a:xfrm>
-            <a:off x="4296610" y="4480795"/>
-            <a:ext cx="1220310" cy="456543"/>
+            <a:off x="7277158" y="3575551"/>
+            <a:ext cx="1457323" cy="686045"/>
           </a:xfrm>
           <a:prstGeom prst="roundRect">
             <a:avLst/>
@@ -3635,7 +3691,7 @@
           </a:fontRef>
         </p:style>
         <p:txBody>
-          <a:bodyPr rtlCol="0" anchor="t"/>
+          <a:bodyPr rtlCol="0" anchor="ctr"/>
           <a:lstStyle/>
           <a:p>
             <a:pPr algn="ctr"/>
@@ -3645,17 +3701,17 @@
                   <a:schemeClr val="tx1"/>
                 </a:solidFill>
               </a:rPr>
-              <a:t>ML model</a:t>
-            </a:r>
-          </a:p>
-        </p:txBody>
-      </p:sp>
-      <p:sp>
-        <p:nvSpPr>
-          <p:cNvPr id="10" name="Rectangle: Rounded Corners 9">
-            <a:extLst>
-              <a:ext uri="{FF2B5EF4-FFF2-40B4-BE49-F238E27FC236}">
-                <a16:creationId xmlns:a16="http://schemas.microsoft.com/office/drawing/2014/main" id="{541AC627-41C2-95C9-DAB2-FDF3231DA305}"/>
+              <a:t>Prometheus</a:t>
+            </a:r>
+          </a:p>
+        </p:txBody>
+      </p:sp>
+      <p:sp>
+        <p:nvSpPr>
+          <p:cNvPr id="30" name="Rectangle: Rounded Corners 29">
+            <a:extLst>
+              <a:ext uri="{FF2B5EF4-FFF2-40B4-BE49-F238E27FC236}">
+                <a16:creationId xmlns:a16="http://schemas.microsoft.com/office/drawing/2014/main" id="{273A558C-5153-8B45-E9AF-7111ADD06BAE}"/>
               </a:ext>
             </a:extLst>
           </p:cNvPr>
@@ -3664,8 +3720,8 @@
         </p:nvSpPr>
         <p:spPr>
           <a:xfrm>
-            <a:off x="5575867" y="4068762"/>
-            <a:ext cx="2262996" cy="1568694"/>
+            <a:off x="7327420" y="2719983"/>
+            <a:ext cx="1368515" cy="686045"/>
           </a:xfrm>
           <a:prstGeom prst="roundRect">
             <a:avLst/>
@@ -3699,17 +3755,17 @@
                   <a:schemeClr val="tx1"/>
                 </a:solidFill>
               </a:rPr>
-              <a:t>Export</a:t>
-            </a:r>
-          </a:p>
-        </p:txBody>
-      </p:sp>
-      <p:sp>
-        <p:nvSpPr>
-          <p:cNvPr id="11" name="Rectangle: Rounded Corners 10">
-            <a:extLst>
-              <a:ext uri="{FF2B5EF4-FFF2-40B4-BE49-F238E27FC236}">
-                <a16:creationId xmlns:a16="http://schemas.microsoft.com/office/drawing/2014/main" id="{5FA48A2D-FEE1-29E8-F809-C64F304565D7}"/>
+              <a:t>Dashboard (Grafana)</a:t>
+            </a:r>
+          </a:p>
+        </p:txBody>
+      </p:sp>
+      <p:sp>
+        <p:nvSpPr>
+          <p:cNvPr id="31" name="Rectangle: Rounded Corners 30">
+            <a:extLst>
+              <a:ext uri="{FF2B5EF4-FFF2-40B4-BE49-F238E27FC236}">
+                <a16:creationId xmlns:a16="http://schemas.microsoft.com/office/drawing/2014/main" id="{D5F23C16-761D-6447-2707-DC0D49DF7709}"/>
               </a:ext>
             </a:extLst>
           </p:cNvPr>
@@ -3718,8 +3774,8 @@
         </p:nvSpPr>
         <p:spPr>
           <a:xfrm>
-            <a:off x="5659255" y="4451136"/>
-            <a:ext cx="2110596" cy="486202"/>
+            <a:off x="7155946" y="2207693"/>
+            <a:ext cx="4822421" cy="3949137"/>
           </a:xfrm>
           <a:prstGeom prst="roundRect">
             <a:avLst/>
@@ -3746,24 +3802,23 @@
           <a:bodyPr rtlCol="0" anchor="t"/>
           <a:lstStyle/>
           <a:p>
-            <a:pPr algn="ctr"/>
-            <a:r>
-              <a:rPr lang="en-US" dirty="0">
+            <a:r>
+              <a:rPr lang="en-US" b="1" dirty="0">
                 <a:solidFill>
                   <a:schemeClr val="tx1"/>
                 </a:solidFill>
               </a:rPr>
-              <a:t>Prometheus metrics</a:t>
-            </a:r>
-          </a:p>
-        </p:txBody>
-      </p:sp>
-      <p:sp>
-        <p:nvSpPr>
-          <p:cNvPr id="12" name="Rectangle: Rounded Corners 11">
-            <a:extLst>
-              <a:ext uri="{FF2B5EF4-FFF2-40B4-BE49-F238E27FC236}">
-                <a16:creationId xmlns:a16="http://schemas.microsoft.com/office/drawing/2014/main" id="{9217BBC6-BF56-4000-DF2B-164BF07533A4}"/>
+              <a:t>Core</a:t>
+            </a:r>
+          </a:p>
+        </p:txBody>
+      </p:sp>
+      <p:sp>
+        <p:nvSpPr>
+          <p:cNvPr id="32" name="Rectangle: Rounded Corners 31">
+            <a:extLst>
+              <a:ext uri="{FF2B5EF4-FFF2-40B4-BE49-F238E27FC236}">
+                <a16:creationId xmlns:a16="http://schemas.microsoft.com/office/drawing/2014/main" id="{2497F736-F4FB-2A5C-340E-42B210A8CF70}"/>
               </a:ext>
             </a:extLst>
           </p:cNvPr>
@@ -3772,13 +3827,18 @@
         </p:nvSpPr>
         <p:spPr>
           <a:xfrm>
-            <a:off x="5659255" y="5043302"/>
-            <a:ext cx="2110596" cy="486202"/>
+            <a:off x="10494027" y="4482782"/>
+            <a:ext cx="1232804" cy="686045"/>
           </a:xfrm>
           <a:prstGeom prst="roundRect">
             <a:avLst/>
           </a:prstGeom>
           <a:noFill/>
+          <a:ln>
+            <a:solidFill>
+              <a:schemeClr val="tx1"/>
+            </a:solidFill>
+          </a:ln>
         </p:spPr>
         <p:style>
           <a:lnRef idx="2">
@@ -3797,7 +3857,7 @@
           </a:fontRef>
         </p:style>
         <p:txBody>
-          <a:bodyPr rtlCol="0" anchor="t"/>
+          <a:bodyPr rtlCol="0" anchor="ctr"/>
           <a:lstStyle/>
           <a:p>
             <a:pPr algn="ctr"/>
@@ -3807,17 +3867,17 @@
                   <a:schemeClr val="tx1"/>
                 </a:solidFill>
               </a:rPr>
-              <a:t>HTTP server</a:t>
-            </a:r>
-          </a:p>
-        </p:txBody>
-      </p:sp>
-      <p:sp>
-        <p:nvSpPr>
-          <p:cNvPr id="13" name="Rectangle: Rounded Corners 12">
-            <a:extLst>
-              <a:ext uri="{FF2B5EF4-FFF2-40B4-BE49-F238E27FC236}">
-                <a16:creationId xmlns:a16="http://schemas.microsoft.com/office/drawing/2014/main" id="{7D77E292-FC63-A21E-7E35-D2019A9B4A81}"/>
+              <a:t>Kubeflow</a:t>
+            </a:r>
+          </a:p>
+        </p:txBody>
+      </p:sp>
+      <p:sp>
+        <p:nvSpPr>
+          <p:cNvPr id="33" name="Rectangle: Rounded Corners 32">
+            <a:extLst>
+              <a:ext uri="{FF2B5EF4-FFF2-40B4-BE49-F238E27FC236}">
+                <a16:creationId xmlns:a16="http://schemas.microsoft.com/office/drawing/2014/main" id="{683EE245-9F60-4706-01E6-4198CEDF9C83}"/>
               </a:ext>
             </a:extLst>
           </p:cNvPr>
@@ -3826,8 +3886,8 @@
         </p:nvSpPr>
         <p:spPr>
           <a:xfrm>
-            <a:off x="312565" y="4170842"/>
-            <a:ext cx="2176813" cy="1055176"/>
+            <a:off x="7277158" y="4464974"/>
+            <a:ext cx="1457323" cy="686045"/>
           </a:xfrm>
           <a:prstGeom prst="roundRect">
             <a:avLst/>
@@ -3861,36 +3921,37 @@
                   <a:schemeClr val="tx1"/>
                 </a:solidFill>
               </a:rPr>
-              <a:t>On Board Unit(OBU)</a:t>
+              <a:t>Kepler</a:t>
             </a:r>
           </a:p>
         </p:txBody>
       </p:sp>
       <p:cxnSp>
         <p:nvCxnSpPr>
-          <p:cNvPr id="15" name="Straight Arrow Connector 14">
-            <a:extLst>
-              <a:ext uri="{FF2B5EF4-FFF2-40B4-BE49-F238E27FC236}">
-                <a16:creationId xmlns:a16="http://schemas.microsoft.com/office/drawing/2014/main" id="{D72F7CFC-D72B-B75F-D5C2-FD6A1E6A13BE}"/>
+          <p:cNvPr id="40" name="Straight Arrow Connector 39">
+            <a:extLst>
+              <a:ext uri="{FF2B5EF4-FFF2-40B4-BE49-F238E27FC236}">
+                <a16:creationId xmlns:a16="http://schemas.microsoft.com/office/drawing/2014/main" id="{5421D38B-DF3C-CC06-9AA6-AA7A488308CB}"/>
               </a:ext>
             </a:extLst>
           </p:cNvPr>
           <p:cNvCxnSpPr>
             <a:cxnSpLocks/>
-            <a:stCxn id="13" idx="3"/>
-            <a:endCxn id="7" idx="1"/>
+            <a:stCxn id="30" idx="2"/>
+            <a:endCxn id="28" idx="0"/>
           </p:cNvCxnSpPr>
           <p:nvPr/>
         </p:nvCxnSpPr>
         <p:spPr>
-          <a:xfrm>
-            <a:off x="2489378" y="4698430"/>
-            <a:ext cx="565583" cy="5332"/>
+          <a:xfrm flipH="1">
+            <a:off x="8005820" y="3406028"/>
+            <a:ext cx="5858" cy="169523"/>
           </a:xfrm>
           <a:prstGeom prst="straightConnector1">
             <a:avLst/>
           </a:prstGeom>
           <a:ln>
+            <a:headEnd type="triangle"/>
             <a:tailEnd type="triangle"/>
           </a:ln>
         </p:spPr>
@@ -3909,140 +3970,12 @@
           </a:fontRef>
         </p:style>
       </p:cxnSp>
-      <p:cxnSp>
-        <p:nvCxnSpPr>
-          <p:cNvPr id="18" name="Straight Arrow Connector 17">
-            <a:extLst>
-              <a:ext uri="{FF2B5EF4-FFF2-40B4-BE49-F238E27FC236}">
-                <a16:creationId xmlns:a16="http://schemas.microsoft.com/office/drawing/2014/main" id="{278ABA96-7E70-529A-C965-76EBC2EE2DBA}"/>
-              </a:ext>
-            </a:extLst>
-          </p:cNvPr>
-          <p:cNvCxnSpPr>
-            <a:cxnSpLocks/>
-            <a:stCxn id="7" idx="3"/>
-            <a:endCxn id="9" idx="1"/>
-          </p:cNvCxnSpPr>
-          <p:nvPr/>
-        </p:nvCxnSpPr>
-        <p:spPr>
-          <a:xfrm>
-            <a:off x="4193648" y="4703762"/>
-            <a:ext cx="102962" cy="5305"/>
-          </a:xfrm>
-          <a:prstGeom prst="straightConnector1">
-            <a:avLst/>
-          </a:prstGeom>
-          <a:ln>
-            <a:tailEnd type="triangle"/>
-          </a:ln>
-        </p:spPr>
-        <p:style>
-          <a:lnRef idx="1">
-            <a:schemeClr val="dk1"/>
-          </a:lnRef>
-          <a:fillRef idx="0">
-            <a:schemeClr val="dk1"/>
-          </a:fillRef>
-          <a:effectRef idx="0">
-            <a:schemeClr val="dk1"/>
-          </a:effectRef>
-          <a:fontRef idx="minor">
-            <a:schemeClr val="tx1"/>
-          </a:fontRef>
-        </p:style>
-      </p:cxnSp>
-      <p:cxnSp>
-        <p:nvCxnSpPr>
-          <p:cNvPr id="21" name="Straight Arrow Connector 20">
-            <a:extLst>
-              <a:ext uri="{FF2B5EF4-FFF2-40B4-BE49-F238E27FC236}">
-                <a16:creationId xmlns:a16="http://schemas.microsoft.com/office/drawing/2014/main" id="{D6E828F7-0797-3D2E-E9AC-FA42FE9150B8}"/>
-              </a:ext>
-            </a:extLst>
-          </p:cNvPr>
-          <p:cNvCxnSpPr>
-            <a:cxnSpLocks/>
-            <a:endCxn id="11" idx="1"/>
-          </p:cNvCxnSpPr>
-          <p:nvPr/>
-        </p:nvCxnSpPr>
-        <p:spPr>
-          <a:xfrm>
-            <a:off x="5554528" y="4694237"/>
-            <a:ext cx="104727" cy="0"/>
-          </a:xfrm>
-          <a:prstGeom prst="straightConnector1">
-            <a:avLst/>
-          </a:prstGeom>
-          <a:ln>
-            <a:tailEnd type="triangle"/>
-          </a:ln>
-        </p:spPr>
-        <p:style>
-          <a:lnRef idx="1">
-            <a:schemeClr val="dk1"/>
-          </a:lnRef>
-          <a:fillRef idx="0">
-            <a:schemeClr val="dk1"/>
-          </a:fillRef>
-          <a:effectRef idx="0">
-            <a:schemeClr val="dk1"/>
-          </a:effectRef>
-          <a:fontRef idx="minor">
-            <a:schemeClr val="tx1"/>
-          </a:fontRef>
-        </p:style>
-      </p:cxnSp>
-      <p:cxnSp>
-        <p:nvCxnSpPr>
-          <p:cNvPr id="24" name="Straight Arrow Connector 23">
-            <a:extLst>
-              <a:ext uri="{FF2B5EF4-FFF2-40B4-BE49-F238E27FC236}">
-                <a16:creationId xmlns:a16="http://schemas.microsoft.com/office/drawing/2014/main" id="{E36A4A09-DAD1-F937-3788-A3B4A2C1BF0C}"/>
-              </a:ext>
-            </a:extLst>
-          </p:cNvPr>
-          <p:cNvCxnSpPr>
-            <a:cxnSpLocks/>
-            <a:stCxn id="11" idx="2"/>
-            <a:endCxn id="12" idx="0"/>
-          </p:cNvCxnSpPr>
-          <p:nvPr/>
-        </p:nvCxnSpPr>
-        <p:spPr>
-          <a:xfrm>
-            <a:off x="6714553" y="4937338"/>
-            <a:ext cx="0" cy="105964"/>
-          </a:xfrm>
-          <a:prstGeom prst="straightConnector1">
-            <a:avLst/>
-          </a:prstGeom>
-          <a:ln>
-            <a:tailEnd type="triangle"/>
-          </a:ln>
-        </p:spPr>
-        <p:style>
-          <a:lnRef idx="1">
-            <a:schemeClr val="dk1"/>
-          </a:lnRef>
-          <a:fillRef idx="0">
-            <a:schemeClr val="dk1"/>
-          </a:fillRef>
-          <a:effectRef idx="0">
-            <a:schemeClr val="dk1"/>
-          </a:effectRef>
-          <a:fontRef idx="minor">
-            <a:schemeClr val="tx1"/>
-          </a:fontRef>
-        </p:style>
-      </p:cxnSp>
-      <p:sp>
-        <p:nvSpPr>
-          <p:cNvPr id="27" name="Rectangle: Rounded Corners 26">
-            <a:extLst>
-              <a:ext uri="{FF2B5EF4-FFF2-40B4-BE49-F238E27FC236}">
-                <a16:creationId xmlns:a16="http://schemas.microsoft.com/office/drawing/2014/main" id="{284A17B5-9E8E-A666-55DA-ED158F402A5C}"/>
+      <p:sp>
+        <p:nvSpPr>
+          <p:cNvPr id="17" name="Rectangle: Rounded Corners 16">
+            <a:extLst>
+              <a:ext uri="{FF2B5EF4-FFF2-40B4-BE49-F238E27FC236}">
+                <a16:creationId xmlns:a16="http://schemas.microsoft.com/office/drawing/2014/main" id="{10B418DB-960B-FB42-D95D-FBE7509B1A8B}"/>
               </a:ext>
             </a:extLst>
           </p:cNvPr>
@@ -4051,8 +3984,8 @@
         </p:nvSpPr>
         <p:spPr>
           <a:xfrm>
-            <a:off x="2814306" y="1725556"/>
-            <a:ext cx="9237994" cy="4637144"/>
+            <a:off x="8846324" y="2719983"/>
+            <a:ext cx="1457323" cy="686045"/>
           </a:xfrm>
           <a:prstGeom prst="roundRect">
             <a:avLst/>
@@ -4076,433 +4009,6 @@
           </a:fontRef>
         </p:style>
         <p:txBody>
-          <a:bodyPr rtlCol="0" anchor="t"/>
-          <a:lstStyle/>
-          <a:p>
-            <a:pPr algn="ctr"/>
-            <a:r>
-              <a:rPr lang="en-US" b="1" dirty="0">
-                <a:solidFill>
-                  <a:schemeClr val="tx1"/>
-                </a:solidFill>
-              </a:rPr>
-              <a:t>Kubernetes</a:t>
-            </a:r>
-          </a:p>
-        </p:txBody>
-      </p:sp>
-      <p:sp>
-        <p:nvSpPr>
-          <p:cNvPr id="28" name="Rectangle: Rounded Corners 27">
-            <a:extLst>
-              <a:ext uri="{FF2B5EF4-FFF2-40B4-BE49-F238E27FC236}">
-                <a16:creationId xmlns:a16="http://schemas.microsoft.com/office/drawing/2014/main" id="{B5FD2DBB-C1A9-4462-EEB9-1BD72F609305}"/>
-              </a:ext>
-            </a:extLst>
-          </p:cNvPr>
-          <p:cNvSpPr/>
-          <p:nvPr/>
-        </p:nvSpPr>
-        <p:spPr>
-          <a:xfrm>
-            <a:off x="8694828" y="3962396"/>
-            <a:ext cx="1457323" cy="686045"/>
-          </a:xfrm>
-          <a:prstGeom prst="roundRect">
-            <a:avLst/>
-          </a:prstGeom>
-          <a:noFill/>
-        </p:spPr>
-        <p:style>
-          <a:lnRef idx="2">
-            <a:schemeClr val="accent1">
-              <a:shade val="15000"/>
-            </a:schemeClr>
-          </a:lnRef>
-          <a:fillRef idx="1">
-            <a:schemeClr val="accent1"/>
-          </a:fillRef>
-          <a:effectRef idx="0">
-            <a:schemeClr val="accent1"/>
-          </a:effectRef>
-          <a:fontRef idx="minor">
-            <a:schemeClr val="lt1"/>
-          </a:fontRef>
-        </p:style>
-        <p:txBody>
-          <a:bodyPr rtlCol="0" anchor="t"/>
-          <a:lstStyle/>
-          <a:p>
-            <a:pPr algn="ctr"/>
-            <a:r>
-              <a:rPr lang="en-US" dirty="0">
-                <a:solidFill>
-                  <a:schemeClr val="tx1"/>
-                </a:solidFill>
-              </a:rPr>
-              <a:t>Prometheus/Thanos</a:t>
-            </a:r>
-          </a:p>
-        </p:txBody>
-      </p:sp>
-      <p:sp>
-        <p:nvSpPr>
-          <p:cNvPr id="30" name="Rectangle: Rounded Corners 29">
-            <a:extLst>
-              <a:ext uri="{FF2B5EF4-FFF2-40B4-BE49-F238E27FC236}">
-                <a16:creationId xmlns:a16="http://schemas.microsoft.com/office/drawing/2014/main" id="{273A558C-5153-8B45-E9AF-7111ADD06BAE}"/>
-              </a:ext>
-            </a:extLst>
-          </p:cNvPr>
-          <p:cNvSpPr/>
-          <p:nvPr/>
-        </p:nvSpPr>
-        <p:spPr>
-          <a:xfrm>
-            <a:off x="8745090" y="3073830"/>
-            <a:ext cx="1368515" cy="754380"/>
-          </a:xfrm>
-          <a:prstGeom prst="roundRect">
-            <a:avLst/>
-          </a:prstGeom>
-          <a:noFill/>
-        </p:spPr>
-        <p:style>
-          <a:lnRef idx="2">
-            <a:schemeClr val="accent1">
-              <a:shade val="15000"/>
-            </a:schemeClr>
-          </a:lnRef>
-          <a:fillRef idx="1">
-            <a:schemeClr val="accent1"/>
-          </a:fillRef>
-          <a:effectRef idx="0">
-            <a:schemeClr val="accent1"/>
-          </a:effectRef>
-          <a:fontRef idx="minor">
-            <a:schemeClr val="lt1"/>
-          </a:fontRef>
-        </p:style>
-        <p:txBody>
-          <a:bodyPr rtlCol="0" anchor="t"/>
-          <a:lstStyle/>
-          <a:p>
-            <a:pPr algn="ctr"/>
-            <a:r>
-              <a:rPr lang="en-US" dirty="0">
-                <a:solidFill>
-                  <a:schemeClr val="tx1"/>
-                </a:solidFill>
-              </a:rPr>
-              <a:t>Dashboard (Grafana)</a:t>
-            </a:r>
-          </a:p>
-        </p:txBody>
-      </p:sp>
-      <p:sp>
-        <p:nvSpPr>
-          <p:cNvPr id="31" name="Rectangle: Rounded Corners 30">
-            <a:extLst>
-              <a:ext uri="{FF2B5EF4-FFF2-40B4-BE49-F238E27FC236}">
-                <a16:creationId xmlns:a16="http://schemas.microsoft.com/office/drawing/2014/main" id="{D5F23C16-761D-6447-2707-DC0D49DF7709}"/>
-              </a:ext>
-            </a:extLst>
-          </p:cNvPr>
-          <p:cNvSpPr/>
-          <p:nvPr/>
-        </p:nvSpPr>
-        <p:spPr>
-          <a:xfrm>
-            <a:off x="8493305" y="2594538"/>
-            <a:ext cx="3381196" cy="3269411"/>
-          </a:xfrm>
-          <a:prstGeom prst="roundRect">
-            <a:avLst/>
-          </a:prstGeom>
-          <a:noFill/>
-        </p:spPr>
-        <p:style>
-          <a:lnRef idx="2">
-            <a:schemeClr val="accent1">
-              <a:shade val="15000"/>
-            </a:schemeClr>
-          </a:lnRef>
-          <a:fillRef idx="1">
-            <a:schemeClr val="accent1"/>
-          </a:fillRef>
-          <a:effectRef idx="0">
-            <a:schemeClr val="accent1"/>
-          </a:effectRef>
-          <a:fontRef idx="minor">
-            <a:schemeClr val="lt1"/>
-          </a:fontRef>
-        </p:style>
-        <p:txBody>
-          <a:bodyPr rtlCol="0" anchor="t"/>
-          <a:lstStyle/>
-          <a:p>
-            <a:pPr algn="ctr"/>
-            <a:r>
-              <a:rPr lang="en-US" b="1" dirty="0">
-                <a:solidFill>
-                  <a:schemeClr val="tx1"/>
-                </a:solidFill>
-              </a:rPr>
-              <a:t>Core</a:t>
-            </a:r>
-          </a:p>
-        </p:txBody>
-      </p:sp>
-      <p:sp>
-        <p:nvSpPr>
-          <p:cNvPr id="32" name="Rectangle: Rounded Corners 31">
-            <a:extLst>
-              <a:ext uri="{FF2B5EF4-FFF2-40B4-BE49-F238E27FC236}">
-                <a16:creationId xmlns:a16="http://schemas.microsoft.com/office/drawing/2014/main" id="{2497F736-F4FB-2A5C-340E-42B210A8CF70}"/>
-              </a:ext>
-            </a:extLst>
-          </p:cNvPr>
-          <p:cNvSpPr/>
-          <p:nvPr/>
-        </p:nvSpPr>
-        <p:spPr>
-          <a:xfrm>
-            <a:off x="10263994" y="4866548"/>
-            <a:ext cx="1457323" cy="686045"/>
-          </a:xfrm>
-          <a:prstGeom prst="roundRect">
-            <a:avLst/>
-          </a:prstGeom>
-          <a:noFill/>
-          <a:ln>
-            <a:solidFill>
-              <a:schemeClr val="bg2">
-                <a:lumMod val="75000"/>
-              </a:schemeClr>
-            </a:solidFill>
-          </a:ln>
-        </p:spPr>
-        <p:style>
-          <a:lnRef idx="2">
-            <a:schemeClr val="accent1">
-              <a:shade val="15000"/>
-            </a:schemeClr>
-          </a:lnRef>
-          <a:fillRef idx="1">
-            <a:schemeClr val="accent1"/>
-          </a:fillRef>
-          <a:effectRef idx="0">
-            <a:schemeClr val="accent1"/>
-          </a:effectRef>
-          <a:fontRef idx="minor">
-            <a:schemeClr val="lt1"/>
-          </a:fontRef>
-        </p:style>
-        <p:txBody>
-          <a:bodyPr rtlCol="0" anchor="ctr"/>
-          <a:lstStyle/>
-          <a:p>
-            <a:pPr algn="ctr"/>
-            <a:r>
-              <a:rPr lang="en-US" dirty="0" err="1">
-                <a:solidFill>
-                  <a:schemeClr val="bg2">
-                    <a:lumMod val="75000"/>
-                  </a:schemeClr>
-                </a:solidFill>
-              </a:rPr>
-              <a:t>MLFlow</a:t>
-            </a:r>
-            <a:endParaRPr lang="en-US" dirty="0">
-              <a:solidFill>
-                <a:schemeClr val="bg2">
-                  <a:lumMod val="75000"/>
-                </a:schemeClr>
-              </a:solidFill>
-            </a:endParaRPr>
-          </a:p>
-        </p:txBody>
-      </p:sp>
-      <p:sp>
-        <p:nvSpPr>
-          <p:cNvPr id="33" name="Rectangle: Rounded Corners 32">
-            <a:extLst>
-              <a:ext uri="{FF2B5EF4-FFF2-40B4-BE49-F238E27FC236}">
-                <a16:creationId xmlns:a16="http://schemas.microsoft.com/office/drawing/2014/main" id="{683EE245-9F60-4706-01E6-4198CEDF9C83}"/>
-              </a:ext>
-            </a:extLst>
-          </p:cNvPr>
-          <p:cNvSpPr/>
-          <p:nvPr/>
-        </p:nvSpPr>
-        <p:spPr>
-          <a:xfrm>
-            <a:off x="8694828" y="4851819"/>
-            <a:ext cx="1457323" cy="686045"/>
-          </a:xfrm>
-          <a:prstGeom prst="roundRect">
-            <a:avLst/>
-          </a:prstGeom>
-          <a:noFill/>
-        </p:spPr>
-        <p:style>
-          <a:lnRef idx="2">
-            <a:schemeClr val="accent1">
-              <a:shade val="15000"/>
-            </a:schemeClr>
-          </a:lnRef>
-          <a:fillRef idx="1">
-            <a:schemeClr val="accent1"/>
-          </a:fillRef>
-          <a:effectRef idx="0">
-            <a:schemeClr val="accent1"/>
-          </a:effectRef>
-          <a:fontRef idx="minor">
-            <a:schemeClr val="lt1"/>
-          </a:fontRef>
-        </p:style>
-        <p:txBody>
-          <a:bodyPr rtlCol="0" anchor="ctr"/>
-          <a:lstStyle/>
-          <a:p>
-            <a:pPr algn="ctr"/>
-            <a:r>
-              <a:rPr lang="en-US" dirty="0">
-                <a:solidFill>
-                  <a:schemeClr val="tx1"/>
-                </a:solidFill>
-              </a:rPr>
-              <a:t>Kepler</a:t>
-            </a:r>
-          </a:p>
-        </p:txBody>
-      </p:sp>
-      <p:cxnSp>
-        <p:nvCxnSpPr>
-          <p:cNvPr id="40" name="Straight Arrow Connector 39">
-            <a:extLst>
-              <a:ext uri="{FF2B5EF4-FFF2-40B4-BE49-F238E27FC236}">
-                <a16:creationId xmlns:a16="http://schemas.microsoft.com/office/drawing/2014/main" id="{5421D38B-DF3C-CC06-9AA6-AA7A488308CB}"/>
-              </a:ext>
-            </a:extLst>
-          </p:cNvPr>
-          <p:cNvCxnSpPr>
-            <a:cxnSpLocks/>
-            <a:stCxn id="30" idx="2"/>
-            <a:endCxn id="28" idx="0"/>
-          </p:cNvCxnSpPr>
-          <p:nvPr/>
-        </p:nvCxnSpPr>
-        <p:spPr>
-          <a:xfrm flipH="1">
-            <a:off x="9423490" y="3828210"/>
-            <a:ext cx="5858" cy="134186"/>
-          </a:xfrm>
-          <a:prstGeom prst="straightConnector1">
-            <a:avLst/>
-          </a:prstGeom>
-          <a:ln>
-            <a:headEnd type="triangle"/>
-            <a:tailEnd type="triangle"/>
-          </a:ln>
-        </p:spPr>
-        <p:style>
-          <a:lnRef idx="1">
-            <a:schemeClr val="dk1"/>
-          </a:lnRef>
-          <a:fillRef idx="0">
-            <a:schemeClr val="dk1"/>
-          </a:fillRef>
-          <a:effectRef idx="0">
-            <a:schemeClr val="dk1"/>
-          </a:effectRef>
-          <a:fontRef idx="minor">
-            <a:schemeClr val="tx1"/>
-          </a:fontRef>
-        </p:style>
-      </p:cxnSp>
-      <p:cxnSp>
-        <p:nvCxnSpPr>
-          <p:cNvPr id="16" name="Connector: Elbow 15">
-            <a:extLst>
-              <a:ext uri="{FF2B5EF4-FFF2-40B4-BE49-F238E27FC236}">
-                <a16:creationId xmlns:a16="http://schemas.microsoft.com/office/drawing/2014/main" id="{17EB8CD6-6D72-3684-D23E-FDBE0032A094}"/>
-              </a:ext>
-            </a:extLst>
-          </p:cNvPr>
-          <p:cNvCxnSpPr>
-            <a:stCxn id="12" idx="3"/>
-            <a:endCxn id="28" idx="1"/>
-          </p:cNvCxnSpPr>
-          <p:nvPr/>
-        </p:nvCxnSpPr>
-        <p:spPr>
-          <a:xfrm flipV="1">
-            <a:off x="7769851" y="4305419"/>
-            <a:ext cx="924977" cy="980984"/>
-          </a:xfrm>
-          <a:prstGeom prst="bentConnector3">
-            <a:avLst/>
-          </a:prstGeom>
-          <a:ln>
-            <a:headEnd type="triangle"/>
-            <a:tailEnd type="triangle"/>
-          </a:ln>
-        </p:spPr>
-        <p:style>
-          <a:lnRef idx="1">
-            <a:schemeClr val="dk1"/>
-          </a:lnRef>
-          <a:fillRef idx="0">
-            <a:schemeClr val="dk1"/>
-          </a:fillRef>
-          <a:effectRef idx="0">
-            <a:schemeClr val="dk1"/>
-          </a:effectRef>
-          <a:fontRef idx="minor">
-            <a:schemeClr val="tx1"/>
-          </a:fontRef>
-        </p:style>
-      </p:cxnSp>
-      <p:sp>
-        <p:nvSpPr>
-          <p:cNvPr id="17" name="Rectangle: Rounded Corners 16">
-            <a:extLst>
-              <a:ext uri="{FF2B5EF4-FFF2-40B4-BE49-F238E27FC236}">
-                <a16:creationId xmlns:a16="http://schemas.microsoft.com/office/drawing/2014/main" id="{10B418DB-960B-FB42-D95D-FBE7509B1A8B}"/>
-              </a:ext>
-            </a:extLst>
-          </p:cNvPr>
-          <p:cNvSpPr/>
-          <p:nvPr/>
-        </p:nvSpPr>
-        <p:spPr>
-          <a:xfrm>
-            <a:off x="10263994" y="3119528"/>
-            <a:ext cx="1457323" cy="686045"/>
-          </a:xfrm>
-          <a:prstGeom prst="roundRect">
-            <a:avLst/>
-          </a:prstGeom>
-          <a:noFill/>
-        </p:spPr>
-        <p:style>
-          <a:lnRef idx="2">
-            <a:schemeClr val="accent1">
-              <a:shade val="15000"/>
-            </a:schemeClr>
-          </a:lnRef>
-          <a:fillRef idx="1">
-            <a:schemeClr val="accent1"/>
-          </a:fillRef>
-          <a:effectRef idx="0">
-            <a:schemeClr val="accent1"/>
-          </a:effectRef>
-          <a:fontRef idx="minor">
-            <a:schemeClr val="lt1"/>
-          </a:fontRef>
-        </p:style>
-        <p:txBody>
           <a:bodyPr rtlCol="0" anchor="ctr"/>
           <a:lstStyle/>
           <a:p>
@@ -4535,9 +4041,9 @@
           <p:nvPr/>
         </p:nvCxnSpPr>
         <p:spPr>
-          <a:xfrm flipH="1" flipV="1">
-            <a:off x="10113605" y="3451020"/>
-            <a:ext cx="150389" cy="11531"/>
+          <a:xfrm flipH="1">
+            <a:off x="8695935" y="3063006"/>
+            <a:ext cx="150389" cy="0"/>
           </a:xfrm>
           <a:prstGeom prst="straightConnector1">
             <a:avLst/>
@@ -4578,8 +4084,8 @@
         </p:nvCxnSpPr>
         <p:spPr>
           <a:xfrm rot="5400000">
-            <a:off x="10322481" y="3635244"/>
-            <a:ext cx="499846" cy="840505"/>
+            <a:off x="8898461" y="3242049"/>
+            <a:ext cx="512546" cy="840505"/>
           </a:xfrm>
           <a:prstGeom prst="bentConnector2">
             <a:avLst/>
@@ -4617,8 +4123,8 @@
         </p:nvSpPr>
         <p:spPr>
           <a:xfrm>
-            <a:off x="10220710" y="314325"/>
-            <a:ext cx="1543890" cy="1054838"/>
+            <a:off x="8795211" y="194058"/>
+            <a:ext cx="1543890" cy="760957"/>
           </a:xfrm>
           <a:prstGeom prst="roundRect">
             <a:avLst/>
@@ -4686,8 +4192,8 @@
         </p:nvCxnSpPr>
         <p:spPr>
           <a:xfrm>
-            <a:off x="10992655" y="1369163"/>
-            <a:ext cx="1" cy="1750365"/>
+            <a:off x="9567156" y="955015"/>
+            <a:ext cx="7830" cy="1764968"/>
           </a:xfrm>
           <a:prstGeom prst="straightConnector1">
             <a:avLst/>
@@ -4729,10 +4235,279 @@
         </p:nvCxnSpPr>
         <p:spPr>
           <a:xfrm>
-            <a:off x="9423490" y="4648441"/>
+            <a:off x="8005820" y="4261596"/>
             <a:ext cx="0" cy="203378"/>
           </a:xfrm>
           <a:prstGeom prst="straightConnector1">
+            <a:avLst/>
+          </a:prstGeom>
+          <a:ln>
+            <a:headEnd type="triangle"/>
+            <a:tailEnd type="triangle"/>
+          </a:ln>
+        </p:spPr>
+        <p:style>
+          <a:lnRef idx="1">
+            <a:schemeClr val="dk1"/>
+          </a:lnRef>
+          <a:fillRef idx="0">
+            <a:schemeClr val="dk1"/>
+          </a:fillRef>
+          <a:effectRef idx="0">
+            <a:schemeClr val="dk1"/>
+          </a:effectRef>
+          <a:fontRef idx="minor">
+            <a:schemeClr val="tx1"/>
+          </a:fontRef>
+        </p:style>
+      </p:cxnSp>
+      <p:sp>
+        <p:nvSpPr>
+          <p:cNvPr id="3" name="Rectangle: Rounded Corners 2">
+            <a:extLst>
+              <a:ext uri="{FF2B5EF4-FFF2-40B4-BE49-F238E27FC236}">
+                <a16:creationId xmlns:a16="http://schemas.microsoft.com/office/drawing/2014/main" id="{B1204353-5A40-9B72-F62E-E66D73397102}"/>
+              </a:ext>
+            </a:extLst>
+          </p:cNvPr>
+          <p:cNvSpPr/>
+          <p:nvPr/>
+        </p:nvSpPr>
+        <p:spPr>
+          <a:xfrm>
+            <a:off x="4454190" y="3494020"/>
+            <a:ext cx="2072508" cy="884420"/>
+          </a:xfrm>
+          <a:prstGeom prst="roundRect">
+            <a:avLst/>
+          </a:prstGeom>
+          <a:noFill/>
+          <a:ln>
+            <a:solidFill>
+              <a:schemeClr val="tx1"/>
+            </a:solidFill>
+          </a:ln>
+        </p:spPr>
+        <p:style>
+          <a:lnRef idx="2">
+            <a:schemeClr val="accent1">
+              <a:shade val="15000"/>
+            </a:schemeClr>
+          </a:lnRef>
+          <a:fillRef idx="1">
+            <a:schemeClr val="accent1"/>
+          </a:fillRef>
+          <a:effectRef idx="0">
+            <a:schemeClr val="accent1"/>
+          </a:effectRef>
+          <a:fontRef idx="minor">
+            <a:schemeClr val="lt1"/>
+          </a:fontRef>
+        </p:style>
+        <p:txBody>
+          <a:bodyPr rtlCol="0" anchor="ctr"/>
+          <a:lstStyle/>
+          <a:p>
+            <a:pPr algn="ctr"/>
+            <a:r>
+              <a:rPr lang="en-US" b="1" dirty="0">
+                <a:solidFill>
+                  <a:schemeClr val="tx1"/>
+                </a:solidFill>
+              </a:rPr>
+              <a:t>Edge pod #2</a:t>
+            </a:r>
+            <a:endParaRPr lang="en-US" dirty="0">
+              <a:solidFill>
+                <a:schemeClr val="tx1"/>
+              </a:solidFill>
+            </a:endParaRPr>
+          </a:p>
+          <a:p>
+            <a:pPr algn="ctr"/>
+            <a:r>
+              <a:rPr lang="en-US" dirty="0" err="1">
+                <a:solidFill>
+                  <a:schemeClr val="tx1"/>
+                </a:solidFill>
+              </a:rPr>
+              <a:t>Kserve</a:t>
+            </a:r>
+            <a:endParaRPr lang="en-US" dirty="0">
+              <a:solidFill>
+                <a:schemeClr val="tx1"/>
+              </a:solidFill>
+            </a:endParaRPr>
+          </a:p>
+          <a:p>
+            <a:pPr algn="ctr"/>
+            <a:r>
+              <a:rPr lang="en-US" dirty="0">
+                <a:solidFill>
+                  <a:schemeClr val="tx1"/>
+                </a:solidFill>
+              </a:rPr>
+              <a:t>inference service</a:t>
+            </a:r>
+          </a:p>
+        </p:txBody>
+      </p:sp>
+      <p:sp>
+        <p:nvSpPr>
+          <p:cNvPr id="14" name="Rectangle: Rounded Corners 13">
+            <a:extLst>
+              <a:ext uri="{FF2B5EF4-FFF2-40B4-BE49-F238E27FC236}">
+                <a16:creationId xmlns:a16="http://schemas.microsoft.com/office/drawing/2014/main" id="{08BA0552-659E-2DBE-5BDA-527B8B72FDA9}"/>
+              </a:ext>
+            </a:extLst>
+          </p:cNvPr>
+          <p:cNvSpPr/>
+          <p:nvPr/>
+        </p:nvSpPr>
+        <p:spPr>
+          <a:xfrm>
+            <a:off x="8876083" y="4482783"/>
+            <a:ext cx="1457323" cy="686045"/>
+          </a:xfrm>
+          <a:prstGeom prst="roundRect">
+            <a:avLst/>
+          </a:prstGeom>
+          <a:noFill/>
+          <a:ln>
+            <a:solidFill>
+              <a:schemeClr val="tx1"/>
+            </a:solidFill>
+          </a:ln>
+        </p:spPr>
+        <p:style>
+          <a:lnRef idx="2">
+            <a:schemeClr val="accent1">
+              <a:shade val="15000"/>
+            </a:schemeClr>
+          </a:lnRef>
+          <a:fillRef idx="1">
+            <a:schemeClr val="accent1"/>
+          </a:fillRef>
+          <a:effectRef idx="0">
+            <a:schemeClr val="accent1"/>
+          </a:effectRef>
+          <a:fontRef idx="minor">
+            <a:schemeClr val="lt1"/>
+          </a:fontRef>
+        </p:style>
+        <p:txBody>
+          <a:bodyPr rtlCol="0" anchor="ctr"/>
+          <a:lstStyle/>
+          <a:p>
+            <a:pPr algn="ctr"/>
+            <a:r>
+              <a:rPr lang="en-US" dirty="0" err="1">
+                <a:solidFill>
+                  <a:schemeClr val="tx1"/>
+                </a:solidFill>
+              </a:rPr>
+              <a:t>Minio</a:t>
+            </a:r>
+            <a:r>
+              <a:rPr lang="en-US" dirty="0">
+                <a:solidFill>
+                  <a:schemeClr val="tx1"/>
+                </a:solidFill>
+              </a:rPr>
+              <a:t> Storage</a:t>
+            </a:r>
+          </a:p>
+        </p:txBody>
+      </p:sp>
+      <p:sp>
+        <p:nvSpPr>
+          <p:cNvPr id="20" name="Rectangle: Rounded Corners 19">
+            <a:extLst>
+              <a:ext uri="{FF2B5EF4-FFF2-40B4-BE49-F238E27FC236}">
+                <a16:creationId xmlns:a16="http://schemas.microsoft.com/office/drawing/2014/main" id="{61D55B08-8B1C-FF38-1E68-919C9E75C646}"/>
+              </a:ext>
+            </a:extLst>
+          </p:cNvPr>
+          <p:cNvSpPr/>
+          <p:nvPr/>
+        </p:nvSpPr>
+        <p:spPr>
+          <a:xfrm>
+            <a:off x="10494027" y="3580576"/>
+            <a:ext cx="1232804" cy="686045"/>
+          </a:xfrm>
+          <a:prstGeom prst="roundRect">
+            <a:avLst/>
+          </a:prstGeom>
+          <a:noFill/>
+          <a:ln>
+            <a:solidFill>
+              <a:schemeClr val="tx1"/>
+            </a:solidFill>
+          </a:ln>
+        </p:spPr>
+        <p:style>
+          <a:lnRef idx="2">
+            <a:schemeClr val="accent1">
+              <a:shade val="15000"/>
+            </a:schemeClr>
+          </a:lnRef>
+          <a:fillRef idx="1">
+            <a:schemeClr val="accent1"/>
+          </a:fillRef>
+          <a:effectRef idx="0">
+            <a:schemeClr val="accent1"/>
+          </a:effectRef>
+          <a:fontRef idx="minor">
+            <a:schemeClr val="lt1"/>
+          </a:fontRef>
+        </p:style>
+        <p:txBody>
+          <a:bodyPr rtlCol="0" anchor="ctr"/>
+          <a:lstStyle/>
+          <a:p>
+            <a:pPr algn="ctr"/>
+            <a:r>
+              <a:rPr lang="en-US" dirty="0" err="1">
+                <a:solidFill>
+                  <a:schemeClr val="tx1"/>
+                </a:solidFill>
+              </a:rPr>
+              <a:t>Jupyter</a:t>
+            </a:r>
+            <a:r>
+              <a:rPr lang="en-US" dirty="0">
+                <a:solidFill>
+                  <a:schemeClr val="tx1"/>
+                </a:solidFill>
+              </a:rPr>
+              <a:t> notebook</a:t>
+            </a:r>
+          </a:p>
+        </p:txBody>
+      </p:sp>
+      <p:cxnSp>
+        <p:nvCxnSpPr>
+          <p:cNvPr id="36" name="Connector: Elbow 35">
+            <a:extLst>
+              <a:ext uri="{FF2B5EF4-FFF2-40B4-BE49-F238E27FC236}">
+                <a16:creationId xmlns:a16="http://schemas.microsoft.com/office/drawing/2014/main" id="{E211BC17-0F71-C479-C7A7-297E2EE1D1B7}"/>
+              </a:ext>
+            </a:extLst>
+          </p:cNvPr>
+          <p:cNvCxnSpPr>
+            <a:cxnSpLocks/>
+            <a:stCxn id="14" idx="0"/>
+            <a:endCxn id="20" idx="1"/>
+          </p:cNvCxnSpPr>
+          <p:nvPr/>
+        </p:nvCxnSpPr>
+        <p:spPr>
+          <a:xfrm rot="5400000" flipH="1" flipV="1">
+            <a:off x="9769794" y="3758550"/>
+            <a:ext cx="559184" cy="889282"/>
+          </a:xfrm>
+          <a:prstGeom prst="bentConnector2">
             <a:avLst/>
           </a:prstGeom>
           <a:ln>
@@ -4757,29 +4532,571 @@
       </p:cxnSp>
       <p:cxnSp>
         <p:nvCxnSpPr>
-          <p:cNvPr id="23" name="Connector: Elbow 22">
-            <a:extLst>
-              <a:ext uri="{FF2B5EF4-FFF2-40B4-BE49-F238E27FC236}">
-                <a16:creationId xmlns:a16="http://schemas.microsoft.com/office/drawing/2014/main" id="{7581B487-3392-D83C-E058-994BEC63E02D}"/>
+          <p:cNvPr id="38" name="Straight Arrow Connector 37">
+            <a:extLst>
+              <a:ext uri="{FF2B5EF4-FFF2-40B4-BE49-F238E27FC236}">
+                <a16:creationId xmlns:a16="http://schemas.microsoft.com/office/drawing/2014/main" id="{2ED6A749-73D1-A35B-8393-56E3306B1685}"/>
               </a:ext>
             </a:extLst>
           </p:cNvPr>
           <p:cNvCxnSpPr>
             <a:cxnSpLocks/>
-            <a:stCxn id="5" idx="2"/>
+            <a:stCxn id="14" idx="3"/>
+            <a:endCxn id="32" idx="1"/>
+          </p:cNvCxnSpPr>
+          <p:nvPr/>
+        </p:nvCxnSpPr>
+        <p:spPr>
+          <a:xfrm flipV="1">
+            <a:off x="10333406" y="4825805"/>
+            <a:ext cx="160621" cy="1"/>
+          </a:xfrm>
+          <a:prstGeom prst="straightConnector1">
+            <a:avLst/>
+          </a:prstGeom>
+          <a:ln>
+            <a:solidFill>
+              <a:schemeClr val="tx1"/>
+            </a:solidFill>
+            <a:headEnd type="triangle"/>
+            <a:tailEnd type="triangle"/>
+          </a:ln>
+        </p:spPr>
+        <p:style>
+          <a:lnRef idx="1">
+            <a:schemeClr val="accent1"/>
+          </a:lnRef>
+          <a:fillRef idx="0">
+            <a:schemeClr val="accent1"/>
+          </a:fillRef>
+          <a:effectRef idx="0">
+            <a:schemeClr val="accent1"/>
+          </a:effectRef>
+          <a:fontRef idx="minor">
+            <a:schemeClr val="tx1"/>
+          </a:fontRef>
+        </p:style>
+      </p:cxnSp>
+      <p:cxnSp>
+        <p:nvCxnSpPr>
+          <p:cNvPr id="43" name="Straight Arrow Connector 42">
+            <a:extLst>
+              <a:ext uri="{FF2B5EF4-FFF2-40B4-BE49-F238E27FC236}">
+                <a16:creationId xmlns:a16="http://schemas.microsoft.com/office/drawing/2014/main" id="{6DC405B4-72F5-2D6F-246D-00EF5D3C96F1}"/>
+              </a:ext>
+            </a:extLst>
+          </p:cNvPr>
+          <p:cNvCxnSpPr>
+            <a:cxnSpLocks/>
+            <a:stCxn id="20" idx="2"/>
+            <a:endCxn id="32" idx="0"/>
+          </p:cNvCxnSpPr>
+          <p:nvPr/>
+        </p:nvCxnSpPr>
+        <p:spPr>
+          <a:xfrm>
+            <a:off x="11110429" y="4266621"/>
+            <a:ext cx="0" cy="216161"/>
+          </a:xfrm>
+          <a:prstGeom prst="straightConnector1">
+            <a:avLst/>
+          </a:prstGeom>
+          <a:ln>
+            <a:solidFill>
+              <a:schemeClr val="tx1"/>
+            </a:solidFill>
+            <a:tailEnd type="triangle"/>
+          </a:ln>
+        </p:spPr>
+        <p:style>
+          <a:lnRef idx="1">
+            <a:schemeClr val="accent1"/>
+          </a:lnRef>
+          <a:fillRef idx="0">
+            <a:schemeClr val="accent1"/>
+          </a:fillRef>
+          <a:effectRef idx="0">
+            <a:schemeClr val="accent1"/>
+          </a:effectRef>
+          <a:fontRef idx="minor">
+            <a:schemeClr val="tx1"/>
+          </a:fontRef>
+        </p:style>
+      </p:cxnSp>
+      <p:sp>
+        <p:nvSpPr>
+          <p:cNvPr id="58" name="Rectangle 57">
+            <a:extLst>
+              <a:ext uri="{FF2B5EF4-FFF2-40B4-BE49-F238E27FC236}">
+                <a16:creationId xmlns:a16="http://schemas.microsoft.com/office/drawing/2014/main" id="{762CD775-0D86-5FDE-CC76-6BF07B72B8D5}"/>
+              </a:ext>
+            </a:extLst>
+          </p:cNvPr>
+          <p:cNvSpPr/>
+          <p:nvPr/>
+        </p:nvSpPr>
+        <p:spPr>
+          <a:xfrm>
+            <a:off x="5538595" y="5129563"/>
+            <a:ext cx="1456730" cy="355322"/>
+          </a:xfrm>
+          <a:prstGeom prst="rect">
+            <a:avLst/>
+          </a:prstGeom>
+          <a:solidFill>
+            <a:schemeClr val="bg1"/>
+          </a:solidFill>
+        </p:spPr>
+        <p:style>
+          <a:lnRef idx="2">
+            <a:schemeClr val="accent1">
+              <a:shade val="15000"/>
+            </a:schemeClr>
+          </a:lnRef>
+          <a:fillRef idx="1">
+            <a:schemeClr val="accent1"/>
+          </a:fillRef>
+          <a:effectRef idx="0">
+            <a:schemeClr val="accent1"/>
+          </a:effectRef>
+          <a:fontRef idx="minor">
+            <a:schemeClr val="lt1"/>
+          </a:fontRef>
+        </p:style>
+        <p:txBody>
+          <a:bodyPr rtlCol="0" anchor="ctr"/>
+          <a:lstStyle/>
+          <a:p>
+            <a:pPr algn="ctr"/>
+            <a:r>
+              <a:rPr lang="en-US" sz="1200" dirty="0">
+                <a:solidFill>
+                  <a:schemeClr val="tx1"/>
+                </a:solidFill>
+              </a:rPr>
+              <a:t>energy, CPU, </a:t>
+            </a:r>
+          </a:p>
+          <a:p>
+            <a:pPr algn="ctr"/>
+            <a:r>
+              <a:rPr lang="en-US" sz="1200" dirty="0">
+                <a:solidFill>
+                  <a:schemeClr val="tx1"/>
+                </a:solidFill>
+              </a:rPr>
+              <a:t>memory usage stats</a:t>
+            </a:r>
+          </a:p>
+        </p:txBody>
+      </p:sp>
+      <p:cxnSp>
+        <p:nvCxnSpPr>
+          <p:cNvPr id="60" name="Connector: Elbow 59">
+            <a:extLst>
+              <a:ext uri="{FF2B5EF4-FFF2-40B4-BE49-F238E27FC236}">
+                <a16:creationId xmlns:a16="http://schemas.microsoft.com/office/drawing/2014/main" id="{D164EFF4-DE17-55F2-2BF0-A8D4C78AC75D}"/>
+              </a:ext>
+            </a:extLst>
+          </p:cNvPr>
+          <p:cNvCxnSpPr>
+            <a:cxnSpLocks/>
+            <a:stCxn id="58" idx="1"/>
+            <a:endCxn id="5" idx="2"/>
+          </p:cNvCxnSpPr>
+          <p:nvPr/>
+        </p:nvCxnSpPr>
+        <p:spPr>
+          <a:xfrm rot="10800000">
+            <a:off x="4641271" y="4567862"/>
+            <a:ext cx="897324" cy="739362"/>
+          </a:xfrm>
+          <a:prstGeom prst="bentConnector2">
+            <a:avLst/>
+          </a:prstGeom>
+          <a:ln>
+            <a:tailEnd type="triangle"/>
+          </a:ln>
+        </p:spPr>
+        <p:style>
+          <a:lnRef idx="1">
+            <a:schemeClr val="dk1"/>
+          </a:lnRef>
+          <a:fillRef idx="0">
+            <a:schemeClr val="dk1"/>
+          </a:fillRef>
+          <a:effectRef idx="0">
+            <a:schemeClr val="dk1"/>
+          </a:effectRef>
+          <a:fontRef idx="minor">
+            <a:schemeClr val="tx1"/>
+          </a:fontRef>
+        </p:style>
+      </p:cxnSp>
+      <p:cxnSp>
+        <p:nvCxnSpPr>
+          <p:cNvPr id="62" name="Connector: Elbow 61">
+            <a:extLst>
+              <a:ext uri="{FF2B5EF4-FFF2-40B4-BE49-F238E27FC236}">
+                <a16:creationId xmlns:a16="http://schemas.microsoft.com/office/drawing/2014/main" id="{5596A756-5DF2-73C0-7975-C010825FA73B}"/>
+              </a:ext>
+            </a:extLst>
+          </p:cNvPr>
+          <p:cNvCxnSpPr>
+            <a:cxnSpLocks/>
+            <a:stCxn id="58" idx="3"/>
             <a:endCxn id="33" idx="2"/>
           </p:cNvCxnSpPr>
           <p:nvPr/>
         </p:nvCxnSpPr>
         <p:spPr>
-          <a:xfrm rot="5400000" flipH="1" flipV="1">
-            <a:off x="7265133" y="3753707"/>
-            <a:ext cx="374199" cy="3942513"/>
-          </a:xfrm>
-          <a:prstGeom prst="bentConnector3">
-            <a:avLst>
-              <a:gd name="adj1" fmla="val -61090"/>
-            </a:avLst>
+          <a:xfrm flipV="1">
+            <a:off x="6995325" y="5151019"/>
+            <a:ext cx="1010495" cy="156205"/>
+          </a:xfrm>
+          <a:prstGeom prst="bentConnector2">
+            <a:avLst/>
+          </a:prstGeom>
+          <a:ln>
+            <a:solidFill>
+              <a:schemeClr val="tx1"/>
+            </a:solidFill>
+            <a:tailEnd type="triangle"/>
+          </a:ln>
+        </p:spPr>
+        <p:style>
+          <a:lnRef idx="1">
+            <a:schemeClr val="accent1"/>
+          </a:lnRef>
+          <a:fillRef idx="0">
+            <a:schemeClr val="accent1"/>
+          </a:fillRef>
+          <a:effectRef idx="0">
+            <a:schemeClr val="accent1"/>
+          </a:effectRef>
+          <a:fontRef idx="minor">
+            <a:schemeClr val="tx1"/>
+          </a:fontRef>
+        </p:style>
+      </p:cxnSp>
+      <p:cxnSp>
+        <p:nvCxnSpPr>
+          <p:cNvPr id="84" name="Connector: Elbow 83">
+            <a:extLst>
+              <a:ext uri="{FF2B5EF4-FFF2-40B4-BE49-F238E27FC236}">
+                <a16:creationId xmlns:a16="http://schemas.microsoft.com/office/drawing/2014/main" id="{E3AEC702-7AE1-FD3B-8D59-AA33A8405923}"/>
+              </a:ext>
+            </a:extLst>
+          </p:cNvPr>
+          <p:cNvCxnSpPr>
+            <a:cxnSpLocks/>
+            <a:stCxn id="17" idx="3"/>
+            <a:endCxn id="20" idx="0"/>
+          </p:cNvCxnSpPr>
+          <p:nvPr/>
+        </p:nvCxnSpPr>
+        <p:spPr>
+          <a:xfrm>
+            <a:off x="10303647" y="3063006"/>
+            <a:ext cx="806782" cy="517570"/>
+          </a:xfrm>
+          <a:prstGeom prst="bentConnector2">
+            <a:avLst/>
+          </a:prstGeom>
+          <a:ln>
+            <a:tailEnd type="triangle"/>
+          </a:ln>
+        </p:spPr>
+        <p:style>
+          <a:lnRef idx="1">
+            <a:schemeClr val="dk1"/>
+          </a:lnRef>
+          <a:fillRef idx="0">
+            <a:schemeClr val="dk1"/>
+          </a:fillRef>
+          <a:effectRef idx="0">
+            <a:schemeClr val="dk1"/>
+          </a:effectRef>
+          <a:fontRef idx="minor">
+            <a:schemeClr val="tx1"/>
+          </a:fontRef>
+        </p:style>
+      </p:cxnSp>
+      <p:sp>
+        <p:nvSpPr>
+          <p:cNvPr id="104" name="Rectangle: Rounded Corners 103">
+            <a:extLst>
+              <a:ext uri="{FF2B5EF4-FFF2-40B4-BE49-F238E27FC236}">
+                <a16:creationId xmlns:a16="http://schemas.microsoft.com/office/drawing/2014/main" id="{FC55168D-8F66-DDB2-6AD0-F8CE9D382E2B}"/>
+              </a:ext>
+            </a:extLst>
+          </p:cNvPr>
+          <p:cNvSpPr/>
+          <p:nvPr/>
+        </p:nvSpPr>
+        <p:spPr>
+          <a:xfrm>
+            <a:off x="10494026" y="5384988"/>
+            <a:ext cx="1232805" cy="640134"/>
+          </a:xfrm>
+          <a:prstGeom prst="roundRect">
+            <a:avLst/>
+          </a:prstGeom>
+          <a:noFill/>
+          <a:ln>
+            <a:solidFill>
+              <a:schemeClr val="tx1"/>
+            </a:solidFill>
+          </a:ln>
+        </p:spPr>
+        <p:style>
+          <a:lnRef idx="2">
+            <a:schemeClr val="accent1">
+              <a:shade val="15000"/>
+            </a:schemeClr>
+          </a:lnRef>
+          <a:fillRef idx="1">
+            <a:schemeClr val="accent1"/>
+          </a:fillRef>
+          <a:effectRef idx="0">
+            <a:schemeClr val="accent1"/>
+          </a:effectRef>
+          <a:fontRef idx="minor">
+            <a:schemeClr val="lt1"/>
+          </a:fontRef>
+        </p:style>
+        <p:txBody>
+          <a:bodyPr rtlCol="0" anchor="ctr"/>
+          <a:lstStyle/>
+          <a:p>
+            <a:pPr algn="ctr"/>
+            <a:r>
+              <a:rPr lang="en-US" dirty="0" err="1">
+                <a:solidFill>
+                  <a:schemeClr val="tx1"/>
+                </a:solidFill>
+              </a:rPr>
+              <a:t>Kserve</a:t>
+            </a:r>
+            <a:endParaRPr lang="en-US" dirty="0">
+              <a:solidFill>
+                <a:schemeClr val="tx1"/>
+              </a:solidFill>
+            </a:endParaRPr>
+          </a:p>
+        </p:txBody>
+      </p:sp>
+      <p:cxnSp>
+        <p:nvCxnSpPr>
+          <p:cNvPr id="116" name="Straight Arrow Connector 115">
+            <a:extLst>
+              <a:ext uri="{FF2B5EF4-FFF2-40B4-BE49-F238E27FC236}">
+                <a16:creationId xmlns:a16="http://schemas.microsoft.com/office/drawing/2014/main" id="{3EB4F7CD-FCE8-B9F3-7454-7521C9C70190}"/>
+              </a:ext>
+            </a:extLst>
+          </p:cNvPr>
+          <p:cNvCxnSpPr>
+            <a:cxnSpLocks/>
+            <a:stCxn id="32" idx="2"/>
+            <a:endCxn id="104" idx="0"/>
+          </p:cNvCxnSpPr>
+          <p:nvPr/>
+        </p:nvCxnSpPr>
+        <p:spPr>
+          <a:xfrm>
+            <a:off x="11110429" y="5168827"/>
+            <a:ext cx="0" cy="216161"/>
+          </a:xfrm>
+          <a:prstGeom prst="straightConnector1">
+            <a:avLst/>
+          </a:prstGeom>
+          <a:ln>
+            <a:solidFill>
+              <a:schemeClr val="tx1"/>
+            </a:solidFill>
+            <a:tailEnd type="triangle"/>
+          </a:ln>
+        </p:spPr>
+        <p:style>
+          <a:lnRef idx="1">
+            <a:schemeClr val="accent1"/>
+          </a:lnRef>
+          <a:fillRef idx="0">
+            <a:schemeClr val="accent1"/>
+          </a:fillRef>
+          <a:effectRef idx="0">
+            <a:schemeClr val="accent1"/>
+          </a:effectRef>
+          <a:fontRef idx="minor">
+            <a:schemeClr val="tx1"/>
+          </a:fontRef>
+        </p:style>
+      </p:cxnSp>
+      <p:sp>
+        <p:nvSpPr>
+          <p:cNvPr id="123" name="Rectangle 122">
+            <a:extLst>
+              <a:ext uri="{FF2B5EF4-FFF2-40B4-BE49-F238E27FC236}">
+                <a16:creationId xmlns:a16="http://schemas.microsoft.com/office/drawing/2014/main" id="{7B29F0CA-ED7B-5937-75B1-3B17B2823E4E}"/>
+              </a:ext>
+            </a:extLst>
+          </p:cNvPr>
+          <p:cNvSpPr/>
+          <p:nvPr/>
+        </p:nvSpPr>
+        <p:spPr>
+          <a:xfrm>
+            <a:off x="7712882" y="6318911"/>
+            <a:ext cx="2327587" cy="251462"/>
+          </a:xfrm>
+          <a:prstGeom prst="rect">
+            <a:avLst/>
+          </a:prstGeom>
+          <a:solidFill>
+            <a:schemeClr val="bg1"/>
+          </a:solidFill>
+        </p:spPr>
+        <p:style>
+          <a:lnRef idx="2">
+            <a:schemeClr val="accent1">
+              <a:shade val="15000"/>
+            </a:schemeClr>
+          </a:lnRef>
+          <a:fillRef idx="1">
+            <a:schemeClr val="accent1"/>
+          </a:fillRef>
+          <a:effectRef idx="0">
+            <a:schemeClr val="accent1"/>
+          </a:effectRef>
+          <a:fontRef idx="minor">
+            <a:schemeClr val="lt1"/>
+          </a:fontRef>
+        </p:style>
+        <p:txBody>
+          <a:bodyPr rtlCol="0" anchor="ctr"/>
+          <a:lstStyle/>
+          <a:p>
+            <a:pPr algn="ctr"/>
+            <a:r>
+              <a:rPr lang="en-US" sz="1200" dirty="0">
+                <a:solidFill>
+                  <a:schemeClr val="tx1"/>
+                </a:solidFill>
+              </a:rPr>
+              <a:t>model serving</a:t>
+            </a:r>
+          </a:p>
+        </p:txBody>
+      </p:sp>
+      <p:cxnSp>
+        <p:nvCxnSpPr>
+          <p:cNvPr id="124" name="Connector: Elbow 123">
+            <a:extLst>
+              <a:ext uri="{FF2B5EF4-FFF2-40B4-BE49-F238E27FC236}">
+                <a16:creationId xmlns:a16="http://schemas.microsoft.com/office/drawing/2014/main" id="{878CC9AC-552C-2F5C-9CDE-B8DA66D440FB}"/>
+              </a:ext>
+            </a:extLst>
+          </p:cNvPr>
+          <p:cNvCxnSpPr>
+            <a:cxnSpLocks/>
+            <a:stCxn id="123" idx="1"/>
+            <a:endCxn id="3" idx="2"/>
+          </p:cNvCxnSpPr>
+          <p:nvPr/>
+        </p:nvCxnSpPr>
+        <p:spPr>
+          <a:xfrm rot="10800000">
+            <a:off x="5490444" y="4378440"/>
+            <a:ext cx="2222438" cy="2066202"/>
+          </a:xfrm>
+          <a:prstGeom prst="bentConnector2">
+            <a:avLst/>
+          </a:prstGeom>
+          <a:ln>
+            <a:tailEnd type="triangle"/>
+          </a:ln>
+        </p:spPr>
+        <p:style>
+          <a:lnRef idx="1">
+            <a:schemeClr val="dk1"/>
+          </a:lnRef>
+          <a:fillRef idx="0">
+            <a:schemeClr val="dk1"/>
+          </a:fillRef>
+          <a:effectRef idx="0">
+            <a:schemeClr val="dk1"/>
+          </a:effectRef>
+          <a:fontRef idx="minor">
+            <a:schemeClr val="tx1"/>
+          </a:fontRef>
+        </p:style>
+      </p:cxnSp>
+      <p:cxnSp>
+        <p:nvCxnSpPr>
+          <p:cNvPr id="127" name="Connector: Elbow 126">
+            <a:extLst>
+              <a:ext uri="{FF2B5EF4-FFF2-40B4-BE49-F238E27FC236}">
+                <a16:creationId xmlns:a16="http://schemas.microsoft.com/office/drawing/2014/main" id="{479B9C17-6382-9FD3-E16D-0C455BA50B7E}"/>
+              </a:ext>
+            </a:extLst>
+          </p:cNvPr>
+          <p:cNvCxnSpPr>
+            <a:cxnSpLocks/>
+            <a:stCxn id="104" idx="2"/>
+            <a:endCxn id="123" idx="3"/>
+          </p:cNvCxnSpPr>
+          <p:nvPr/>
+        </p:nvCxnSpPr>
+        <p:spPr>
+          <a:xfrm rot="5400000">
+            <a:off x="10365689" y="5699902"/>
+            <a:ext cx="419520" cy="1069960"/>
+          </a:xfrm>
+          <a:prstGeom prst="bentConnector2">
+            <a:avLst/>
+          </a:prstGeom>
+          <a:ln>
+            <a:tailEnd type="triangle"/>
+          </a:ln>
+        </p:spPr>
+        <p:style>
+          <a:lnRef idx="1">
+            <a:schemeClr val="dk1"/>
+          </a:lnRef>
+          <a:fillRef idx="0">
+            <a:schemeClr val="dk1"/>
+          </a:fillRef>
+          <a:effectRef idx="0">
+            <a:schemeClr val="dk1"/>
+          </a:effectRef>
+          <a:fontRef idx="minor">
+            <a:schemeClr val="tx1"/>
+          </a:fontRef>
+        </p:style>
+      </p:cxnSp>
+      <p:cxnSp>
+        <p:nvCxnSpPr>
+          <p:cNvPr id="134" name="Straight Arrow Connector 133">
+            <a:extLst>
+              <a:ext uri="{FF2B5EF4-FFF2-40B4-BE49-F238E27FC236}">
+                <a16:creationId xmlns:a16="http://schemas.microsoft.com/office/drawing/2014/main" id="{BCBCA64A-B27C-71AB-97B0-1CAF56E1DAF8}"/>
+              </a:ext>
+            </a:extLst>
+          </p:cNvPr>
+          <p:cNvCxnSpPr>
+            <a:cxnSpLocks/>
+            <a:stCxn id="3" idx="3"/>
+            <a:endCxn id="28" idx="1"/>
+          </p:cNvCxnSpPr>
+          <p:nvPr/>
+        </p:nvCxnSpPr>
+        <p:spPr>
+          <a:xfrm flipV="1">
+            <a:off x="6526698" y="3918574"/>
+            <a:ext cx="750460" cy="17656"/>
+          </a:xfrm>
+          <a:prstGeom prst="straightConnector1">
+            <a:avLst/>
           </a:prstGeom>
           <a:ln>
             <a:headEnd type="triangle"/>

--- a/img/success6g_edge_architecture.pptx
+++ b/img/success6g_edge_architecture.pptx
@@ -6,6 +6,10 @@
   </p:sldMasterIdLst>
   <p:sldIdLst>
     <p:sldId id="256" r:id="rId2"/>
+    <p:sldId id="257" r:id="rId3"/>
+    <p:sldId id="259" r:id="rId4"/>
+    <p:sldId id="258" r:id="rId5"/>
+    <p:sldId id="260" r:id="rId6"/>
   </p:sldIdLst>
   <p:sldSz cx="12192000" cy="6858000"/>
   <p:notesSz cx="6858000" cy="9144000"/>
@@ -259,7 +263,7 @@
           <a:p>
             <a:fld id="{9952FCE7-4E71-40A9-B3AA-F4BE5BA13E2A}" type="datetimeFigureOut">
               <a:rPr lang="en-US" smtClean="0"/>
-              <a:t>2/6/2024</a:t>
+              <a:t>3/15/2024</a:t>
             </a:fld>
             <a:endParaRPr lang="en-US"/>
           </a:p>
@@ -457,7 +461,7 @@
           <a:p>
             <a:fld id="{9952FCE7-4E71-40A9-B3AA-F4BE5BA13E2A}" type="datetimeFigureOut">
               <a:rPr lang="en-US" smtClean="0"/>
-              <a:t>2/6/2024</a:t>
+              <a:t>3/15/2024</a:t>
             </a:fld>
             <a:endParaRPr lang="en-US"/>
           </a:p>
@@ -665,7 +669,7 @@
           <a:p>
             <a:fld id="{9952FCE7-4E71-40A9-B3AA-F4BE5BA13E2A}" type="datetimeFigureOut">
               <a:rPr lang="en-US" smtClean="0"/>
-              <a:t>2/6/2024</a:t>
+              <a:t>3/15/2024</a:t>
             </a:fld>
             <a:endParaRPr lang="en-US"/>
           </a:p>
@@ -863,7 +867,7 @@
           <a:p>
             <a:fld id="{9952FCE7-4E71-40A9-B3AA-F4BE5BA13E2A}" type="datetimeFigureOut">
               <a:rPr lang="en-US" smtClean="0"/>
-              <a:t>2/6/2024</a:t>
+              <a:t>3/15/2024</a:t>
             </a:fld>
             <a:endParaRPr lang="en-US"/>
           </a:p>
@@ -1138,7 +1142,7 @@
           <a:p>
             <a:fld id="{9952FCE7-4E71-40A9-B3AA-F4BE5BA13E2A}" type="datetimeFigureOut">
               <a:rPr lang="en-US" smtClean="0"/>
-              <a:t>2/6/2024</a:t>
+              <a:t>3/15/2024</a:t>
             </a:fld>
             <a:endParaRPr lang="en-US"/>
           </a:p>
@@ -1403,7 +1407,7 @@
           <a:p>
             <a:fld id="{9952FCE7-4E71-40A9-B3AA-F4BE5BA13E2A}" type="datetimeFigureOut">
               <a:rPr lang="en-US" smtClean="0"/>
-              <a:t>2/6/2024</a:t>
+              <a:t>3/15/2024</a:t>
             </a:fld>
             <a:endParaRPr lang="en-US"/>
           </a:p>
@@ -1815,7 +1819,7 @@
           <a:p>
             <a:fld id="{9952FCE7-4E71-40A9-B3AA-F4BE5BA13E2A}" type="datetimeFigureOut">
               <a:rPr lang="en-US" smtClean="0"/>
-              <a:t>2/6/2024</a:t>
+              <a:t>3/15/2024</a:t>
             </a:fld>
             <a:endParaRPr lang="en-US"/>
           </a:p>
@@ -1956,7 +1960,7 @@
           <a:p>
             <a:fld id="{9952FCE7-4E71-40A9-B3AA-F4BE5BA13E2A}" type="datetimeFigureOut">
               <a:rPr lang="en-US" smtClean="0"/>
-              <a:t>2/6/2024</a:t>
+              <a:t>3/15/2024</a:t>
             </a:fld>
             <a:endParaRPr lang="en-US"/>
           </a:p>
@@ -2069,7 +2073,7 @@
           <a:p>
             <a:fld id="{9952FCE7-4E71-40A9-B3AA-F4BE5BA13E2A}" type="datetimeFigureOut">
               <a:rPr lang="en-US" smtClean="0"/>
-              <a:t>2/6/2024</a:t>
+              <a:t>3/15/2024</a:t>
             </a:fld>
             <a:endParaRPr lang="en-US"/>
           </a:p>
@@ -2380,7 +2384,7 @@
           <a:p>
             <a:fld id="{9952FCE7-4E71-40A9-B3AA-F4BE5BA13E2A}" type="datetimeFigureOut">
               <a:rPr lang="en-US" smtClean="0"/>
-              <a:t>2/6/2024</a:t>
+              <a:t>3/15/2024</a:t>
             </a:fld>
             <a:endParaRPr lang="en-US"/>
           </a:p>
@@ -2668,7 +2672,7 @@
           <a:p>
             <a:fld id="{9952FCE7-4E71-40A9-B3AA-F4BE5BA13E2A}" type="datetimeFigureOut">
               <a:rPr lang="en-US" smtClean="0"/>
-              <a:t>2/6/2024</a:t>
+              <a:t>3/15/2024</a:t>
             </a:fld>
             <a:endParaRPr lang="en-US"/>
           </a:p>
@@ -2909,7 +2913,7 @@
           <a:p>
             <a:fld id="{9952FCE7-4E71-40A9-B3AA-F4BE5BA13E2A}" type="datetimeFigureOut">
               <a:rPr lang="en-US" smtClean="0"/>
-              <a:t>2/6/2024</a:t>
+              <a:t>3/15/2024</a:t>
             </a:fld>
             <a:endParaRPr lang="en-US"/>
           </a:p>
@@ -5118,10 +5122,7280 @@
           </a:fontRef>
         </p:style>
       </p:cxnSp>
+      <p:sp>
+        <p:nvSpPr>
+          <p:cNvPr id="8" name="TextBox 7">
+            <a:extLst>
+              <a:ext uri="{FF2B5EF4-FFF2-40B4-BE49-F238E27FC236}">
+                <a16:creationId xmlns:a16="http://schemas.microsoft.com/office/drawing/2014/main" id="{CD48E650-BB92-0C77-0BF5-29DA5189D202}"/>
+              </a:ext>
+            </a:extLst>
+          </p:cNvPr>
+          <p:cNvSpPr txBox="1"/>
+          <p:nvPr/>
+        </p:nvSpPr>
+        <p:spPr>
+          <a:xfrm>
+            <a:off x="0" y="16735"/>
+            <a:ext cx="6094638" cy="369332"/>
+          </a:xfrm>
+          <a:prstGeom prst="rect">
+            <a:avLst/>
+          </a:prstGeom>
+          <a:noFill/>
+        </p:spPr>
+        <p:txBody>
+          <a:bodyPr wrap="square">
+            <a:spAutoFit/>
+          </a:bodyPr>
+          <a:lstStyle/>
+          <a:p>
+            <a:r>
+              <a:rPr lang="en-US" b="1" dirty="0"/>
+              <a:t>Architecture Overview</a:t>
+            </a:r>
+          </a:p>
+        </p:txBody>
+      </p:sp>
     </p:spTree>
     <p:extLst>
       <p:ext uri="{BB962C8B-B14F-4D97-AF65-F5344CB8AC3E}">
         <p14:creationId xmlns:p14="http://schemas.microsoft.com/office/powerpoint/2010/main" val="3277478152"/>
+      </p:ext>
+    </p:extLst>
+  </p:cSld>
+  <p:clrMapOvr>
+    <a:masterClrMapping/>
+  </p:clrMapOvr>
+</p:sld>
+</file>
+
+<file path=ppt/slides/slide2.xml><?xml version="1.0" encoding="utf-8"?>
+<p:sld xmlns:a="http://schemas.openxmlformats.org/drawingml/2006/main" xmlns:r="http://schemas.openxmlformats.org/officeDocument/2006/relationships" xmlns:p="http://schemas.openxmlformats.org/presentationml/2006/main">
+  <p:cSld>
+    <p:spTree>
+      <p:nvGrpSpPr>
+        <p:cNvPr id="1" name="">
+          <a:extLst>
+            <a:ext uri="{FF2B5EF4-FFF2-40B4-BE49-F238E27FC236}">
+              <a16:creationId xmlns:a16="http://schemas.microsoft.com/office/drawing/2014/main" id="{EFA6D7BF-0998-5A0F-9C90-CFA302EC1A57}"/>
+            </a:ext>
+          </a:extLst>
+        </p:cNvPr>
+        <p:cNvGrpSpPr/>
+        <p:nvPr/>
+      </p:nvGrpSpPr>
+      <p:grpSpPr>
+        <a:xfrm>
+          <a:off x="0" y="0"/>
+          <a:ext cx="0" cy="0"/>
+          <a:chOff x="0" y="0"/>
+          <a:chExt cx="0" cy="0"/>
+        </a:xfrm>
+      </p:grpSpPr>
+      <p:sp>
+        <p:nvSpPr>
+          <p:cNvPr id="6" name="TextBox 5">
+            <a:extLst>
+              <a:ext uri="{FF2B5EF4-FFF2-40B4-BE49-F238E27FC236}">
+                <a16:creationId xmlns:a16="http://schemas.microsoft.com/office/drawing/2014/main" id="{4FF6CC1B-F579-93A7-A1B7-0FB3473A0CD4}"/>
+              </a:ext>
+            </a:extLst>
+          </p:cNvPr>
+          <p:cNvSpPr txBox="1"/>
+          <p:nvPr/>
+        </p:nvSpPr>
+        <p:spPr>
+          <a:xfrm>
+            <a:off x="0" y="16735"/>
+            <a:ext cx="6094638" cy="2585323"/>
+          </a:xfrm>
+          <a:prstGeom prst="rect">
+            <a:avLst/>
+          </a:prstGeom>
+          <a:noFill/>
+        </p:spPr>
+        <p:txBody>
+          <a:bodyPr wrap="square">
+            <a:spAutoFit/>
+          </a:bodyPr>
+          <a:lstStyle/>
+          <a:p>
+            <a:r>
+              <a:rPr lang="en-US" b="1" dirty="0"/>
+              <a:t>Real-world testing and data gathering - </a:t>
+            </a:r>
+            <a:r>
+              <a:rPr lang="en-US" b="1" dirty="0" err="1"/>
+              <a:t>Parcmotor</a:t>
+            </a:r>
+            <a:r>
+              <a:rPr lang="en-US" b="1" dirty="0"/>
+              <a:t> </a:t>
+            </a:r>
+            <a:r>
+              <a:rPr lang="en-US" b="1" dirty="0" err="1"/>
+              <a:t>Castellolí</a:t>
+            </a:r>
+            <a:endParaRPr lang="en-US" b="1" dirty="0"/>
+          </a:p>
+          <a:p>
+            <a:r>
+              <a:rPr lang="en-US" sz="1200" b="1" dirty="0"/>
+              <a:t>legend: </a:t>
+            </a:r>
+          </a:p>
+          <a:p>
+            <a:pPr marL="285750" indent="-285750">
+              <a:buFont typeface="Arial" panose="020B0604020202020204" pitchFamily="34" charset="0"/>
+              <a:buChar char="•"/>
+            </a:pPr>
+            <a:r>
+              <a:rPr lang="en-US" sz="1200" b="1" dirty="0"/>
+              <a:t>mandatory</a:t>
+            </a:r>
+          </a:p>
+          <a:p>
+            <a:pPr marL="285750" indent="-285750">
+              <a:buFont typeface="Arial" panose="020B0604020202020204" pitchFamily="34" charset="0"/>
+              <a:buChar char="•"/>
+            </a:pPr>
+            <a:r>
+              <a:rPr lang="en-US" sz="1200" b="1" dirty="0">
+                <a:solidFill>
+                  <a:srgbClr val="0070C0"/>
+                </a:solidFill>
+              </a:rPr>
+              <a:t>Optional</a:t>
+            </a:r>
+          </a:p>
+          <a:p>
+            <a:r>
+              <a:rPr lang="en-US" sz="1200" b="1" dirty="0"/>
+              <a:t>steps:</a:t>
+            </a:r>
+          </a:p>
+          <a:p>
+            <a:pPr marL="228600" indent="-228600">
+              <a:buFont typeface="+mj-lt"/>
+              <a:buAutoNum type="arabicPeriod"/>
+            </a:pPr>
+            <a:r>
+              <a:rPr lang="en-US" sz="1200" b="1" dirty="0"/>
+              <a:t>prepare the </a:t>
+            </a:r>
+            <a:r>
+              <a:rPr lang="en-US" sz="1200" b="1" dirty="0" err="1"/>
+              <a:t>Kserve</a:t>
+            </a:r>
+            <a:r>
+              <a:rPr lang="en-US" sz="1200" b="1" dirty="0"/>
+              <a:t> model and helm charts</a:t>
+            </a:r>
+          </a:p>
+          <a:p>
+            <a:pPr marL="228600" indent="-228600">
+              <a:buFont typeface="+mj-lt"/>
+              <a:buAutoNum type="arabicPeriod"/>
+            </a:pPr>
+            <a:r>
+              <a:rPr lang="en-US" sz="1200" b="1" dirty="0"/>
+              <a:t>make testing requests before the day of testing</a:t>
+            </a:r>
+          </a:p>
+          <a:p>
+            <a:pPr marL="228600" indent="-228600">
+              <a:buFont typeface="+mj-lt"/>
+              <a:buAutoNum type="arabicPeriod"/>
+            </a:pPr>
+            <a:r>
+              <a:rPr lang="en-US" sz="1200" b="1" dirty="0"/>
+              <a:t>run the real-world test with vehicles in </a:t>
+            </a:r>
+            <a:r>
+              <a:rPr lang="en-US" sz="1200" b="1" dirty="0" err="1"/>
+              <a:t>Castelloli</a:t>
+            </a:r>
+            <a:endParaRPr lang="en-US" sz="1200" b="1" dirty="0"/>
+          </a:p>
+          <a:p>
+            <a:pPr marL="228600" indent="-228600">
+              <a:buFont typeface="+mj-lt"/>
+              <a:buAutoNum type="arabicPeriod"/>
+            </a:pPr>
+            <a:r>
+              <a:rPr lang="en-US" sz="1200" b="1" dirty="0"/>
+              <a:t>query and save Kepler stats (CPU,RAM usage + CO2 estimation) from Prometheus</a:t>
+            </a:r>
+          </a:p>
+          <a:p>
+            <a:pPr marL="228600" indent="-228600">
+              <a:buFont typeface="+mj-lt"/>
+              <a:buAutoNum type="arabicPeriod"/>
+            </a:pPr>
+            <a:r>
+              <a:rPr lang="en-US" sz="1200" b="1" dirty="0"/>
+              <a:t>query and save measurements and predictions from Prometheus</a:t>
+            </a:r>
+          </a:p>
+          <a:p>
+            <a:pPr marL="228600" indent="-228600">
+              <a:buFont typeface="+mj-lt"/>
+              <a:buAutoNum type="arabicPeriod"/>
+            </a:pPr>
+            <a:r>
+              <a:rPr lang="en-US" sz="1200" b="1" dirty="0"/>
+              <a:t>make screenshots: Grafana, NBC environment</a:t>
+            </a:r>
+          </a:p>
+          <a:p>
+            <a:pPr marL="228600" indent="-228600">
+              <a:buFont typeface="+mj-lt"/>
+              <a:buAutoNum type="arabicPeriod"/>
+            </a:pPr>
+            <a:r>
+              <a:rPr lang="en-US" sz="1200" b="1" dirty="0"/>
+              <a:t>make vehicle pictures</a:t>
+            </a:r>
+          </a:p>
+          <a:p>
+            <a:pPr marL="228600" indent="-228600">
+              <a:buFont typeface="+mj-lt"/>
+              <a:buAutoNum type="arabicPeriod"/>
+            </a:pPr>
+            <a:endParaRPr lang="en-US" sz="1200" b="1" dirty="0">
+              <a:solidFill>
+                <a:srgbClr val="0070C0"/>
+              </a:solidFill>
+            </a:endParaRPr>
+          </a:p>
+        </p:txBody>
+      </p:sp>
+      <p:sp>
+        <p:nvSpPr>
+          <p:cNvPr id="4" name="Rectangle: Rounded Corners 3">
+            <a:extLst>
+              <a:ext uri="{FF2B5EF4-FFF2-40B4-BE49-F238E27FC236}">
+                <a16:creationId xmlns:a16="http://schemas.microsoft.com/office/drawing/2014/main" id="{2EEDD385-7A49-9949-298E-B371A8154D75}"/>
+              </a:ext>
+            </a:extLst>
+          </p:cNvPr>
+          <p:cNvSpPr/>
+          <p:nvPr/>
+        </p:nvSpPr>
+        <p:spPr>
+          <a:xfrm>
+            <a:off x="1896818" y="3269884"/>
+            <a:ext cx="1681944" cy="859811"/>
+          </a:xfrm>
+          <a:prstGeom prst="roundRect">
+            <a:avLst/>
+          </a:prstGeom>
+          <a:noFill/>
+        </p:spPr>
+        <p:style>
+          <a:lnRef idx="2">
+            <a:schemeClr val="accent1">
+              <a:shade val="15000"/>
+            </a:schemeClr>
+          </a:lnRef>
+          <a:fillRef idx="1">
+            <a:schemeClr val="accent1"/>
+          </a:fillRef>
+          <a:effectRef idx="0">
+            <a:schemeClr val="accent1"/>
+          </a:effectRef>
+          <a:fontRef idx="minor">
+            <a:schemeClr val="lt1"/>
+          </a:fontRef>
+        </p:style>
+        <p:txBody>
+          <a:bodyPr rtlCol="0" anchor="t"/>
+          <a:lstStyle/>
+          <a:p>
+            <a:r>
+              <a:rPr lang="en-US" sz="1000" b="1" dirty="0">
+                <a:solidFill>
+                  <a:schemeClr val="tx1"/>
+                </a:solidFill>
+              </a:rPr>
+              <a:t>Vehicle</a:t>
+            </a:r>
+          </a:p>
+        </p:txBody>
+      </p:sp>
+      <p:sp>
+        <p:nvSpPr>
+          <p:cNvPr id="5" name="Rectangle: Rounded Corners 4">
+            <a:extLst>
+              <a:ext uri="{FF2B5EF4-FFF2-40B4-BE49-F238E27FC236}">
+                <a16:creationId xmlns:a16="http://schemas.microsoft.com/office/drawing/2014/main" id="{57CA734F-A60C-8487-77D4-25DC5CB266EF}"/>
+              </a:ext>
+            </a:extLst>
+          </p:cNvPr>
+          <p:cNvSpPr/>
+          <p:nvPr/>
+        </p:nvSpPr>
+        <p:spPr>
+          <a:xfrm>
+            <a:off x="3751456" y="3298467"/>
+            <a:ext cx="2955757" cy="859811"/>
+          </a:xfrm>
+          <a:prstGeom prst="roundRect">
+            <a:avLst/>
+          </a:prstGeom>
+          <a:noFill/>
+        </p:spPr>
+        <p:style>
+          <a:lnRef idx="2">
+            <a:schemeClr val="accent1">
+              <a:shade val="15000"/>
+            </a:schemeClr>
+          </a:lnRef>
+          <a:fillRef idx="1">
+            <a:schemeClr val="accent1"/>
+          </a:fillRef>
+          <a:effectRef idx="0">
+            <a:schemeClr val="accent1"/>
+          </a:effectRef>
+          <a:fontRef idx="minor">
+            <a:schemeClr val="lt1"/>
+          </a:fontRef>
+        </p:style>
+        <p:txBody>
+          <a:bodyPr rtlCol="0" anchor="t"/>
+          <a:lstStyle/>
+          <a:p>
+            <a:r>
+              <a:rPr lang="en-US" sz="1000" b="1" dirty="0">
+                <a:solidFill>
+                  <a:schemeClr val="tx1"/>
+                </a:solidFill>
+              </a:rPr>
+              <a:t>Edge node #1</a:t>
+            </a:r>
+          </a:p>
+        </p:txBody>
+      </p:sp>
+      <p:sp>
+        <p:nvSpPr>
+          <p:cNvPr id="7" name="Rectangle: Rounded Corners 6">
+            <a:extLst>
+              <a:ext uri="{FF2B5EF4-FFF2-40B4-BE49-F238E27FC236}">
+                <a16:creationId xmlns:a16="http://schemas.microsoft.com/office/drawing/2014/main" id="{EADE92FF-E364-C310-CF48-D04AEE5EBCE2}"/>
+              </a:ext>
+            </a:extLst>
+          </p:cNvPr>
+          <p:cNvSpPr/>
+          <p:nvPr/>
+        </p:nvSpPr>
+        <p:spPr>
+          <a:xfrm>
+            <a:off x="3869614" y="3530626"/>
+            <a:ext cx="1039235" cy="521077"/>
+          </a:xfrm>
+          <a:prstGeom prst="roundRect">
+            <a:avLst/>
+          </a:prstGeom>
+          <a:noFill/>
+        </p:spPr>
+        <p:style>
+          <a:lnRef idx="2">
+            <a:schemeClr val="accent1">
+              <a:shade val="15000"/>
+            </a:schemeClr>
+          </a:lnRef>
+          <a:fillRef idx="1">
+            <a:schemeClr val="accent1"/>
+          </a:fillRef>
+          <a:effectRef idx="0">
+            <a:schemeClr val="accent1"/>
+          </a:effectRef>
+          <a:fontRef idx="minor">
+            <a:schemeClr val="lt1"/>
+          </a:fontRef>
+        </p:style>
+        <p:txBody>
+          <a:bodyPr rtlCol="0" anchor="ctr"/>
+          <a:lstStyle/>
+          <a:p>
+            <a:pPr algn="ctr"/>
+            <a:r>
+              <a:rPr lang="en-US" sz="1000" b="1" dirty="0">
+                <a:solidFill>
+                  <a:schemeClr val="tx1"/>
+                </a:solidFill>
+              </a:rPr>
+              <a:t>Edge pod #1</a:t>
+            </a:r>
+            <a:endParaRPr lang="en-US" sz="1000" dirty="0">
+              <a:solidFill>
+                <a:schemeClr val="tx1"/>
+              </a:solidFill>
+            </a:endParaRPr>
+          </a:p>
+          <a:p>
+            <a:pPr algn="ctr"/>
+            <a:r>
+              <a:rPr lang="en-US" sz="1000" dirty="0">
+                <a:solidFill>
+                  <a:schemeClr val="tx1"/>
+                </a:solidFill>
+              </a:rPr>
+              <a:t>Redis Database</a:t>
+            </a:r>
+          </a:p>
+        </p:txBody>
+      </p:sp>
+      <p:sp>
+        <p:nvSpPr>
+          <p:cNvPr id="13" name="Rectangle: Rounded Corners 12">
+            <a:extLst>
+              <a:ext uri="{FF2B5EF4-FFF2-40B4-BE49-F238E27FC236}">
+                <a16:creationId xmlns:a16="http://schemas.microsoft.com/office/drawing/2014/main" id="{07AB99B1-10FF-8386-C38B-37C9E4AEDE21}"/>
+              </a:ext>
+            </a:extLst>
+          </p:cNvPr>
+          <p:cNvSpPr/>
+          <p:nvPr/>
+        </p:nvSpPr>
+        <p:spPr>
+          <a:xfrm>
+            <a:off x="1944696" y="3502043"/>
+            <a:ext cx="1577793" cy="593677"/>
+          </a:xfrm>
+          <a:prstGeom prst="roundRect">
+            <a:avLst/>
+          </a:prstGeom>
+          <a:noFill/>
+        </p:spPr>
+        <p:style>
+          <a:lnRef idx="2">
+            <a:schemeClr val="accent1">
+              <a:shade val="15000"/>
+            </a:schemeClr>
+          </a:lnRef>
+          <a:fillRef idx="1">
+            <a:schemeClr val="accent1"/>
+          </a:fillRef>
+          <a:effectRef idx="0">
+            <a:schemeClr val="accent1"/>
+          </a:effectRef>
+          <a:fontRef idx="minor">
+            <a:schemeClr val="lt1"/>
+          </a:fontRef>
+        </p:style>
+        <p:txBody>
+          <a:bodyPr rtlCol="0" anchor="ctr"/>
+          <a:lstStyle/>
+          <a:p>
+            <a:pPr algn="ctr"/>
+            <a:r>
+              <a:rPr lang="en-US" sz="1000" dirty="0">
+                <a:solidFill>
+                  <a:schemeClr val="tx1"/>
+                </a:solidFill>
+              </a:rPr>
+              <a:t>On Board Unit(OBU)</a:t>
+            </a:r>
+          </a:p>
+        </p:txBody>
+      </p:sp>
+      <p:cxnSp>
+        <p:nvCxnSpPr>
+          <p:cNvPr id="15" name="Straight Arrow Connector 14">
+            <a:extLst>
+              <a:ext uri="{FF2B5EF4-FFF2-40B4-BE49-F238E27FC236}">
+                <a16:creationId xmlns:a16="http://schemas.microsoft.com/office/drawing/2014/main" id="{F410E379-54EB-1E1D-95EE-39A564F4BE5A}"/>
+              </a:ext>
+            </a:extLst>
+          </p:cNvPr>
+          <p:cNvCxnSpPr>
+            <a:cxnSpLocks/>
+            <a:stCxn id="13" idx="3"/>
+            <a:endCxn id="7" idx="1"/>
+          </p:cNvCxnSpPr>
+          <p:nvPr/>
+        </p:nvCxnSpPr>
+        <p:spPr>
+          <a:xfrm flipV="1">
+            <a:off x="3522489" y="3791164"/>
+            <a:ext cx="347125" cy="7717"/>
+          </a:xfrm>
+          <a:prstGeom prst="straightConnector1">
+            <a:avLst/>
+          </a:prstGeom>
+          <a:ln>
+            <a:tailEnd type="triangle"/>
+          </a:ln>
+        </p:spPr>
+        <p:style>
+          <a:lnRef idx="1">
+            <a:schemeClr val="dk1"/>
+          </a:lnRef>
+          <a:fillRef idx="0">
+            <a:schemeClr val="dk1"/>
+          </a:fillRef>
+          <a:effectRef idx="0">
+            <a:schemeClr val="dk1"/>
+          </a:effectRef>
+          <a:fontRef idx="minor">
+            <a:schemeClr val="tx1"/>
+          </a:fontRef>
+        </p:style>
+      </p:cxnSp>
+      <p:sp>
+        <p:nvSpPr>
+          <p:cNvPr id="27" name="Rectangle: Rounded Corners 26">
+            <a:extLst>
+              <a:ext uri="{FF2B5EF4-FFF2-40B4-BE49-F238E27FC236}">
+                <a16:creationId xmlns:a16="http://schemas.microsoft.com/office/drawing/2014/main" id="{EF1AEEAD-9425-CFF8-5412-C57FB6A7ECA1}"/>
+              </a:ext>
+            </a:extLst>
+          </p:cNvPr>
+          <p:cNvSpPr/>
+          <p:nvPr/>
+        </p:nvSpPr>
+        <p:spPr>
+          <a:xfrm>
+            <a:off x="3695183" y="2602058"/>
+            <a:ext cx="5809723" cy="2774114"/>
+          </a:xfrm>
+          <a:prstGeom prst="roundRect">
+            <a:avLst/>
+          </a:prstGeom>
+          <a:noFill/>
+        </p:spPr>
+        <p:style>
+          <a:lnRef idx="2">
+            <a:schemeClr val="accent1">
+              <a:shade val="15000"/>
+            </a:schemeClr>
+          </a:lnRef>
+          <a:fillRef idx="1">
+            <a:schemeClr val="accent1"/>
+          </a:fillRef>
+          <a:effectRef idx="0">
+            <a:schemeClr val="accent1"/>
+          </a:effectRef>
+          <a:fontRef idx="minor">
+            <a:schemeClr val="lt1"/>
+          </a:fontRef>
+        </p:style>
+        <p:txBody>
+          <a:bodyPr rtlCol="0" anchor="t"/>
+          <a:lstStyle/>
+          <a:p>
+            <a:r>
+              <a:rPr lang="en-US" sz="1000" b="1" dirty="0">
+                <a:solidFill>
+                  <a:schemeClr val="tx1"/>
+                </a:solidFill>
+              </a:rPr>
+              <a:t>Kubernetes</a:t>
+            </a:r>
+          </a:p>
+        </p:txBody>
+      </p:sp>
+      <p:sp>
+        <p:nvSpPr>
+          <p:cNvPr id="28" name="Rectangle: Rounded Corners 27">
+            <a:extLst>
+              <a:ext uri="{FF2B5EF4-FFF2-40B4-BE49-F238E27FC236}">
+                <a16:creationId xmlns:a16="http://schemas.microsoft.com/office/drawing/2014/main" id="{332CFCBA-C474-6798-C231-073AD819E420}"/>
+              </a:ext>
+            </a:extLst>
+          </p:cNvPr>
+          <p:cNvSpPr/>
+          <p:nvPr/>
+        </p:nvSpPr>
+        <p:spPr>
+          <a:xfrm>
+            <a:off x="7139872" y="3599970"/>
+            <a:ext cx="1056294" cy="385992"/>
+          </a:xfrm>
+          <a:prstGeom prst="roundRect">
+            <a:avLst/>
+          </a:prstGeom>
+          <a:noFill/>
+        </p:spPr>
+        <p:style>
+          <a:lnRef idx="2">
+            <a:schemeClr val="accent1">
+              <a:shade val="15000"/>
+            </a:schemeClr>
+          </a:lnRef>
+          <a:fillRef idx="1">
+            <a:schemeClr val="accent1"/>
+          </a:fillRef>
+          <a:effectRef idx="0">
+            <a:schemeClr val="accent1"/>
+          </a:effectRef>
+          <a:fontRef idx="minor">
+            <a:schemeClr val="lt1"/>
+          </a:fontRef>
+        </p:style>
+        <p:txBody>
+          <a:bodyPr rtlCol="0" anchor="ctr"/>
+          <a:lstStyle/>
+          <a:p>
+            <a:pPr algn="ctr"/>
+            <a:r>
+              <a:rPr lang="en-US" sz="1000" dirty="0">
+                <a:solidFill>
+                  <a:schemeClr val="tx1"/>
+                </a:solidFill>
+              </a:rPr>
+              <a:t>Prometheus</a:t>
+            </a:r>
+          </a:p>
+        </p:txBody>
+      </p:sp>
+      <p:sp>
+        <p:nvSpPr>
+          <p:cNvPr id="30" name="Rectangle: Rounded Corners 29">
+            <a:extLst>
+              <a:ext uri="{FF2B5EF4-FFF2-40B4-BE49-F238E27FC236}">
+                <a16:creationId xmlns:a16="http://schemas.microsoft.com/office/drawing/2014/main" id="{1E2A1EB7-9249-E40F-79F5-4800F31C380E}"/>
+              </a:ext>
+            </a:extLst>
+          </p:cNvPr>
+          <p:cNvSpPr/>
+          <p:nvPr/>
+        </p:nvSpPr>
+        <p:spPr>
+          <a:xfrm>
+            <a:off x="7176303" y="3118599"/>
+            <a:ext cx="991924" cy="385992"/>
+          </a:xfrm>
+          <a:prstGeom prst="roundRect">
+            <a:avLst/>
+          </a:prstGeom>
+          <a:noFill/>
+          <a:ln w="22225">
+            <a:solidFill>
+              <a:schemeClr val="accent1"/>
+            </a:solidFill>
+            <a:prstDash val="dash"/>
+          </a:ln>
+        </p:spPr>
+        <p:style>
+          <a:lnRef idx="2">
+            <a:schemeClr val="accent1">
+              <a:shade val="15000"/>
+            </a:schemeClr>
+          </a:lnRef>
+          <a:fillRef idx="1">
+            <a:schemeClr val="accent1"/>
+          </a:fillRef>
+          <a:effectRef idx="0">
+            <a:schemeClr val="accent1"/>
+          </a:effectRef>
+          <a:fontRef idx="minor">
+            <a:schemeClr val="lt1"/>
+          </a:fontRef>
+        </p:style>
+        <p:txBody>
+          <a:bodyPr rtlCol="0" anchor="t"/>
+          <a:lstStyle/>
+          <a:p>
+            <a:pPr algn="ctr"/>
+            <a:r>
+              <a:rPr lang="en-US" sz="1000" dirty="0">
+                <a:solidFill>
+                  <a:srgbClr val="0070C0"/>
+                </a:solidFill>
+              </a:rPr>
+              <a:t>Dashboard (Grafana)</a:t>
+            </a:r>
+          </a:p>
+        </p:txBody>
+      </p:sp>
+      <p:sp>
+        <p:nvSpPr>
+          <p:cNvPr id="31" name="Rectangle: Rounded Corners 30">
+            <a:extLst>
+              <a:ext uri="{FF2B5EF4-FFF2-40B4-BE49-F238E27FC236}">
+                <a16:creationId xmlns:a16="http://schemas.microsoft.com/office/drawing/2014/main" id="{13E53B03-6FCB-D6D4-88CC-9F122739D385}"/>
+              </a:ext>
+            </a:extLst>
+          </p:cNvPr>
+          <p:cNvSpPr/>
+          <p:nvPr/>
+        </p:nvSpPr>
+        <p:spPr>
+          <a:xfrm>
+            <a:off x="7052016" y="2830367"/>
+            <a:ext cx="2393714" cy="2221917"/>
+          </a:xfrm>
+          <a:prstGeom prst="roundRect">
+            <a:avLst/>
+          </a:prstGeom>
+          <a:noFill/>
+        </p:spPr>
+        <p:style>
+          <a:lnRef idx="2">
+            <a:schemeClr val="accent1">
+              <a:shade val="15000"/>
+            </a:schemeClr>
+          </a:lnRef>
+          <a:fillRef idx="1">
+            <a:schemeClr val="accent1"/>
+          </a:fillRef>
+          <a:effectRef idx="0">
+            <a:schemeClr val="accent1"/>
+          </a:effectRef>
+          <a:fontRef idx="minor">
+            <a:schemeClr val="lt1"/>
+          </a:fontRef>
+        </p:style>
+        <p:txBody>
+          <a:bodyPr rtlCol="0" anchor="t"/>
+          <a:lstStyle/>
+          <a:p>
+            <a:r>
+              <a:rPr lang="en-US" sz="1000" b="1" dirty="0">
+                <a:solidFill>
+                  <a:schemeClr val="tx1"/>
+                </a:solidFill>
+              </a:rPr>
+              <a:t>Core</a:t>
+            </a:r>
+          </a:p>
+        </p:txBody>
+      </p:sp>
+      <p:sp>
+        <p:nvSpPr>
+          <p:cNvPr id="33" name="Rectangle: Rounded Corners 32">
+            <a:extLst>
+              <a:ext uri="{FF2B5EF4-FFF2-40B4-BE49-F238E27FC236}">
+                <a16:creationId xmlns:a16="http://schemas.microsoft.com/office/drawing/2014/main" id="{96C1B319-660F-CB05-40C5-EEC257E08964}"/>
+              </a:ext>
+            </a:extLst>
+          </p:cNvPr>
+          <p:cNvSpPr/>
+          <p:nvPr/>
+        </p:nvSpPr>
+        <p:spPr>
+          <a:xfrm>
+            <a:off x="7139872" y="4100389"/>
+            <a:ext cx="1056294" cy="385992"/>
+          </a:xfrm>
+          <a:prstGeom prst="roundRect">
+            <a:avLst/>
+          </a:prstGeom>
+          <a:noFill/>
+        </p:spPr>
+        <p:style>
+          <a:lnRef idx="2">
+            <a:schemeClr val="accent1">
+              <a:shade val="15000"/>
+            </a:schemeClr>
+          </a:lnRef>
+          <a:fillRef idx="1">
+            <a:schemeClr val="accent1"/>
+          </a:fillRef>
+          <a:effectRef idx="0">
+            <a:schemeClr val="accent1"/>
+          </a:effectRef>
+          <a:fontRef idx="minor">
+            <a:schemeClr val="lt1"/>
+          </a:fontRef>
+        </p:style>
+        <p:txBody>
+          <a:bodyPr rtlCol="0" anchor="ctr"/>
+          <a:lstStyle/>
+          <a:p>
+            <a:pPr algn="ctr"/>
+            <a:r>
+              <a:rPr lang="en-US" sz="1000" dirty="0">
+                <a:solidFill>
+                  <a:schemeClr val="tx1"/>
+                </a:solidFill>
+              </a:rPr>
+              <a:t>Kepler</a:t>
+            </a:r>
+          </a:p>
+        </p:txBody>
+      </p:sp>
+      <p:cxnSp>
+        <p:nvCxnSpPr>
+          <p:cNvPr id="40" name="Straight Arrow Connector 39">
+            <a:extLst>
+              <a:ext uri="{FF2B5EF4-FFF2-40B4-BE49-F238E27FC236}">
+                <a16:creationId xmlns:a16="http://schemas.microsoft.com/office/drawing/2014/main" id="{7109F9BA-470C-9533-3B7F-F0E61585F5E0}"/>
+              </a:ext>
+            </a:extLst>
+          </p:cNvPr>
+          <p:cNvCxnSpPr>
+            <a:cxnSpLocks/>
+            <a:stCxn id="30" idx="2"/>
+            <a:endCxn id="28" idx="0"/>
+          </p:cNvCxnSpPr>
+          <p:nvPr/>
+        </p:nvCxnSpPr>
+        <p:spPr>
+          <a:xfrm flipH="1">
+            <a:off x="7668020" y="3504591"/>
+            <a:ext cx="4246" cy="95379"/>
+          </a:xfrm>
+          <a:prstGeom prst="straightConnector1">
+            <a:avLst/>
+          </a:prstGeom>
+          <a:ln w="22225">
+            <a:solidFill>
+              <a:schemeClr val="accent1"/>
+            </a:solidFill>
+            <a:prstDash val="dash"/>
+            <a:headEnd type="triangle"/>
+            <a:tailEnd type="triangle"/>
+          </a:ln>
+        </p:spPr>
+        <p:style>
+          <a:lnRef idx="1">
+            <a:schemeClr val="dk1"/>
+          </a:lnRef>
+          <a:fillRef idx="0">
+            <a:schemeClr val="dk1"/>
+          </a:fillRef>
+          <a:effectRef idx="0">
+            <a:schemeClr val="dk1"/>
+          </a:effectRef>
+          <a:fontRef idx="minor">
+            <a:schemeClr val="tx1"/>
+          </a:fontRef>
+        </p:style>
+      </p:cxnSp>
+      <p:sp>
+        <p:nvSpPr>
+          <p:cNvPr id="17" name="Rectangle: Rounded Corners 16">
+            <a:extLst>
+              <a:ext uri="{FF2B5EF4-FFF2-40B4-BE49-F238E27FC236}">
+                <a16:creationId xmlns:a16="http://schemas.microsoft.com/office/drawing/2014/main" id="{3B76F2A3-A862-2DD8-27B1-995D8FDDAC25}"/>
+              </a:ext>
+            </a:extLst>
+          </p:cNvPr>
+          <p:cNvSpPr/>
+          <p:nvPr/>
+        </p:nvSpPr>
+        <p:spPr>
+          <a:xfrm>
+            <a:off x="8277232" y="3118599"/>
+            <a:ext cx="1056294" cy="385992"/>
+          </a:xfrm>
+          <a:prstGeom prst="roundRect">
+            <a:avLst/>
+          </a:prstGeom>
+          <a:noFill/>
+          <a:ln w="22225">
+            <a:solidFill>
+              <a:schemeClr val="accent1"/>
+            </a:solidFill>
+            <a:prstDash val="dash"/>
+          </a:ln>
+        </p:spPr>
+        <p:style>
+          <a:lnRef idx="2">
+            <a:schemeClr val="accent1">
+              <a:shade val="15000"/>
+            </a:schemeClr>
+          </a:lnRef>
+          <a:fillRef idx="1">
+            <a:schemeClr val="accent1"/>
+          </a:fillRef>
+          <a:effectRef idx="0">
+            <a:schemeClr val="accent1"/>
+          </a:effectRef>
+          <a:fontRef idx="minor">
+            <a:schemeClr val="lt1"/>
+          </a:fontRef>
+        </p:style>
+        <p:txBody>
+          <a:bodyPr rtlCol="0" anchor="ctr"/>
+          <a:lstStyle/>
+          <a:p>
+            <a:pPr algn="ctr"/>
+            <a:r>
+              <a:rPr lang="en-US" sz="1000" dirty="0">
+                <a:solidFill>
+                  <a:srgbClr val="0070C0"/>
+                </a:solidFill>
+              </a:rPr>
+              <a:t>Ingress</a:t>
+            </a:r>
+          </a:p>
+        </p:txBody>
+      </p:sp>
+      <p:cxnSp>
+        <p:nvCxnSpPr>
+          <p:cNvPr id="19" name="Straight Arrow Connector 18">
+            <a:extLst>
+              <a:ext uri="{FF2B5EF4-FFF2-40B4-BE49-F238E27FC236}">
+                <a16:creationId xmlns:a16="http://schemas.microsoft.com/office/drawing/2014/main" id="{12B173BB-02FE-506D-E698-996BD43F421A}"/>
+              </a:ext>
+            </a:extLst>
+          </p:cNvPr>
+          <p:cNvCxnSpPr>
+            <a:cxnSpLocks/>
+            <a:stCxn id="17" idx="1"/>
+            <a:endCxn id="30" idx="3"/>
+          </p:cNvCxnSpPr>
+          <p:nvPr/>
+        </p:nvCxnSpPr>
+        <p:spPr>
+          <a:xfrm flipH="1">
+            <a:off x="8168227" y="3311595"/>
+            <a:ext cx="109005" cy="0"/>
+          </a:xfrm>
+          <a:prstGeom prst="straightConnector1">
+            <a:avLst/>
+          </a:prstGeom>
+          <a:ln w="22225">
+            <a:solidFill>
+              <a:schemeClr val="accent1"/>
+            </a:solidFill>
+            <a:prstDash val="dash"/>
+            <a:tailEnd type="triangle"/>
+          </a:ln>
+        </p:spPr>
+        <p:style>
+          <a:lnRef idx="1">
+            <a:schemeClr val="dk1"/>
+          </a:lnRef>
+          <a:fillRef idx="0">
+            <a:schemeClr val="dk1"/>
+          </a:fillRef>
+          <a:effectRef idx="0">
+            <a:schemeClr val="dk1"/>
+          </a:effectRef>
+          <a:fontRef idx="minor">
+            <a:schemeClr val="tx1"/>
+          </a:fontRef>
+        </p:style>
+      </p:cxnSp>
+      <p:sp>
+        <p:nvSpPr>
+          <p:cNvPr id="29" name="Rectangle: Rounded Corners 28">
+            <a:extLst>
+              <a:ext uri="{FF2B5EF4-FFF2-40B4-BE49-F238E27FC236}">
+                <a16:creationId xmlns:a16="http://schemas.microsoft.com/office/drawing/2014/main" id="{EB050343-E9CF-F8CC-2FEE-C940C6968F3C}"/>
+              </a:ext>
+            </a:extLst>
+          </p:cNvPr>
+          <p:cNvSpPr/>
+          <p:nvPr/>
+        </p:nvSpPr>
+        <p:spPr>
+          <a:xfrm>
+            <a:off x="8240184" y="1697429"/>
+            <a:ext cx="1119039" cy="428140"/>
+          </a:xfrm>
+          <a:prstGeom prst="roundRect">
+            <a:avLst/>
+          </a:prstGeom>
+          <a:noFill/>
+          <a:ln w="22225">
+            <a:solidFill>
+              <a:schemeClr val="accent1"/>
+            </a:solidFill>
+            <a:prstDash val="dash"/>
+          </a:ln>
+        </p:spPr>
+        <p:style>
+          <a:lnRef idx="2">
+            <a:schemeClr val="accent1">
+              <a:shade val="15000"/>
+            </a:schemeClr>
+          </a:lnRef>
+          <a:fillRef idx="1">
+            <a:schemeClr val="accent1"/>
+          </a:fillRef>
+          <a:effectRef idx="0">
+            <a:schemeClr val="accent1"/>
+          </a:effectRef>
+          <a:fontRef idx="minor">
+            <a:schemeClr val="lt1"/>
+          </a:fontRef>
+        </p:style>
+        <p:txBody>
+          <a:bodyPr rtlCol="0" anchor="ctr"/>
+          <a:lstStyle/>
+          <a:p>
+            <a:pPr algn="ctr"/>
+            <a:r>
+              <a:rPr lang="en-US" sz="1000" b="1" dirty="0">
+                <a:solidFill>
+                  <a:srgbClr val="0070C0"/>
+                </a:solidFill>
+              </a:rPr>
+              <a:t>Operator</a:t>
+            </a:r>
+          </a:p>
+          <a:p>
+            <a:pPr algn="ctr"/>
+            <a:r>
+              <a:rPr lang="en-US" sz="1000" dirty="0">
+                <a:solidFill>
+                  <a:srgbClr val="0070C0"/>
+                </a:solidFill>
+              </a:rPr>
+              <a:t>(user)</a:t>
+            </a:r>
+          </a:p>
+        </p:txBody>
+      </p:sp>
+      <p:cxnSp>
+        <p:nvCxnSpPr>
+          <p:cNvPr id="34" name="Straight Arrow Connector 33">
+            <a:extLst>
+              <a:ext uri="{FF2B5EF4-FFF2-40B4-BE49-F238E27FC236}">
+                <a16:creationId xmlns:a16="http://schemas.microsoft.com/office/drawing/2014/main" id="{3171DFE0-0C32-A4F3-10BE-8487C421AC4B}"/>
+              </a:ext>
+            </a:extLst>
+          </p:cNvPr>
+          <p:cNvCxnSpPr>
+            <a:cxnSpLocks/>
+            <a:stCxn id="29" idx="2"/>
+            <a:endCxn id="17" idx="0"/>
+          </p:cNvCxnSpPr>
+          <p:nvPr/>
+        </p:nvCxnSpPr>
+        <p:spPr>
+          <a:xfrm>
+            <a:off x="8799704" y="2125569"/>
+            <a:ext cx="5675" cy="993030"/>
+          </a:xfrm>
+          <a:prstGeom prst="straightConnector1">
+            <a:avLst/>
+          </a:prstGeom>
+          <a:ln w="22225">
+            <a:solidFill>
+              <a:schemeClr val="accent1"/>
+            </a:solidFill>
+            <a:prstDash val="dash"/>
+            <a:tailEnd type="triangle"/>
+          </a:ln>
+        </p:spPr>
+        <p:style>
+          <a:lnRef idx="1">
+            <a:schemeClr val="dk1"/>
+          </a:lnRef>
+          <a:fillRef idx="0">
+            <a:schemeClr val="dk1"/>
+          </a:fillRef>
+          <a:effectRef idx="0">
+            <a:schemeClr val="dk1"/>
+          </a:effectRef>
+          <a:fontRef idx="minor">
+            <a:schemeClr val="tx1"/>
+          </a:fontRef>
+        </p:style>
+      </p:cxnSp>
+      <p:cxnSp>
+        <p:nvCxnSpPr>
+          <p:cNvPr id="2" name="Straight Arrow Connector 1">
+            <a:extLst>
+              <a:ext uri="{FF2B5EF4-FFF2-40B4-BE49-F238E27FC236}">
+                <a16:creationId xmlns:a16="http://schemas.microsoft.com/office/drawing/2014/main" id="{B1570001-1FF3-4A4C-2754-F88956F3291D}"/>
+              </a:ext>
+            </a:extLst>
+          </p:cNvPr>
+          <p:cNvCxnSpPr>
+            <a:cxnSpLocks/>
+            <a:stCxn id="28" idx="2"/>
+            <a:endCxn id="33" idx="0"/>
+          </p:cNvCxnSpPr>
+          <p:nvPr/>
+        </p:nvCxnSpPr>
+        <p:spPr>
+          <a:xfrm>
+            <a:off x="7668020" y="3985962"/>
+            <a:ext cx="0" cy="114427"/>
+          </a:xfrm>
+          <a:prstGeom prst="straightConnector1">
+            <a:avLst/>
+          </a:prstGeom>
+          <a:ln>
+            <a:headEnd type="triangle"/>
+            <a:tailEnd type="triangle"/>
+          </a:ln>
+        </p:spPr>
+        <p:style>
+          <a:lnRef idx="1">
+            <a:schemeClr val="dk1"/>
+          </a:lnRef>
+          <a:fillRef idx="0">
+            <a:schemeClr val="dk1"/>
+          </a:fillRef>
+          <a:effectRef idx="0">
+            <a:schemeClr val="dk1"/>
+          </a:effectRef>
+          <a:fontRef idx="minor">
+            <a:schemeClr val="tx1"/>
+          </a:fontRef>
+        </p:style>
+      </p:cxnSp>
+      <p:sp>
+        <p:nvSpPr>
+          <p:cNvPr id="3" name="Rectangle: Rounded Corners 2">
+            <a:extLst>
+              <a:ext uri="{FF2B5EF4-FFF2-40B4-BE49-F238E27FC236}">
+                <a16:creationId xmlns:a16="http://schemas.microsoft.com/office/drawing/2014/main" id="{FDC0DFD8-0582-E8FC-E2B5-CB6D0645F2B1}"/>
+              </a:ext>
+            </a:extLst>
+          </p:cNvPr>
+          <p:cNvSpPr/>
+          <p:nvPr/>
+        </p:nvSpPr>
+        <p:spPr>
+          <a:xfrm>
+            <a:off x="5093735" y="3554098"/>
+            <a:ext cx="1502191" cy="497604"/>
+          </a:xfrm>
+          <a:prstGeom prst="roundRect">
+            <a:avLst/>
+          </a:prstGeom>
+          <a:noFill/>
+          <a:ln>
+            <a:solidFill>
+              <a:schemeClr val="tx1"/>
+            </a:solidFill>
+          </a:ln>
+        </p:spPr>
+        <p:style>
+          <a:lnRef idx="2">
+            <a:schemeClr val="accent1">
+              <a:shade val="15000"/>
+            </a:schemeClr>
+          </a:lnRef>
+          <a:fillRef idx="1">
+            <a:schemeClr val="accent1"/>
+          </a:fillRef>
+          <a:effectRef idx="0">
+            <a:schemeClr val="accent1"/>
+          </a:effectRef>
+          <a:fontRef idx="minor">
+            <a:schemeClr val="lt1"/>
+          </a:fontRef>
+        </p:style>
+        <p:txBody>
+          <a:bodyPr rtlCol="0" anchor="ctr"/>
+          <a:lstStyle/>
+          <a:p>
+            <a:pPr algn="ctr"/>
+            <a:r>
+              <a:rPr lang="en-US" sz="1000" b="1" dirty="0">
+                <a:solidFill>
+                  <a:schemeClr val="tx1"/>
+                </a:solidFill>
+              </a:rPr>
+              <a:t>Edge pod #2</a:t>
+            </a:r>
+            <a:endParaRPr lang="en-US" sz="1000" dirty="0">
+              <a:solidFill>
+                <a:schemeClr val="tx1"/>
+              </a:solidFill>
+            </a:endParaRPr>
+          </a:p>
+          <a:p>
+            <a:pPr algn="ctr"/>
+            <a:r>
+              <a:rPr lang="en-US" sz="1000" dirty="0" err="1">
+                <a:solidFill>
+                  <a:schemeClr val="tx1"/>
+                </a:solidFill>
+              </a:rPr>
+              <a:t>Kserve</a:t>
+            </a:r>
+            <a:endParaRPr lang="en-US" sz="1000" dirty="0">
+              <a:solidFill>
+                <a:schemeClr val="tx1"/>
+              </a:solidFill>
+            </a:endParaRPr>
+          </a:p>
+          <a:p>
+            <a:pPr algn="ctr"/>
+            <a:r>
+              <a:rPr lang="en-US" sz="1000" dirty="0">
+                <a:solidFill>
+                  <a:schemeClr val="tx1"/>
+                </a:solidFill>
+              </a:rPr>
+              <a:t>inference service</a:t>
+            </a:r>
+          </a:p>
+        </p:txBody>
+      </p:sp>
+      <p:sp>
+        <p:nvSpPr>
+          <p:cNvPr id="58" name="Rectangle 57">
+            <a:extLst>
+              <a:ext uri="{FF2B5EF4-FFF2-40B4-BE49-F238E27FC236}">
+                <a16:creationId xmlns:a16="http://schemas.microsoft.com/office/drawing/2014/main" id="{15E66127-8F3B-80DF-C031-5C4BA4B2B3F8}"/>
+              </a:ext>
+            </a:extLst>
+          </p:cNvPr>
+          <p:cNvSpPr/>
+          <p:nvPr/>
+        </p:nvSpPr>
+        <p:spPr>
+          <a:xfrm>
+            <a:off x="5879731" y="4474308"/>
+            <a:ext cx="1142492" cy="452539"/>
+          </a:xfrm>
+          <a:prstGeom prst="rect">
+            <a:avLst/>
+          </a:prstGeom>
+          <a:solidFill>
+            <a:schemeClr val="bg1"/>
+          </a:solidFill>
+        </p:spPr>
+        <p:style>
+          <a:lnRef idx="2">
+            <a:schemeClr val="accent1">
+              <a:shade val="15000"/>
+            </a:schemeClr>
+          </a:lnRef>
+          <a:fillRef idx="1">
+            <a:schemeClr val="accent1"/>
+          </a:fillRef>
+          <a:effectRef idx="0">
+            <a:schemeClr val="accent1"/>
+          </a:effectRef>
+          <a:fontRef idx="minor">
+            <a:schemeClr val="lt1"/>
+          </a:fontRef>
+        </p:style>
+        <p:txBody>
+          <a:bodyPr rtlCol="0" anchor="ctr"/>
+          <a:lstStyle/>
+          <a:p>
+            <a:pPr algn="ctr"/>
+            <a:r>
+              <a:rPr lang="en-US" sz="1000" dirty="0">
+                <a:solidFill>
+                  <a:schemeClr val="tx1"/>
+                </a:solidFill>
+              </a:rPr>
+              <a:t>energy, CPU, </a:t>
+            </a:r>
+          </a:p>
+          <a:p>
+            <a:pPr algn="ctr"/>
+            <a:r>
+              <a:rPr lang="en-US" sz="1000" dirty="0">
+                <a:solidFill>
+                  <a:schemeClr val="tx1"/>
+                </a:solidFill>
+              </a:rPr>
+              <a:t>memory usage stats</a:t>
+            </a:r>
+          </a:p>
+        </p:txBody>
+      </p:sp>
+      <p:cxnSp>
+        <p:nvCxnSpPr>
+          <p:cNvPr id="60" name="Connector: Elbow 59">
+            <a:extLst>
+              <a:ext uri="{FF2B5EF4-FFF2-40B4-BE49-F238E27FC236}">
+                <a16:creationId xmlns:a16="http://schemas.microsoft.com/office/drawing/2014/main" id="{EEAD92C5-0C38-3AC3-8AA6-85186503AC12}"/>
+              </a:ext>
+            </a:extLst>
+          </p:cNvPr>
+          <p:cNvCxnSpPr>
+            <a:cxnSpLocks/>
+            <a:stCxn id="58" idx="1"/>
+            <a:endCxn id="5" idx="2"/>
+          </p:cNvCxnSpPr>
+          <p:nvPr/>
+        </p:nvCxnSpPr>
+        <p:spPr>
+          <a:xfrm rot="10800000">
+            <a:off x="5229335" y="4158278"/>
+            <a:ext cx="650396" cy="542300"/>
+          </a:xfrm>
+          <a:prstGeom prst="bentConnector2">
+            <a:avLst/>
+          </a:prstGeom>
+          <a:ln>
+            <a:tailEnd type="triangle"/>
+          </a:ln>
+        </p:spPr>
+        <p:style>
+          <a:lnRef idx="1">
+            <a:schemeClr val="dk1"/>
+          </a:lnRef>
+          <a:fillRef idx="0">
+            <a:schemeClr val="dk1"/>
+          </a:fillRef>
+          <a:effectRef idx="0">
+            <a:schemeClr val="dk1"/>
+          </a:effectRef>
+          <a:fontRef idx="minor">
+            <a:schemeClr val="tx1"/>
+          </a:fontRef>
+        </p:style>
+      </p:cxnSp>
+      <p:cxnSp>
+        <p:nvCxnSpPr>
+          <p:cNvPr id="62" name="Connector: Elbow 61">
+            <a:extLst>
+              <a:ext uri="{FF2B5EF4-FFF2-40B4-BE49-F238E27FC236}">
+                <a16:creationId xmlns:a16="http://schemas.microsoft.com/office/drawing/2014/main" id="{611EE3CC-5184-7773-6A02-9DE819550139}"/>
+              </a:ext>
+            </a:extLst>
+          </p:cNvPr>
+          <p:cNvCxnSpPr>
+            <a:cxnSpLocks/>
+            <a:stCxn id="58" idx="3"/>
+            <a:endCxn id="33" idx="2"/>
+          </p:cNvCxnSpPr>
+          <p:nvPr/>
+        </p:nvCxnSpPr>
+        <p:spPr>
+          <a:xfrm flipV="1">
+            <a:off x="7022223" y="4486381"/>
+            <a:ext cx="645796" cy="214197"/>
+          </a:xfrm>
+          <a:prstGeom prst="bentConnector2">
+            <a:avLst/>
+          </a:prstGeom>
+          <a:ln>
+            <a:solidFill>
+              <a:schemeClr val="tx1"/>
+            </a:solidFill>
+            <a:tailEnd type="triangle"/>
+          </a:ln>
+        </p:spPr>
+        <p:style>
+          <a:lnRef idx="1">
+            <a:schemeClr val="accent1"/>
+          </a:lnRef>
+          <a:fillRef idx="0">
+            <a:schemeClr val="accent1"/>
+          </a:fillRef>
+          <a:effectRef idx="0">
+            <a:schemeClr val="accent1"/>
+          </a:effectRef>
+          <a:fontRef idx="minor">
+            <a:schemeClr val="tx1"/>
+          </a:fontRef>
+        </p:style>
+      </p:cxnSp>
+      <p:sp>
+        <p:nvSpPr>
+          <p:cNvPr id="104" name="Rectangle: Rounded Corners 103">
+            <a:extLst>
+              <a:ext uri="{FF2B5EF4-FFF2-40B4-BE49-F238E27FC236}">
+                <a16:creationId xmlns:a16="http://schemas.microsoft.com/office/drawing/2014/main" id="{E4A4A77C-BC6C-93F7-9C9D-D3B26E6ACFA9}"/>
+              </a:ext>
+            </a:extLst>
+          </p:cNvPr>
+          <p:cNvSpPr/>
+          <p:nvPr/>
+        </p:nvSpPr>
+        <p:spPr>
+          <a:xfrm>
+            <a:off x="8295513" y="4113305"/>
+            <a:ext cx="893559" cy="360161"/>
+          </a:xfrm>
+          <a:prstGeom prst="roundRect">
+            <a:avLst/>
+          </a:prstGeom>
+          <a:noFill/>
+          <a:ln>
+            <a:solidFill>
+              <a:schemeClr val="tx1"/>
+            </a:solidFill>
+          </a:ln>
+        </p:spPr>
+        <p:style>
+          <a:lnRef idx="2">
+            <a:schemeClr val="accent1">
+              <a:shade val="15000"/>
+            </a:schemeClr>
+          </a:lnRef>
+          <a:fillRef idx="1">
+            <a:schemeClr val="accent1"/>
+          </a:fillRef>
+          <a:effectRef idx="0">
+            <a:schemeClr val="accent1"/>
+          </a:effectRef>
+          <a:fontRef idx="minor">
+            <a:schemeClr val="lt1"/>
+          </a:fontRef>
+        </p:style>
+        <p:txBody>
+          <a:bodyPr rtlCol="0" anchor="ctr"/>
+          <a:lstStyle/>
+          <a:p>
+            <a:pPr algn="ctr"/>
+            <a:r>
+              <a:rPr lang="en-US" sz="1000" dirty="0" err="1">
+                <a:solidFill>
+                  <a:schemeClr val="tx1"/>
+                </a:solidFill>
+              </a:rPr>
+              <a:t>Kserve</a:t>
+            </a:r>
+            <a:endParaRPr lang="en-US" sz="1000" dirty="0">
+              <a:solidFill>
+                <a:schemeClr val="tx1"/>
+              </a:solidFill>
+            </a:endParaRPr>
+          </a:p>
+        </p:txBody>
+      </p:sp>
+      <p:sp>
+        <p:nvSpPr>
+          <p:cNvPr id="123" name="Rectangle 122">
+            <a:extLst>
+              <a:ext uri="{FF2B5EF4-FFF2-40B4-BE49-F238E27FC236}">
+                <a16:creationId xmlns:a16="http://schemas.microsoft.com/office/drawing/2014/main" id="{E7F03803-2F06-E529-A0BE-AFC2BEAD9CB2}"/>
+              </a:ext>
+            </a:extLst>
+          </p:cNvPr>
+          <p:cNvSpPr/>
+          <p:nvPr/>
+        </p:nvSpPr>
+        <p:spPr>
+          <a:xfrm>
+            <a:off x="6534707" y="5116140"/>
+            <a:ext cx="1687077" cy="141481"/>
+          </a:xfrm>
+          <a:prstGeom prst="rect">
+            <a:avLst/>
+          </a:prstGeom>
+          <a:solidFill>
+            <a:schemeClr val="bg1"/>
+          </a:solidFill>
+        </p:spPr>
+        <p:style>
+          <a:lnRef idx="2">
+            <a:schemeClr val="accent1">
+              <a:shade val="15000"/>
+            </a:schemeClr>
+          </a:lnRef>
+          <a:fillRef idx="1">
+            <a:schemeClr val="accent1"/>
+          </a:fillRef>
+          <a:effectRef idx="0">
+            <a:schemeClr val="accent1"/>
+          </a:effectRef>
+          <a:fontRef idx="minor">
+            <a:schemeClr val="lt1"/>
+          </a:fontRef>
+        </p:style>
+        <p:txBody>
+          <a:bodyPr rtlCol="0" anchor="ctr"/>
+          <a:lstStyle/>
+          <a:p>
+            <a:pPr algn="ctr"/>
+            <a:r>
+              <a:rPr lang="en-US" sz="1000" dirty="0">
+                <a:solidFill>
+                  <a:schemeClr val="tx1"/>
+                </a:solidFill>
+              </a:rPr>
+              <a:t>model serving</a:t>
+            </a:r>
+          </a:p>
+        </p:txBody>
+      </p:sp>
+      <p:cxnSp>
+        <p:nvCxnSpPr>
+          <p:cNvPr id="124" name="Connector: Elbow 123">
+            <a:extLst>
+              <a:ext uri="{FF2B5EF4-FFF2-40B4-BE49-F238E27FC236}">
+                <a16:creationId xmlns:a16="http://schemas.microsoft.com/office/drawing/2014/main" id="{ACF56766-3852-7F28-F23D-81FD55B52B6D}"/>
+              </a:ext>
+            </a:extLst>
+          </p:cNvPr>
+          <p:cNvCxnSpPr>
+            <a:cxnSpLocks/>
+            <a:stCxn id="123" idx="1"/>
+            <a:endCxn id="3" idx="2"/>
+          </p:cNvCxnSpPr>
+          <p:nvPr/>
+        </p:nvCxnSpPr>
+        <p:spPr>
+          <a:xfrm rot="10800000">
+            <a:off x="5844831" y="4051702"/>
+            <a:ext cx="689877" cy="1135178"/>
+          </a:xfrm>
+          <a:prstGeom prst="bentConnector2">
+            <a:avLst/>
+          </a:prstGeom>
+          <a:ln>
+            <a:tailEnd type="triangle"/>
+          </a:ln>
+        </p:spPr>
+        <p:style>
+          <a:lnRef idx="1">
+            <a:schemeClr val="dk1"/>
+          </a:lnRef>
+          <a:fillRef idx="0">
+            <a:schemeClr val="dk1"/>
+          </a:fillRef>
+          <a:effectRef idx="0">
+            <a:schemeClr val="dk1"/>
+          </a:effectRef>
+          <a:fontRef idx="minor">
+            <a:schemeClr val="tx1"/>
+          </a:fontRef>
+        </p:style>
+      </p:cxnSp>
+      <p:cxnSp>
+        <p:nvCxnSpPr>
+          <p:cNvPr id="127" name="Connector: Elbow 126">
+            <a:extLst>
+              <a:ext uri="{FF2B5EF4-FFF2-40B4-BE49-F238E27FC236}">
+                <a16:creationId xmlns:a16="http://schemas.microsoft.com/office/drawing/2014/main" id="{5ECA23C0-378B-F828-2422-90AF1562B7EF}"/>
+              </a:ext>
+            </a:extLst>
+          </p:cNvPr>
+          <p:cNvCxnSpPr>
+            <a:cxnSpLocks/>
+            <a:stCxn id="104" idx="2"/>
+            <a:endCxn id="123" idx="3"/>
+          </p:cNvCxnSpPr>
+          <p:nvPr/>
+        </p:nvCxnSpPr>
+        <p:spPr>
+          <a:xfrm rot="5400000">
+            <a:off x="8125331" y="4569918"/>
+            <a:ext cx="713415" cy="520510"/>
+          </a:xfrm>
+          <a:prstGeom prst="bentConnector2">
+            <a:avLst/>
+          </a:prstGeom>
+          <a:ln>
+            <a:tailEnd type="triangle"/>
+          </a:ln>
+        </p:spPr>
+        <p:style>
+          <a:lnRef idx="1">
+            <a:schemeClr val="dk1"/>
+          </a:lnRef>
+          <a:fillRef idx="0">
+            <a:schemeClr val="dk1"/>
+          </a:fillRef>
+          <a:effectRef idx="0">
+            <a:schemeClr val="dk1"/>
+          </a:effectRef>
+          <a:fontRef idx="minor">
+            <a:schemeClr val="tx1"/>
+          </a:fontRef>
+        </p:style>
+      </p:cxnSp>
+      <p:cxnSp>
+        <p:nvCxnSpPr>
+          <p:cNvPr id="134" name="Straight Arrow Connector 133">
+            <a:extLst>
+              <a:ext uri="{FF2B5EF4-FFF2-40B4-BE49-F238E27FC236}">
+                <a16:creationId xmlns:a16="http://schemas.microsoft.com/office/drawing/2014/main" id="{C3D990BF-A335-F20B-4E03-8577EDD2A7A0}"/>
+              </a:ext>
+            </a:extLst>
+          </p:cNvPr>
+          <p:cNvCxnSpPr>
+            <a:cxnSpLocks/>
+            <a:stCxn id="3" idx="3"/>
+            <a:endCxn id="28" idx="1"/>
+          </p:cNvCxnSpPr>
+          <p:nvPr/>
+        </p:nvCxnSpPr>
+        <p:spPr>
+          <a:xfrm flipV="1">
+            <a:off x="6595925" y="3792966"/>
+            <a:ext cx="543947" cy="9934"/>
+          </a:xfrm>
+          <a:prstGeom prst="straightConnector1">
+            <a:avLst/>
+          </a:prstGeom>
+          <a:ln>
+            <a:headEnd type="triangle"/>
+            <a:tailEnd type="triangle"/>
+          </a:ln>
+        </p:spPr>
+        <p:style>
+          <a:lnRef idx="1">
+            <a:schemeClr val="dk1"/>
+          </a:lnRef>
+          <a:fillRef idx="0">
+            <a:schemeClr val="dk1"/>
+          </a:fillRef>
+          <a:effectRef idx="0">
+            <a:schemeClr val="dk1"/>
+          </a:effectRef>
+          <a:fontRef idx="minor">
+            <a:schemeClr val="tx1"/>
+          </a:fontRef>
+        </p:style>
+      </p:cxnSp>
+      <p:sp>
+        <p:nvSpPr>
+          <p:cNvPr id="8" name="Rectangle: Rounded Corners 7">
+            <a:extLst>
+              <a:ext uri="{FF2B5EF4-FFF2-40B4-BE49-F238E27FC236}">
+                <a16:creationId xmlns:a16="http://schemas.microsoft.com/office/drawing/2014/main" id="{4B9F1995-98D9-3EA0-1D5F-820593CFD12A}"/>
+              </a:ext>
+            </a:extLst>
+          </p:cNvPr>
+          <p:cNvSpPr/>
+          <p:nvPr/>
+        </p:nvSpPr>
+        <p:spPr>
+          <a:xfrm>
+            <a:off x="3774078" y="4234683"/>
+            <a:ext cx="1134771" cy="309717"/>
+          </a:xfrm>
+          <a:prstGeom prst="roundRect">
+            <a:avLst/>
+          </a:prstGeom>
+          <a:noFill/>
+        </p:spPr>
+        <p:style>
+          <a:lnRef idx="2">
+            <a:schemeClr val="accent1">
+              <a:shade val="15000"/>
+            </a:schemeClr>
+          </a:lnRef>
+          <a:fillRef idx="1">
+            <a:schemeClr val="accent1"/>
+          </a:fillRef>
+          <a:effectRef idx="0">
+            <a:schemeClr val="accent1"/>
+          </a:effectRef>
+          <a:fontRef idx="minor">
+            <a:schemeClr val="lt1"/>
+          </a:fontRef>
+        </p:style>
+        <p:txBody>
+          <a:bodyPr rtlCol="0" anchor="t"/>
+          <a:lstStyle/>
+          <a:p>
+            <a:r>
+              <a:rPr lang="en-US" sz="1000" b="1" dirty="0">
+                <a:solidFill>
+                  <a:schemeClr val="tx1"/>
+                </a:solidFill>
+              </a:rPr>
+              <a:t>Edge node #2</a:t>
+            </a:r>
+          </a:p>
+        </p:txBody>
+      </p:sp>
+      <p:sp>
+        <p:nvSpPr>
+          <p:cNvPr id="9" name="Rectangle: Rounded Corners 8">
+            <a:extLst>
+              <a:ext uri="{FF2B5EF4-FFF2-40B4-BE49-F238E27FC236}">
+                <a16:creationId xmlns:a16="http://schemas.microsoft.com/office/drawing/2014/main" id="{4DD47FA6-358F-080D-7C49-6E76BC247E9D}"/>
+              </a:ext>
+            </a:extLst>
+          </p:cNvPr>
+          <p:cNvSpPr/>
+          <p:nvPr/>
+        </p:nvSpPr>
+        <p:spPr>
+          <a:xfrm>
+            <a:off x="3774078" y="4634767"/>
+            <a:ext cx="1134771" cy="309717"/>
+          </a:xfrm>
+          <a:prstGeom prst="roundRect">
+            <a:avLst/>
+          </a:prstGeom>
+          <a:noFill/>
+        </p:spPr>
+        <p:style>
+          <a:lnRef idx="2">
+            <a:schemeClr val="accent1">
+              <a:shade val="15000"/>
+            </a:schemeClr>
+          </a:lnRef>
+          <a:fillRef idx="1">
+            <a:schemeClr val="accent1"/>
+          </a:fillRef>
+          <a:effectRef idx="0">
+            <a:schemeClr val="accent1"/>
+          </a:effectRef>
+          <a:fontRef idx="minor">
+            <a:schemeClr val="lt1"/>
+          </a:fontRef>
+        </p:style>
+        <p:txBody>
+          <a:bodyPr rtlCol="0" anchor="t"/>
+          <a:lstStyle/>
+          <a:p>
+            <a:r>
+              <a:rPr lang="en-US" sz="1000" b="1" dirty="0">
+                <a:solidFill>
+                  <a:schemeClr val="tx1"/>
+                </a:solidFill>
+              </a:rPr>
+              <a:t>Edge node #3</a:t>
+            </a:r>
+          </a:p>
+        </p:txBody>
+      </p:sp>
+    </p:spTree>
+    <p:extLst>
+      <p:ext uri="{BB962C8B-B14F-4D97-AF65-F5344CB8AC3E}">
+        <p14:creationId xmlns:p14="http://schemas.microsoft.com/office/powerpoint/2010/main" val="3506412058"/>
+      </p:ext>
+    </p:extLst>
+  </p:cSld>
+  <p:clrMapOvr>
+    <a:masterClrMapping/>
+  </p:clrMapOvr>
+</p:sld>
+</file>
+
+<file path=ppt/slides/slide3.xml><?xml version="1.0" encoding="utf-8"?>
+<p:sld xmlns:a="http://schemas.openxmlformats.org/drawingml/2006/main" xmlns:r="http://schemas.openxmlformats.org/officeDocument/2006/relationships" xmlns:p="http://schemas.openxmlformats.org/presentationml/2006/main">
+  <p:cSld>
+    <p:spTree>
+      <p:nvGrpSpPr>
+        <p:cNvPr id="1" name=""/>
+        <p:cNvGrpSpPr/>
+        <p:nvPr/>
+      </p:nvGrpSpPr>
+      <p:grpSpPr>
+        <a:xfrm>
+          <a:off x="0" y="0"/>
+          <a:ext cx="0" cy="0"/>
+          <a:chOff x="0" y="0"/>
+          <a:chExt cx="0" cy="0"/>
+        </a:xfrm>
+      </p:grpSpPr>
+      <p:sp>
+        <p:nvSpPr>
+          <p:cNvPr id="31" name="Rectangle: Rounded Corners 30">
+            <a:extLst>
+              <a:ext uri="{FF2B5EF4-FFF2-40B4-BE49-F238E27FC236}">
+                <a16:creationId xmlns:a16="http://schemas.microsoft.com/office/drawing/2014/main" id="{CC1F835D-3571-45B9-355A-A2EA6F413B7E}"/>
+              </a:ext>
+            </a:extLst>
+          </p:cNvPr>
+          <p:cNvSpPr/>
+          <p:nvPr/>
+        </p:nvSpPr>
+        <p:spPr>
+          <a:xfrm>
+            <a:off x="74428" y="2927115"/>
+            <a:ext cx="2653797" cy="1548208"/>
+          </a:xfrm>
+          <a:prstGeom prst="roundRect">
+            <a:avLst/>
+          </a:prstGeom>
+          <a:noFill/>
+        </p:spPr>
+        <p:style>
+          <a:lnRef idx="2">
+            <a:schemeClr val="accent1">
+              <a:shade val="15000"/>
+            </a:schemeClr>
+          </a:lnRef>
+          <a:fillRef idx="1">
+            <a:schemeClr val="accent1"/>
+          </a:fillRef>
+          <a:effectRef idx="0">
+            <a:schemeClr val="accent1"/>
+          </a:effectRef>
+          <a:fontRef idx="minor">
+            <a:schemeClr val="lt1"/>
+          </a:fontRef>
+        </p:style>
+        <p:txBody>
+          <a:bodyPr rtlCol="0" anchor="t"/>
+          <a:lstStyle/>
+          <a:p>
+            <a:r>
+              <a:rPr lang="en-US" b="1" dirty="0">
+                <a:solidFill>
+                  <a:schemeClr val="tx1"/>
+                </a:solidFill>
+              </a:rPr>
+              <a:t>Vehicle</a:t>
+            </a:r>
+          </a:p>
+        </p:txBody>
+      </p:sp>
+      <p:sp>
+        <p:nvSpPr>
+          <p:cNvPr id="32" name="Rectangle: Rounded Corners 31">
+            <a:extLst>
+              <a:ext uri="{FF2B5EF4-FFF2-40B4-BE49-F238E27FC236}">
+                <a16:creationId xmlns:a16="http://schemas.microsoft.com/office/drawing/2014/main" id="{0C7A59D8-1B46-A45D-3D57-B950A80F813F}"/>
+              </a:ext>
+            </a:extLst>
+          </p:cNvPr>
+          <p:cNvSpPr/>
+          <p:nvPr/>
+        </p:nvSpPr>
+        <p:spPr>
+          <a:xfrm>
+            <a:off x="3000704" y="2978583"/>
+            <a:ext cx="4663639" cy="1548208"/>
+          </a:xfrm>
+          <a:prstGeom prst="roundRect">
+            <a:avLst/>
+          </a:prstGeom>
+          <a:noFill/>
+        </p:spPr>
+        <p:style>
+          <a:lnRef idx="2">
+            <a:schemeClr val="accent1">
+              <a:shade val="15000"/>
+            </a:schemeClr>
+          </a:lnRef>
+          <a:fillRef idx="1">
+            <a:schemeClr val="accent1"/>
+          </a:fillRef>
+          <a:effectRef idx="0">
+            <a:schemeClr val="accent1"/>
+          </a:effectRef>
+          <a:fontRef idx="minor">
+            <a:schemeClr val="lt1"/>
+          </a:fontRef>
+        </p:style>
+        <p:txBody>
+          <a:bodyPr rtlCol="0" anchor="t"/>
+          <a:lstStyle/>
+          <a:p>
+            <a:r>
+              <a:rPr lang="en-US" b="1" dirty="0">
+                <a:solidFill>
+                  <a:schemeClr val="tx1"/>
+                </a:solidFill>
+              </a:rPr>
+              <a:t>Edge node #1</a:t>
+            </a:r>
+          </a:p>
+        </p:txBody>
+      </p:sp>
+      <p:sp>
+        <p:nvSpPr>
+          <p:cNvPr id="33" name="Rectangle: Rounded Corners 32">
+            <a:extLst>
+              <a:ext uri="{FF2B5EF4-FFF2-40B4-BE49-F238E27FC236}">
+                <a16:creationId xmlns:a16="http://schemas.microsoft.com/office/drawing/2014/main" id="{B177A3E5-C11F-E5C3-45B8-634652E8CDD7}"/>
+              </a:ext>
+            </a:extLst>
+          </p:cNvPr>
+          <p:cNvSpPr/>
+          <p:nvPr/>
+        </p:nvSpPr>
+        <p:spPr>
+          <a:xfrm>
+            <a:off x="3187136" y="3396617"/>
+            <a:ext cx="1639721" cy="938271"/>
+          </a:xfrm>
+          <a:prstGeom prst="roundRect">
+            <a:avLst/>
+          </a:prstGeom>
+          <a:noFill/>
+        </p:spPr>
+        <p:style>
+          <a:lnRef idx="2">
+            <a:schemeClr val="accent1">
+              <a:shade val="15000"/>
+            </a:schemeClr>
+          </a:lnRef>
+          <a:fillRef idx="1">
+            <a:schemeClr val="accent1"/>
+          </a:fillRef>
+          <a:effectRef idx="0">
+            <a:schemeClr val="accent1"/>
+          </a:effectRef>
+          <a:fontRef idx="minor">
+            <a:schemeClr val="lt1"/>
+          </a:fontRef>
+        </p:style>
+        <p:txBody>
+          <a:bodyPr rtlCol="0" anchor="ctr"/>
+          <a:lstStyle/>
+          <a:p>
+            <a:pPr algn="ctr"/>
+            <a:r>
+              <a:rPr lang="en-US" b="1" dirty="0">
+                <a:solidFill>
+                  <a:schemeClr val="tx1"/>
+                </a:solidFill>
+              </a:rPr>
+              <a:t>Edge pod #1</a:t>
+            </a:r>
+            <a:endParaRPr lang="en-US" dirty="0">
+              <a:solidFill>
+                <a:schemeClr val="tx1"/>
+              </a:solidFill>
+            </a:endParaRPr>
+          </a:p>
+          <a:p>
+            <a:pPr algn="ctr"/>
+            <a:r>
+              <a:rPr lang="en-US" dirty="0">
+                <a:solidFill>
+                  <a:schemeClr val="tx1"/>
+                </a:solidFill>
+              </a:rPr>
+              <a:t>Redis Database</a:t>
+            </a:r>
+          </a:p>
+        </p:txBody>
+      </p:sp>
+      <p:sp>
+        <p:nvSpPr>
+          <p:cNvPr id="34" name="Rectangle: Rounded Corners 33">
+            <a:extLst>
+              <a:ext uri="{FF2B5EF4-FFF2-40B4-BE49-F238E27FC236}">
+                <a16:creationId xmlns:a16="http://schemas.microsoft.com/office/drawing/2014/main" id="{4DA0B597-0C2F-CCFE-43C8-5FAA07C31F95}"/>
+              </a:ext>
+            </a:extLst>
+          </p:cNvPr>
+          <p:cNvSpPr/>
+          <p:nvPr/>
+        </p:nvSpPr>
+        <p:spPr>
+          <a:xfrm>
+            <a:off x="149971" y="3345149"/>
+            <a:ext cx="2489466" cy="1068997"/>
+          </a:xfrm>
+          <a:prstGeom prst="roundRect">
+            <a:avLst/>
+          </a:prstGeom>
+          <a:noFill/>
+        </p:spPr>
+        <p:style>
+          <a:lnRef idx="2">
+            <a:schemeClr val="accent1">
+              <a:shade val="15000"/>
+            </a:schemeClr>
+          </a:lnRef>
+          <a:fillRef idx="1">
+            <a:schemeClr val="accent1"/>
+          </a:fillRef>
+          <a:effectRef idx="0">
+            <a:schemeClr val="accent1"/>
+          </a:effectRef>
+          <a:fontRef idx="minor">
+            <a:schemeClr val="lt1"/>
+          </a:fontRef>
+        </p:style>
+        <p:txBody>
+          <a:bodyPr rtlCol="0" anchor="ctr"/>
+          <a:lstStyle/>
+          <a:p>
+            <a:pPr algn="ctr"/>
+            <a:r>
+              <a:rPr lang="en-US" dirty="0">
+                <a:solidFill>
+                  <a:schemeClr val="tx1"/>
+                </a:solidFill>
+              </a:rPr>
+              <a:t>On Board Unit(OBU)</a:t>
+            </a:r>
+          </a:p>
+        </p:txBody>
+      </p:sp>
+      <p:cxnSp>
+        <p:nvCxnSpPr>
+          <p:cNvPr id="35" name="Straight Arrow Connector 34">
+            <a:extLst>
+              <a:ext uri="{FF2B5EF4-FFF2-40B4-BE49-F238E27FC236}">
+                <a16:creationId xmlns:a16="http://schemas.microsoft.com/office/drawing/2014/main" id="{DC008C7E-8DAA-68DC-9050-3D530FCCC995}"/>
+              </a:ext>
+            </a:extLst>
+          </p:cNvPr>
+          <p:cNvCxnSpPr>
+            <a:cxnSpLocks/>
+            <a:stCxn id="34" idx="3"/>
+            <a:endCxn id="33" idx="1"/>
+          </p:cNvCxnSpPr>
+          <p:nvPr/>
+        </p:nvCxnSpPr>
+        <p:spPr>
+          <a:xfrm flipV="1">
+            <a:off x="2639437" y="3865752"/>
+            <a:ext cx="547699" cy="13896"/>
+          </a:xfrm>
+          <a:prstGeom prst="straightConnector1">
+            <a:avLst/>
+          </a:prstGeom>
+          <a:ln>
+            <a:tailEnd type="triangle"/>
+          </a:ln>
+        </p:spPr>
+        <p:style>
+          <a:lnRef idx="1">
+            <a:schemeClr val="dk1"/>
+          </a:lnRef>
+          <a:fillRef idx="0">
+            <a:schemeClr val="dk1"/>
+          </a:fillRef>
+          <a:effectRef idx="0">
+            <a:schemeClr val="dk1"/>
+          </a:effectRef>
+          <a:fontRef idx="minor">
+            <a:schemeClr val="tx1"/>
+          </a:fontRef>
+        </p:style>
+      </p:cxnSp>
+      <p:sp>
+        <p:nvSpPr>
+          <p:cNvPr id="36" name="Rectangle: Rounded Corners 35">
+            <a:extLst>
+              <a:ext uri="{FF2B5EF4-FFF2-40B4-BE49-F238E27FC236}">
+                <a16:creationId xmlns:a16="http://schemas.microsoft.com/office/drawing/2014/main" id="{546B19EF-7E2F-7561-F433-ECE3E57E7E44}"/>
+              </a:ext>
+            </a:extLst>
+          </p:cNvPr>
+          <p:cNvSpPr/>
+          <p:nvPr/>
+        </p:nvSpPr>
+        <p:spPr>
+          <a:xfrm>
+            <a:off x="2911916" y="1724602"/>
+            <a:ext cx="9166670" cy="4995175"/>
+          </a:xfrm>
+          <a:prstGeom prst="roundRect">
+            <a:avLst/>
+          </a:prstGeom>
+          <a:noFill/>
+        </p:spPr>
+        <p:style>
+          <a:lnRef idx="2">
+            <a:schemeClr val="accent1">
+              <a:shade val="15000"/>
+            </a:schemeClr>
+          </a:lnRef>
+          <a:fillRef idx="1">
+            <a:schemeClr val="accent1"/>
+          </a:fillRef>
+          <a:effectRef idx="0">
+            <a:schemeClr val="accent1"/>
+          </a:effectRef>
+          <a:fontRef idx="minor">
+            <a:schemeClr val="lt1"/>
+          </a:fontRef>
+        </p:style>
+        <p:txBody>
+          <a:bodyPr rtlCol="0" anchor="t"/>
+          <a:lstStyle/>
+          <a:p>
+            <a:r>
+              <a:rPr lang="en-US" b="1" dirty="0">
+                <a:solidFill>
+                  <a:schemeClr val="tx1"/>
+                </a:solidFill>
+              </a:rPr>
+              <a:t>Kubernetes</a:t>
+            </a:r>
+          </a:p>
+        </p:txBody>
+      </p:sp>
+      <p:sp>
+        <p:nvSpPr>
+          <p:cNvPr id="37" name="Rectangle: Rounded Corners 36">
+            <a:extLst>
+              <a:ext uri="{FF2B5EF4-FFF2-40B4-BE49-F238E27FC236}">
+                <a16:creationId xmlns:a16="http://schemas.microsoft.com/office/drawing/2014/main" id="{C3B15022-E2EB-5089-9CA3-92DE2F0D2AB4}"/>
+              </a:ext>
+            </a:extLst>
+          </p:cNvPr>
+          <p:cNvSpPr/>
+          <p:nvPr/>
+        </p:nvSpPr>
+        <p:spPr>
+          <a:xfrm>
+            <a:off x="8346999" y="3521480"/>
+            <a:ext cx="1666637" cy="695032"/>
+          </a:xfrm>
+          <a:prstGeom prst="roundRect">
+            <a:avLst/>
+          </a:prstGeom>
+          <a:noFill/>
+        </p:spPr>
+        <p:style>
+          <a:lnRef idx="2">
+            <a:schemeClr val="accent1">
+              <a:shade val="15000"/>
+            </a:schemeClr>
+          </a:lnRef>
+          <a:fillRef idx="1">
+            <a:schemeClr val="accent1"/>
+          </a:fillRef>
+          <a:effectRef idx="0">
+            <a:schemeClr val="accent1"/>
+          </a:effectRef>
+          <a:fontRef idx="minor">
+            <a:schemeClr val="lt1"/>
+          </a:fontRef>
+        </p:style>
+        <p:txBody>
+          <a:bodyPr rtlCol="0" anchor="ctr"/>
+          <a:lstStyle/>
+          <a:p>
+            <a:pPr algn="ctr"/>
+            <a:r>
+              <a:rPr lang="en-US" dirty="0">
+                <a:solidFill>
+                  <a:schemeClr val="tx1"/>
+                </a:solidFill>
+              </a:rPr>
+              <a:t>Prometheus</a:t>
+            </a:r>
+          </a:p>
+        </p:txBody>
+      </p:sp>
+      <p:sp>
+        <p:nvSpPr>
+          <p:cNvPr id="38" name="Rectangle: Rounded Corners 37">
+            <a:extLst>
+              <a:ext uri="{FF2B5EF4-FFF2-40B4-BE49-F238E27FC236}">
+                <a16:creationId xmlns:a16="http://schemas.microsoft.com/office/drawing/2014/main" id="{EAA03AC9-97F5-286C-EFCE-4D5195822652}"/>
+              </a:ext>
+            </a:extLst>
+          </p:cNvPr>
+          <p:cNvSpPr/>
+          <p:nvPr/>
+        </p:nvSpPr>
+        <p:spPr>
+          <a:xfrm>
+            <a:off x="8404480" y="2654706"/>
+            <a:ext cx="1565073" cy="695032"/>
+          </a:xfrm>
+          <a:prstGeom prst="roundRect">
+            <a:avLst/>
+          </a:prstGeom>
+          <a:noFill/>
+          <a:ln w="22225">
+            <a:solidFill>
+              <a:schemeClr val="accent1"/>
+            </a:solidFill>
+            <a:prstDash val="dash"/>
+          </a:ln>
+        </p:spPr>
+        <p:style>
+          <a:lnRef idx="2">
+            <a:schemeClr val="accent1">
+              <a:shade val="15000"/>
+            </a:schemeClr>
+          </a:lnRef>
+          <a:fillRef idx="1">
+            <a:schemeClr val="accent1"/>
+          </a:fillRef>
+          <a:effectRef idx="0">
+            <a:schemeClr val="accent1"/>
+          </a:effectRef>
+          <a:fontRef idx="minor">
+            <a:schemeClr val="lt1"/>
+          </a:fontRef>
+        </p:style>
+        <p:txBody>
+          <a:bodyPr rtlCol="0" anchor="t"/>
+          <a:lstStyle/>
+          <a:p>
+            <a:pPr algn="ctr"/>
+            <a:r>
+              <a:rPr lang="en-US" dirty="0">
+                <a:solidFill>
+                  <a:srgbClr val="0070C0"/>
+                </a:solidFill>
+              </a:rPr>
+              <a:t>Dashboard (Grafana)</a:t>
+            </a:r>
+          </a:p>
+        </p:txBody>
+      </p:sp>
+      <p:sp>
+        <p:nvSpPr>
+          <p:cNvPr id="39" name="Rectangle: Rounded Corners 38">
+            <a:extLst>
+              <a:ext uri="{FF2B5EF4-FFF2-40B4-BE49-F238E27FC236}">
+                <a16:creationId xmlns:a16="http://schemas.microsoft.com/office/drawing/2014/main" id="{5A1E0682-6A69-94F7-4C99-04AC9460E12F}"/>
+              </a:ext>
+            </a:extLst>
+          </p:cNvPr>
+          <p:cNvSpPr/>
+          <p:nvPr/>
+        </p:nvSpPr>
+        <p:spPr>
+          <a:xfrm>
+            <a:off x="8208379" y="2135704"/>
+            <a:ext cx="3776839" cy="4000868"/>
+          </a:xfrm>
+          <a:prstGeom prst="roundRect">
+            <a:avLst/>
+          </a:prstGeom>
+          <a:noFill/>
+        </p:spPr>
+        <p:style>
+          <a:lnRef idx="2">
+            <a:schemeClr val="accent1">
+              <a:shade val="15000"/>
+            </a:schemeClr>
+          </a:lnRef>
+          <a:fillRef idx="1">
+            <a:schemeClr val="accent1"/>
+          </a:fillRef>
+          <a:effectRef idx="0">
+            <a:schemeClr val="accent1"/>
+          </a:effectRef>
+          <a:fontRef idx="minor">
+            <a:schemeClr val="lt1"/>
+          </a:fontRef>
+        </p:style>
+        <p:txBody>
+          <a:bodyPr rtlCol="0" anchor="t"/>
+          <a:lstStyle/>
+          <a:p>
+            <a:r>
+              <a:rPr lang="en-US" b="1" dirty="0">
+                <a:solidFill>
+                  <a:schemeClr val="tx1"/>
+                </a:solidFill>
+              </a:rPr>
+              <a:t>Core</a:t>
+            </a:r>
+          </a:p>
+        </p:txBody>
+      </p:sp>
+      <p:sp>
+        <p:nvSpPr>
+          <p:cNvPr id="40" name="Rectangle: Rounded Corners 39">
+            <a:extLst>
+              <a:ext uri="{FF2B5EF4-FFF2-40B4-BE49-F238E27FC236}">
+                <a16:creationId xmlns:a16="http://schemas.microsoft.com/office/drawing/2014/main" id="{FFDFDE8A-F88C-C030-0EC4-64B47D5DFF6D}"/>
+              </a:ext>
+            </a:extLst>
+          </p:cNvPr>
+          <p:cNvSpPr/>
+          <p:nvPr/>
+        </p:nvSpPr>
+        <p:spPr>
+          <a:xfrm>
+            <a:off x="8346999" y="4422554"/>
+            <a:ext cx="1666637" cy="695032"/>
+          </a:xfrm>
+          <a:prstGeom prst="roundRect">
+            <a:avLst/>
+          </a:prstGeom>
+          <a:noFill/>
+        </p:spPr>
+        <p:style>
+          <a:lnRef idx="2">
+            <a:schemeClr val="accent1">
+              <a:shade val="15000"/>
+            </a:schemeClr>
+          </a:lnRef>
+          <a:fillRef idx="1">
+            <a:schemeClr val="accent1"/>
+          </a:fillRef>
+          <a:effectRef idx="0">
+            <a:schemeClr val="accent1"/>
+          </a:effectRef>
+          <a:fontRef idx="minor">
+            <a:schemeClr val="lt1"/>
+          </a:fontRef>
+        </p:style>
+        <p:txBody>
+          <a:bodyPr rtlCol="0" anchor="ctr"/>
+          <a:lstStyle/>
+          <a:p>
+            <a:pPr algn="ctr"/>
+            <a:r>
+              <a:rPr lang="en-US" dirty="0">
+                <a:solidFill>
+                  <a:schemeClr val="tx1"/>
+                </a:solidFill>
+              </a:rPr>
+              <a:t>Kepler</a:t>
+            </a:r>
+          </a:p>
+        </p:txBody>
+      </p:sp>
+      <p:cxnSp>
+        <p:nvCxnSpPr>
+          <p:cNvPr id="41" name="Straight Arrow Connector 40">
+            <a:extLst>
+              <a:ext uri="{FF2B5EF4-FFF2-40B4-BE49-F238E27FC236}">
+                <a16:creationId xmlns:a16="http://schemas.microsoft.com/office/drawing/2014/main" id="{5D3F7CB6-FBA6-1824-D6A5-47FEEAAE5564}"/>
+              </a:ext>
+            </a:extLst>
+          </p:cNvPr>
+          <p:cNvCxnSpPr>
+            <a:cxnSpLocks/>
+            <a:stCxn id="38" idx="2"/>
+            <a:endCxn id="37" idx="0"/>
+          </p:cNvCxnSpPr>
+          <p:nvPr/>
+        </p:nvCxnSpPr>
+        <p:spPr>
+          <a:xfrm flipH="1">
+            <a:off x="9180319" y="3349737"/>
+            <a:ext cx="6699" cy="171743"/>
+          </a:xfrm>
+          <a:prstGeom prst="straightConnector1">
+            <a:avLst/>
+          </a:prstGeom>
+          <a:ln w="22225">
+            <a:solidFill>
+              <a:schemeClr val="accent1"/>
+            </a:solidFill>
+            <a:prstDash val="dash"/>
+            <a:headEnd type="triangle"/>
+            <a:tailEnd type="triangle"/>
+          </a:ln>
+        </p:spPr>
+        <p:style>
+          <a:lnRef idx="1">
+            <a:schemeClr val="dk1"/>
+          </a:lnRef>
+          <a:fillRef idx="0">
+            <a:schemeClr val="dk1"/>
+          </a:fillRef>
+          <a:effectRef idx="0">
+            <a:schemeClr val="dk1"/>
+          </a:effectRef>
+          <a:fontRef idx="minor">
+            <a:schemeClr val="tx1"/>
+          </a:fontRef>
+        </p:style>
+      </p:cxnSp>
+      <p:sp>
+        <p:nvSpPr>
+          <p:cNvPr id="42" name="Rectangle: Rounded Corners 41">
+            <a:extLst>
+              <a:ext uri="{FF2B5EF4-FFF2-40B4-BE49-F238E27FC236}">
+                <a16:creationId xmlns:a16="http://schemas.microsoft.com/office/drawing/2014/main" id="{0C2D3250-85C9-65CD-2FFB-6E6E8FF28441}"/>
+              </a:ext>
+            </a:extLst>
+          </p:cNvPr>
+          <p:cNvSpPr/>
+          <p:nvPr/>
+        </p:nvSpPr>
+        <p:spPr>
+          <a:xfrm>
+            <a:off x="10141543" y="2654706"/>
+            <a:ext cx="1666637" cy="695032"/>
+          </a:xfrm>
+          <a:prstGeom prst="roundRect">
+            <a:avLst/>
+          </a:prstGeom>
+          <a:noFill/>
+          <a:ln w="22225">
+            <a:solidFill>
+              <a:schemeClr val="accent1"/>
+            </a:solidFill>
+            <a:prstDash val="dash"/>
+          </a:ln>
+        </p:spPr>
+        <p:style>
+          <a:lnRef idx="2">
+            <a:schemeClr val="accent1">
+              <a:shade val="15000"/>
+            </a:schemeClr>
+          </a:lnRef>
+          <a:fillRef idx="1">
+            <a:schemeClr val="accent1"/>
+          </a:fillRef>
+          <a:effectRef idx="0">
+            <a:schemeClr val="accent1"/>
+          </a:effectRef>
+          <a:fontRef idx="minor">
+            <a:schemeClr val="lt1"/>
+          </a:fontRef>
+        </p:style>
+        <p:txBody>
+          <a:bodyPr rtlCol="0" anchor="ctr"/>
+          <a:lstStyle/>
+          <a:p>
+            <a:pPr algn="ctr"/>
+            <a:r>
+              <a:rPr lang="en-US" dirty="0">
+                <a:solidFill>
+                  <a:srgbClr val="0070C0"/>
+                </a:solidFill>
+              </a:rPr>
+              <a:t>Ingress</a:t>
+            </a:r>
+          </a:p>
+        </p:txBody>
+      </p:sp>
+      <p:cxnSp>
+        <p:nvCxnSpPr>
+          <p:cNvPr id="43" name="Straight Arrow Connector 42">
+            <a:extLst>
+              <a:ext uri="{FF2B5EF4-FFF2-40B4-BE49-F238E27FC236}">
+                <a16:creationId xmlns:a16="http://schemas.microsoft.com/office/drawing/2014/main" id="{4F9F90C7-9CF8-0B25-8204-0669350132E4}"/>
+              </a:ext>
+            </a:extLst>
+          </p:cNvPr>
+          <p:cNvCxnSpPr>
+            <a:cxnSpLocks/>
+            <a:stCxn id="42" idx="1"/>
+            <a:endCxn id="38" idx="3"/>
+          </p:cNvCxnSpPr>
+          <p:nvPr/>
+        </p:nvCxnSpPr>
+        <p:spPr>
+          <a:xfrm flipH="1">
+            <a:off x="9969553" y="3002221"/>
+            <a:ext cx="171990" cy="0"/>
+          </a:xfrm>
+          <a:prstGeom prst="straightConnector1">
+            <a:avLst/>
+          </a:prstGeom>
+          <a:ln w="22225">
+            <a:solidFill>
+              <a:schemeClr val="accent1"/>
+            </a:solidFill>
+            <a:prstDash val="dash"/>
+            <a:tailEnd type="triangle"/>
+          </a:ln>
+        </p:spPr>
+        <p:style>
+          <a:lnRef idx="1">
+            <a:schemeClr val="dk1"/>
+          </a:lnRef>
+          <a:fillRef idx="0">
+            <a:schemeClr val="dk1"/>
+          </a:fillRef>
+          <a:effectRef idx="0">
+            <a:schemeClr val="dk1"/>
+          </a:effectRef>
+          <a:fontRef idx="minor">
+            <a:schemeClr val="tx1"/>
+          </a:fontRef>
+        </p:style>
+      </p:cxnSp>
+      <p:sp>
+        <p:nvSpPr>
+          <p:cNvPr id="44" name="Rectangle: Rounded Corners 43">
+            <a:extLst>
+              <a:ext uri="{FF2B5EF4-FFF2-40B4-BE49-F238E27FC236}">
+                <a16:creationId xmlns:a16="http://schemas.microsoft.com/office/drawing/2014/main" id="{310F9F9B-F1AA-3790-2DE1-DA43BA9D6C9B}"/>
+              </a:ext>
+            </a:extLst>
+          </p:cNvPr>
+          <p:cNvSpPr/>
+          <p:nvPr/>
+        </p:nvSpPr>
+        <p:spPr>
+          <a:xfrm>
+            <a:off x="10083088" y="95693"/>
+            <a:ext cx="1765637" cy="770925"/>
+          </a:xfrm>
+          <a:prstGeom prst="roundRect">
+            <a:avLst/>
+          </a:prstGeom>
+          <a:noFill/>
+          <a:ln w="22225">
+            <a:solidFill>
+              <a:schemeClr val="accent1"/>
+            </a:solidFill>
+            <a:prstDash val="dash"/>
+          </a:ln>
+        </p:spPr>
+        <p:style>
+          <a:lnRef idx="2">
+            <a:schemeClr val="accent1">
+              <a:shade val="15000"/>
+            </a:schemeClr>
+          </a:lnRef>
+          <a:fillRef idx="1">
+            <a:schemeClr val="accent1"/>
+          </a:fillRef>
+          <a:effectRef idx="0">
+            <a:schemeClr val="accent1"/>
+          </a:effectRef>
+          <a:fontRef idx="minor">
+            <a:schemeClr val="lt1"/>
+          </a:fontRef>
+        </p:style>
+        <p:txBody>
+          <a:bodyPr rtlCol="0" anchor="ctr"/>
+          <a:lstStyle/>
+          <a:p>
+            <a:pPr algn="ctr"/>
+            <a:r>
+              <a:rPr lang="en-US" b="1" dirty="0">
+                <a:solidFill>
+                  <a:srgbClr val="0070C0"/>
+                </a:solidFill>
+              </a:rPr>
+              <a:t>Operator</a:t>
+            </a:r>
+          </a:p>
+          <a:p>
+            <a:pPr algn="ctr"/>
+            <a:r>
+              <a:rPr lang="en-US" dirty="0">
+                <a:solidFill>
+                  <a:srgbClr val="0070C0"/>
+                </a:solidFill>
+              </a:rPr>
+              <a:t>(user)</a:t>
+            </a:r>
+          </a:p>
+        </p:txBody>
+      </p:sp>
+      <p:cxnSp>
+        <p:nvCxnSpPr>
+          <p:cNvPr id="45" name="Straight Arrow Connector 44">
+            <a:extLst>
+              <a:ext uri="{FF2B5EF4-FFF2-40B4-BE49-F238E27FC236}">
+                <a16:creationId xmlns:a16="http://schemas.microsoft.com/office/drawing/2014/main" id="{0F3E2BBB-A2CC-3ABE-F45E-845B43299023}"/>
+              </a:ext>
+            </a:extLst>
+          </p:cNvPr>
+          <p:cNvCxnSpPr>
+            <a:cxnSpLocks/>
+            <a:stCxn id="44" idx="2"/>
+            <a:endCxn id="42" idx="0"/>
+          </p:cNvCxnSpPr>
+          <p:nvPr/>
+        </p:nvCxnSpPr>
+        <p:spPr>
+          <a:xfrm>
+            <a:off x="10965907" y="866618"/>
+            <a:ext cx="8954" cy="1788087"/>
+          </a:xfrm>
+          <a:prstGeom prst="straightConnector1">
+            <a:avLst/>
+          </a:prstGeom>
+          <a:ln w="22225">
+            <a:solidFill>
+              <a:schemeClr val="accent1"/>
+            </a:solidFill>
+            <a:prstDash val="dash"/>
+            <a:tailEnd type="triangle"/>
+          </a:ln>
+        </p:spPr>
+        <p:style>
+          <a:lnRef idx="1">
+            <a:schemeClr val="dk1"/>
+          </a:lnRef>
+          <a:fillRef idx="0">
+            <a:schemeClr val="dk1"/>
+          </a:fillRef>
+          <a:effectRef idx="0">
+            <a:schemeClr val="dk1"/>
+          </a:effectRef>
+          <a:fontRef idx="minor">
+            <a:schemeClr val="tx1"/>
+          </a:fontRef>
+        </p:style>
+      </p:cxnSp>
+      <p:cxnSp>
+        <p:nvCxnSpPr>
+          <p:cNvPr id="46" name="Straight Arrow Connector 45">
+            <a:extLst>
+              <a:ext uri="{FF2B5EF4-FFF2-40B4-BE49-F238E27FC236}">
+                <a16:creationId xmlns:a16="http://schemas.microsoft.com/office/drawing/2014/main" id="{4EDF5DDD-BD91-1602-7090-10DE26940254}"/>
+              </a:ext>
+            </a:extLst>
+          </p:cNvPr>
+          <p:cNvCxnSpPr>
+            <a:cxnSpLocks/>
+            <a:stCxn id="37" idx="2"/>
+            <a:endCxn id="40" idx="0"/>
+          </p:cNvCxnSpPr>
+          <p:nvPr/>
+        </p:nvCxnSpPr>
+        <p:spPr>
+          <a:xfrm>
+            <a:off x="9180319" y="4216512"/>
+            <a:ext cx="0" cy="206042"/>
+          </a:xfrm>
+          <a:prstGeom prst="straightConnector1">
+            <a:avLst/>
+          </a:prstGeom>
+          <a:ln>
+            <a:headEnd type="triangle"/>
+            <a:tailEnd type="triangle"/>
+          </a:ln>
+        </p:spPr>
+        <p:style>
+          <a:lnRef idx="1">
+            <a:schemeClr val="dk1"/>
+          </a:lnRef>
+          <a:fillRef idx="0">
+            <a:schemeClr val="dk1"/>
+          </a:fillRef>
+          <a:effectRef idx="0">
+            <a:schemeClr val="dk1"/>
+          </a:effectRef>
+          <a:fontRef idx="minor">
+            <a:schemeClr val="tx1"/>
+          </a:fontRef>
+        </p:style>
+      </p:cxnSp>
+      <p:sp>
+        <p:nvSpPr>
+          <p:cNvPr id="47" name="Rectangle: Rounded Corners 46">
+            <a:extLst>
+              <a:ext uri="{FF2B5EF4-FFF2-40B4-BE49-F238E27FC236}">
+                <a16:creationId xmlns:a16="http://schemas.microsoft.com/office/drawing/2014/main" id="{1CD4BDA7-D28A-E6A9-1D19-C584A2543401}"/>
+              </a:ext>
+            </a:extLst>
+          </p:cNvPr>
+          <p:cNvSpPr/>
+          <p:nvPr/>
+        </p:nvSpPr>
+        <p:spPr>
+          <a:xfrm>
+            <a:off x="5118573" y="3438882"/>
+            <a:ext cx="2370180" cy="896005"/>
+          </a:xfrm>
+          <a:prstGeom prst="roundRect">
+            <a:avLst/>
+          </a:prstGeom>
+          <a:noFill/>
+          <a:ln>
+            <a:solidFill>
+              <a:schemeClr val="tx1"/>
+            </a:solidFill>
+          </a:ln>
+        </p:spPr>
+        <p:style>
+          <a:lnRef idx="2">
+            <a:schemeClr val="accent1">
+              <a:shade val="15000"/>
+            </a:schemeClr>
+          </a:lnRef>
+          <a:fillRef idx="1">
+            <a:schemeClr val="accent1"/>
+          </a:fillRef>
+          <a:effectRef idx="0">
+            <a:schemeClr val="accent1"/>
+          </a:effectRef>
+          <a:fontRef idx="minor">
+            <a:schemeClr val="lt1"/>
+          </a:fontRef>
+        </p:style>
+        <p:txBody>
+          <a:bodyPr rtlCol="0" anchor="ctr"/>
+          <a:lstStyle/>
+          <a:p>
+            <a:pPr algn="ctr"/>
+            <a:r>
+              <a:rPr lang="en-US" b="1" dirty="0">
+                <a:solidFill>
+                  <a:schemeClr val="tx1"/>
+                </a:solidFill>
+              </a:rPr>
+              <a:t>Edge pod #2</a:t>
+            </a:r>
+            <a:endParaRPr lang="en-US" dirty="0">
+              <a:solidFill>
+                <a:schemeClr val="tx1"/>
+              </a:solidFill>
+            </a:endParaRPr>
+          </a:p>
+          <a:p>
+            <a:pPr algn="ctr"/>
+            <a:r>
+              <a:rPr lang="en-US" dirty="0" err="1">
+                <a:solidFill>
+                  <a:schemeClr val="tx1"/>
+                </a:solidFill>
+              </a:rPr>
+              <a:t>Kserve</a:t>
+            </a:r>
+            <a:endParaRPr lang="en-US" dirty="0">
+              <a:solidFill>
+                <a:schemeClr val="tx1"/>
+              </a:solidFill>
+            </a:endParaRPr>
+          </a:p>
+          <a:p>
+            <a:pPr algn="ctr"/>
+            <a:r>
+              <a:rPr lang="en-US" dirty="0">
+                <a:solidFill>
+                  <a:schemeClr val="tx1"/>
+                </a:solidFill>
+              </a:rPr>
+              <a:t>inference service</a:t>
+            </a:r>
+          </a:p>
+        </p:txBody>
+      </p:sp>
+      <p:sp>
+        <p:nvSpPr>
+          <p:cNvPr id="48" name="Rectangle 47">
+            <a:extLst>
+              <a:ext uri="{FF2B5EF4-FFF2-40B4-BE49-F238E27FC236}">
+                <a16:creationId xmlns:a16="http://schemas.microsoft.com/office/drawing/2014/main" id="{3537946F-6BC5-9B25-9ACC-F8D37DB523DD}"/>
+              </a:ext>
+            </a:extLst>
+          </p:cNvPr>
+          <p:cNvSpPr/>
+          <p:nvPr/>
+        </p:nvSpPr>
+        <p:spPr>
+          <a:xfrm>
+            <a:off x="6358729" y="5488756"/>
+            <a:ext cx="1802641" cy="421950"/>
+          </a:xfrm>
+          <a:prstGeom prst="rect">
+            <a:avLst/>
+          </a:prstGeom>
+          <a:solidFill>
+            <a:schemeClr val="bg1"/>
+          </a:solidFill>
+        </p:spPr>
+        <p:style>
+          <a:lnRef idx="2">
+            <a:schemeClr val="accent1">
+              <a:shade val="15000"/>
+            </a:schemeClr>
+          </a:lnRef>
+          <a:fillRef idx="1">
+            <a:schemeClr val="accent1"/>
+          </a:fillRef>
+          <a:effectRef idx="0">
+            <a:schemeClr val="accent1"/>
+          </a:effectRef>
+          <a:fontRef idx="minor">
+            <a:schemeClr val="lt1"/>
+          </a:fontRef>
+        </p:style>
+        <p:txBody>
+          <a:bodyPr rtlCol="0" anchor="ctr"/>
+          <a:lstStyle/>
+          <a:p>
+            <a:pPr algn="ctr"/>
+            <a:r>
+              <a:rPr lang="en-US" sz="1200" dirty="0">
+                <a:solidFill>
+                  <a:schemeClr val="tx1"/>
+                </a:solidFill>
+              </a:rPr>
+              <a:t>energy, CPU, </a:t>
+            </a:r>
+          </a:p>
+          <a:p>
+            <a:pPr algn="ctr"/>
+            <a:r>
+              <a:rPr lang="en-US" sz="1200" dirty="0">
+                <a:solidFill>
+                  <a:schemeClr val="tx1"/>
+                </a:solidFill>
+              </a:rPr>
+              <a:t>memory usage stats</a:t>
+            </a:r>
+          </a:p>
+        </p:txBody>
+      </p:sp>
+      <p:cxnSp>
+        <p:nvCxnSpPr>
+          <p:cNvPr id="49" name="Connector: Elbow 48">
+            <a:extLst>
+              <a:ext uri="{FF2B5EF4-FFF2-40B4-BE49-F238E27FC236}">
+                <a16:creationId xmlns:a16="http://schemas.microsoft.com/office/drawing/2014/main" id="{79EB28CA-8BEA-D784-FDAC-E53C82D94C4F}"/>
+              </a:ext>
+            </a:extLst>
+          </p:cNvPr>
+          <p:cNvCxnSpPr>
+            <a:cxnSpLocks/>
+            <a:stCxn id="48" idx="1"/>
+            <a:endCxn id="32" idx="2"/>
+          </p:cNvCxnSpPr>
+          <p:nvPr/>
+        </p:nvCxnSpPr>
+        <p:spPr>
+          <a:xfrm rot="10800000">
+            <a:off x="5332525" y="4526791"/>
+            <a:ext cx="1026205" cy="1172940"/>
+          </a:xfrm>
+          <a:prstGeom prst="bentConnector2">
+            <a:avLst/>
+          </a:prstGeom>
+          <a:ln>
+            <a:tailEnd type="triangle"/>
+          </a:ln>
+        </p:spPr>
+        <p:style>
+          <a:lnRef idx="1">
+            <a:schemeClr val="dk1"/>
+          </a:lnRef>
+          <a:fillRef idx="0">
+            <a:schemeClr val="dk1"/>
+          </a:fillRef>
+          <a:effectRef idx="0">
+            <a:schemeClr val="dk1"/>
+          </a:effectRef>
+          <a:fontRef idx="minor">
+            <a:schemeClr val="tx1"/>
+          </a:fontRef>
+        </p:style>
+      </p:cxnSp>
+      <p:cxnSp>
+        <p:nvCxnSpPr>
+          <p:cNvPr id="50" name="Connector: Elbow 49">
+            <a:extLst>
+              <a:ext uri="{FF2B5EF4-FFF2-40B4-BE49-F238E27FC236}">
+                <a16:creationId xmlns:a16="http://schemas.microsoft.com/office/drawing/2014/main" id="{19FBA0E0-61BC-50C0-27DD-732C75CD40AA}"/>
+              </a:ext>
+            </a:extLst>
+          </p:cNvPr>
+          <p:cNvCxnSpPr>
+            <a:cxnSpLocks/>
+            <a:stCxn id="48" idx="3"/>
+            <a:endCxn id="40" idx="2"/>
+          </p:cNvCxnSpPr>
+          <p:nvPr/>
+        </p:nvCxnSpPr>
+        <p:spPr>
+          <a:xfrm flipV="1">
+            <a:off x="8161370" y="5117586"/>
+            <a:ext cx="1018948" cy="582145"/>
+          </a:xfrm>
+          <a:prstGeom prst="bentConnector2">
+            <a:avLst/>
+          </a:prstGeom>
+          <a:ln>
+            <a:solidFill>
+              <a:schemeClr val="tx1"/>
+            </a:solidFill>
+            <a:tailEnd type="triangle"/>
+          </a:ln>
+        </p:spPr>
+        <p:style>
+          <a:lnRef idx="1">
+            <a:schemeClr val="accent1"/>
+          </a:lnRef>
+          <a:fillRef idx="0">
+            <a:schemeClr val="accent1"/>
+          </a:fillRef>
+          <a:effectRef idx="0">
+            <a:schemeClr val="accent1"/>
+          </a:effectRef>
+          <a:fontRef idx="minor">
+            <a:schemeClr val="tx1"/>
+          </a:fontRef>
+        </p:style>
+      </p:cxnSp>
+      <p:sp>
+        <p:nvSpPr>
+          <p:cNvPr id="51" name="Rectangle: Rounded Corners 50">
+            <a:extLst>
+              <a:ext uri="{FF2B5EF4-FFF2-40B4-BE49-F238E27FC236}">
+                <a16:creationId xmlns:a16="http://schemas.microsoft.com/office/drawing/2014/main" id="{EA4718F6-5B1A-1060-C7BD-EB9007427E7B}"/>
+              </a:ext>
+            </a:extLst>
+          </p:cNvPr>
+          <p:cNvSpPr/>
+          <p:nvPr/>
+        </p:nvSpPr>
+        <p:spPr>
+          <a:xfrm>
+            <a:off x="10170387" y="4445811"/>
+            <a:ext cx="1409871" cy="648520"/>
+          </a:xfrm>
+          <a:prstGeom prst="roundRect">
+            <a:avLst/>
+          </a:prstGeom>
+          <a:noFill/>
+          <a:ln>
+            <a:solidFill>
+              <a:schemeClr val="tx1"/>
+            </a:solidFill>
+          </a:ln>
+        </p:spPr>
+        <p:style>
+          <a:lnRef idx="2">
+            <a:schemeClr val="accent1">
+              <a:shade val="15000"/>
+            </a:schemeClr>
+          </a:lnRef>
+          <a:fillRef idx="1">
+            <a:schemeClr val="accent1"/>
+          </a:fillRef>
+          <a:effectRef idx="0">
+            <a:schemeClr val="accent1"/>
+          </a:effectRef>
+          <a:fontRef idx="minor">
+            <a:schemeClr val="lt1"/>
+          </a:fontRef>
+        </p:style>
+        <p:txBody>
+          <a:bodyPr rtlCol="0" anchor="ctr"/>
+          <a:lstStyle/>
+          <a:p>
+            <a:pPr algn="ctr"/>
+            <a:r>
+              <a:rPr lang="en-US" dirty="0" err="1">
+                <a:solidFill>
+                  <a:schemeClr val="tx1"/>
+                </a:solidFill>
+              </a:rPr>
+              <a:t>Kserve</a:t>
+            </a:r>
+            <a:endParaRPr lang="en-US" dirty="0">
+              <a:solidFill>
+                <a:schemeClr val="tx1"/>
+              </a:solidFill>
+            </a:endParaRPr>
+          </a:p>
+        </p:txBody>
+      </p:sp>
+      <p:sp>
+        <p:nvSpPr>
+          <p:cNvPr id="52" name="Rectangle 51">
+            <a:extLst>
+              <a:ext uri="{FF2B5EF4-FFF2-40B4-BE49-F238E27FC236}">
+                <a16:creationId xmlns:a16="http://schemas.microsoft.com/office/drawing/2014/main" id="{63A41619-C370-76CE-C29F-04DFA8F8E82D}"/>
+              </a:ext>
+            </a:extLst>
+          </p:cNvPr>
+          <p:cNvSpPr/>
+          <p:nvPr/>
+        </p:nvSpPr>
+        <p:spPr>
+          <a:xfrm>
+            <a:off x="7392160" y="6251554"/>
+            <a:ext cx="2661896" cy="254756"/>
+          </a:xfrm>
+          <a:prstGeom prst="rect">
+            <a:avLst/>
+          </a:prstGeom>
+          <a:solidFill>
+            <a:schemeClr val="bg1"/>
+          </a:solidFill>
+        </p:spPr>
+        <p:style>
+          <a:lnRef idx="2">
+            <a:schemeClr val="accent1">
+              <a:shade val="15000"/>
+            </a:schemeClr>
+          </a:lnRef>
+          <a:fillRef idx="1">
+            <a:schemeClr val="accent1"/>
+          </a:fillRef>
+          <a:effectRef idx="0">
+            <a:schemeClr val="accent1"/>
+          </a:effectRef>
+          <a:fontRef idx="minor">
+            <a:schemeClr val="lt1"/>
+          </a:fontRef>
+        </p:style>
+        <p:txBody>
+          <a:bodyPr rtlCol="0" anchor="ctr"/>
+          <a:lstStyle/>
+          <a:p>
+            <a:pPr algn="ctr"/>
+            <a:r>
+              <a:rPr lang="en-US" sz="1200" dirty="0">
+                <a:solidFill>
+                  <a:schemeClr val="tx1"/>
+                </a:solidFill>
+              </a:rPr>
+              <a:t>model serving</a:t>
+            </a:r>
+          </a:p>
+        </p:txBody>
+      </p:sp>
+      <p:cxnSp>
+        <p:nvCxnSpPr>
+          <p:cNvPr id="53" name="Connector: Elbow 52">
+            <a:extLst>
+              <a:ext uri="{FF2B5EF4-FFF2-40B4-BE49-F238E27FC236}">
+                <a16:creationId xmlns:a16="http://schemas.microsoft.com/office/drawing/2014/main" id="{CD64427B-4D77-700E-DD59-782EC5085959}"/>
+              </a:ext>
+            </a:extLst>
+          </p:cNvPr>
+          <p:cNvCxnSpPr>
+            <a:cxnSpLocks/>
+            <a:stCxn id="52" idx="1"/>
+            <a:endCxn id="47" idx="2"/>
+          </p:cNvCxnSpPr>
+          <p:nvPr/>
+        </p:nvCxnSpPr>
+        <p:spPr>
+          <a:xfrm rot="10800000">
+            <a:off x="6303663" y="4334886"/>
+            <a:ext cx="1088499" cy="2044045"/>
+          </a:xfrm>
+          <a:prstGeom prst="bentConnector2">
+            <a:avLst/>
+          </a:prstGeom>
+          <a:ln>
+            <a:tailEnd type="triangle"/>
+          </a:ln>
+        </p:spPr>
+        <p:style>
+          <a:lnRef idx="1">
+            <a:schemeClr val="dk1"/>
+          </a:lnRef>
+          <a:fillRef idx="0">
+            <a:schemeClr val="dk1"/>
+          </a:fillRef>
+          <a:effectRef idx="0">
+            <a:schemeClr val="dk1"/>
+          </a:effectRef>
+          <a:fontRef idx="minor">
+            <a:schemeClr val="tx1"/>
+          </a:fontRef>
+        </p:style>
+      </p:cxnSp>
+      <p:cxnSp>
+        <p:nvCxnSpPr>
+          <p:cNvPr id="54" name="Connector: Elbow 53">
+            <a:extLst>
+              <a:ext uri="{FF2B5EF4-FFF2-40B4-BE49-F238E27FC236}">
+                <a16:creationId xmlns:a16="http://schemas.microsoft.com/office/drawing/2014/main" id="{0C626F97-8B21-244E-948D-375959796285}"/>
+              </a:ext>
+            </a:extLst>
+          </p:cNvPr>
+          <p:cNvCxnSpPr>
+            <a:cxnSpLocks/>
+            <a:stCxn id="51" idx="2"/>
+            <a:endCxn id="52" idx="3"/>
+          </p:cNvCxnSpPr>
+          <p:nvPr/>
+        </p:nvCxnSpPr>
+        <p:spPr>
+          <a:xfrm rot="5400000">
+            <a:off x="9822389" y="5325996"/>
+            <a:ext cx="1284602" cy="821269"/>
+          </a:xfrm>
+          <a:prstGeom prst="bentConnector2">
+            <a:avLst/>
+          </a:prstGeom>
+          <a:ln>
+            <a:tailEnd type="triangle"/>
+          </a:ln>
+        </p:spPr>
+        <p:style>
+          <a:lnRef idx="1">
+            <a:schemeClr val="dk1"/>
+          </a:lnRef>
+          <a:fillRef idx="0">
+            <a:schemeClr val="dk1"/>
+          </a:fillRef>
+          <a:effectRef idx="0">
+            <a:schemeClr val="dk1"/>
+          </a:effectRef>
+          <a:fontRef idx="minor">
+            <a:schemeClr val="tx1"/>
+          </a:fontRef>
+        </p:style>
+      </p:cxnSp>
+      <p:cxnSp>
+        <p:nvCxnSpPr>
+          <p:cNvPr id="55" name="Straight Arrow Connector 54">
+            <a:extLst>
+              <a:ext uri="{FF2B5EF4-FFF2-40B4-BE49-F238E27FC236}">
+                <a16:creationId xmlns:a16="http://schemas.microsoft.com/office/drawing/2014/main" id="{8976A6E6-2CC1-4563-DA75-369EC8606D9F}"/>
+              </a:ext>
+            </a:extLst>
+          </p:cNvPr>
+          <p:cNvCxnSpPr>
+            <a:cxnSpLocks/>
+            <a:stCxn id="47" idx="3"/>
+            <a:endCxn id="37" idx="1"/>
+          </p:cNvCxnSpPr>
+          <p:nvPr/>
+        </p:nvCxnSpPr>
+        <p:spPr>
+          <a:xfrm flipV="1">
+            <a:off x="7488751" y="3868996"/>
+            <a:ext cx="858248" cy="17888"/>
+          </a:xfrm>
+          <a:prstGeom prst="straightConnector1">
+            <a:avLst/>
+          </a:prstGeom>
+          <a:ln>
+            <a:headEnd type="triangle"/>
+            <a:tailEnd type="triangle"/>
+          </a:ln>
+        </p:spPr>
+        <p:style>
+          <a:lnRef idx="1">
+            <a:schemeClr val="dk1"/>
+          </a:lnRef>
+          <a:fillRef idx="0">
+            <a:schemeClr val="dk1"/>
+          </a:fillRef>
+          <a:effectRef idx="0">
+            <a:schemeClr val="dk1"/>
+          </a:effectRef>
+          <a:fontRef idx="minor">
+            <a:schemeClr val="tx1"/>
+          </a:fontRef>
+        </p:style>
+      </p:cxnSp>
+      <p:sp>
+        <p:nvSpPr>
+          <p:cNvPr id="56" name="Rectangle: Rounded Corners 55">
+            <a:extLst>
+              <a:ext uri="{FF2B5EF4-FFF2-40B4-BE49-F238E27FC236}">
+                <a16:creationId xmlns:a16="http://schemas.microsoft.com/office/drawing/2014/main" id="{A1B597F8-E0CB-243B-6F0F-E2B3CDBDC053}"/>
+              </a:ext>
+            </a:extLst>
+          </p:cNvPr>
+          <p:cNvSpPr/>
+          <p:nvPr/>
+        </p:nvSpPr>
+        <p:spPr>
+          <a:xfrm>
+            <a:off x="3036398" y="4664369"/>
+            <a:ext cx="1790459" cy="557688"/>
+          </a:xfrm>
+          <a:prstGeom prst="roundRect">
+            <a:avLst/>
+          </a:prstGeom>
+          <a:noFill/>
+        </p:spPr>
+        <p:style>
+          <a:lnRef idx="2">
+            <a:schemeClr val="accent1">
+              <a:shade val="15000"/>
+            </a:schemeClr>
+          </a:lnRef>
+          <a:fillRef idx="1">
+            <a:schemeClr val="accent1"/>
+          </a:fillRef>
+          <a:effectRef idx="0">
+            <a:schemeClr val="accent1"/>
+          </a:effectRef>
+          <a:fontRef idx="minor">
+            <a:schemeClr val="lt1"/>
+          </a:fontRef>
+        </p:style>
+        <p:txBody>
+          <a:bodyPr rtlCol="0" anchor="t"/>
+          <a:lstStyle/>
+          <a:p>
+            <a:r>
+              <a:rPr lang="en-US" b="1" dirty="0">
+                <a:solidFill>
+                  <a:schemeClr val="tx1"/>
+                </a:solidFill>
+              </a:rPr>
+              <a:t>Edge node #2</a:t>
+            </a:r>
+          </a:p>
+        </p:txBody>
+      </p:sp>
+      <p:sp>
+        <p:nvSpPr>
+          <p:cNvPr id="57" name="Rectangle: Rounded Corners 56">
+            <a:extLst>
+              <a:ext uri="{FF2B5EF4-FFF2-40B4-BE49-F238E27FC236}">
+                <a16:creationId xmlns:a16="http://schemas.microsoft.com/office/drawing/2014/main" id="{B0F33F22-462D-44C6-9D00-B6A3113015D2}"/>
+              </a:ext>
+            </a:extLst>
+          </p:cNvPr>
+          <p:cNvSpPr/>
+          <p:nvPr/>
+        </p:nvSpPr>
+        <p:spPr>
+          <a:xfrm>
+            <a:off x="3036398" y="5384775"/>
+            <a:ext cx="1790459" cy="557688"/>
+          </a:xfrm>
+          <a:prstGeom prst="roundRect">
+            <a:avLst/>
+          </a:prstGeom>
+          <a:noFill/>
+        </p:spPr>
+        <p:style>
+          <a:lnRef idx="2">
+            <a:schemeClr val="accent1">
+              <a:shade val="15000"/>
+            </a:schemeClr>
+          </a:lnRef>
+          <a:fillRef idx="1">
+            <a:schemeClr val="accent1"/>
+          </a:fillRef>
+          <a:effectRef idx="0">
+            <a:schemeClr val="accent1"/>
+          </a:effectRef>
+          <a:fontRef idx="minor">
+            <a:schemeClr val="lt1"/>
+          </a:fontRef>
+        </p:style>
+        <p:txBody>
+          <a:bodyPr rtlCol="0" anchor="t"/>
+          <a:lstStyle/>
+          <a:p>
+            <a:r>
+              <a:rPr lang="en-US" b="1" dirty="0">
+                <a:solidFill>
+                  <a:schemeClr val="tx1"/>
+                </a:solidFill>
+              </a:rPr>
+              <a:t>Edge node #3</a:t>
+            </a:r>
+          </a:p>
+        </p:txBody>
+      </p:sp>
+    </p:spTree>
+    <p:extLst>
+      <p:ext uri="{BB962C8B-B14F-4D97-AF65-F5344CB8AC3E}">
+        <p14:creationId xmlns:p14="http://schemas.microsoft.com/office/powerpoint/2010/main" val="2070527431"/>
+      </p:ext>
+    </p:extLst>
+  </p:cSld>
+  <p:clrMapOvr>
+    <a:masterClrMapping/>
+  </p:clrMapOvr>
+</p:sld>
+</file>
+
+<file path=ppt/slides/slide4.xml><?xml version="1.0" encoding="utf-8"?>
+<p:sld xmlns:a="http://schemas.openxmlformats.org/drawingml/2006/main" xmlns:r="http://schemas.openxmlformats.org/officeDocument/2006/relationships" xmlns:p="http://schemas.openxmlformats.org/presentationml/2006/main">
+  <p:cSld>
+    <p:spTree>
+      <p:nvGrpSpPr>
+        <p:cNvPr id="1" name="">
+          <a:extLst>
+            <a:ext uri="{FF2B5EF4-FFF2-40B4-BE49-F238E27FC236}">
+              <a16:creationId xmlns:a16="http://schemas.microsoft.com/office/drawing/2014/main" id="{EDA08694-A5C1-4AC7-95CD-90F60E6E1837}"/>
+            </a:ext>
+          </a:extLst>
+        </p:cNvPr>
+        <p:cNvGrpSpPr/>
+        <p:nvPr/>
+      </p:nvGrpSpPr>
+      <p:grpSpPr>
+        <a:xfrm>
+          <a:off x="0" y="0"/>
+          <a:ext cx="0" cy="0"/>
+          <a:chOff x="0" y="0"/>
+          <a:chExt cx="0" cy="0"/>
+        </a:xfrm>
+      </p:grpSpPr>
+      <p:sp>
+        <p:nvSpPr>
+          <p:cNvPr id="6" name="TextBox 5">
+            <a:extLst>
+              <a:ext uri="{FF2B5EF4-FFF2-40B4-BE49-F238E27FC236}">
+                <a16:creationId xmlns:a16="http://schemas.microsoft.com/office/drawing/2014/main" id="{0C901C54-48BD-E425-8C03-FA2A5358F1AB}"/>
+              </a:ext>
+            </a:extLst>
+          </p:cNvPr>
+          <p:cNvSpPr txBox="1"/>
+          <p:nvPr/>
+        </p:nvSpPr>
+        <p:spPr>
+          <a:xfrm>
+            <a:off x="-1" y="16735"/>
+            <a:ext cx="7155947" cy="2400657"/>
+          </a:xfrm>
+          <a:prstGeom prst="rect">
+            <a:avLst/>
+          </a:prstGeom>
+          <a:noFill/>
+        </p:spPr>
+        <p:txBody>
+          <a:bodyPr wrap="square">
+            <a:spAutoFit/>
+          </a:bodyPr>
+          <a:lstStyle/>
+          <a:p>
+            <a:r>
+              <a:rPr lang="en-US" b="1" dirty="0"/>
+              <a:t>R&amp;D – Testbed (SUPERCOM/Cloud)</a:t>
+            </a:r>
+          </a:p>
+          <a:p>
+            <a:r>
+              <a:rPr lang="en-US" sz="1200" b="1" dirty="0"/>
+              <a:t>steps:</a:t>
+            </a:r>
+          </a:p>
+          <a:p>
+            <a:pPr marL="228600" indent="-228600">
+              <a:buFont typeface="+mj-lt"/>
+              <a:buAutoNum type="arabicPeriod"/>
+            </a:pPr>
+            <a:r>
+              <a:rPr lang="en-US" sz="1200" b="1" dirty="0"/>
+              <a:t>setup full testbed</a:t>
+            </a:r>
+          </a:p>
+          <a:p>
+            <a:pPr marL="228600" indent="-228600">
+              <a:buFont typeface="+mj-lt"/>
+              <a:buAutoNum type="arabicPeriod"/>
+            </a:pPr>
+            <a:r>
+              <a:rPr lang="en-US" sz="1200" b="1" dirty="0"/>
+              <a:t>use </a:t>
+            </a:r>
+            <a:r>
+              <a:rPr lang="en-US" sz="1200" b="1" dirty="0" err="1"/>
+              <a:t>RaspberryPis</a:t>
+            </a:r>
+            <a:r>
+              <a:rPr lang="en-US" sz="1200" b="1" dirty="0"/>
+              <a:t> to emulate edge nodes</a:t>
+            </a:r>
+          </a:p>
+          <a:p>
+            <a:pPr marL="228600" indent="-228600">
+              <a:buFont typeface="+mj-lt"/>
+              <a:buAutoNum type="arabicPeriod"/>
+            </a:pPr>
+            <a:r>
+              <a:rPr lang="en-US" sz="1200" b="1" dirty="0"/>
+              <a:t>send gathered data using python script and target specific edge nodes (emulation of vehicle moving between base stations)</a:t>
+            </a:r>
+          </a:p>
+          <a:p>
+            <a:pPr marL="228600" indent="-228600">
+              <a:buFont typeface="+mj-lt"/>
+              <a:buAutoNum type="arabicPeriod"/>
+            </a:pPr>
+            <a:r>
+              <a:rPr lang="en-US" sz="1200" b="1" dirty="0"/>
+              <a:t>test centralized vs edge computation vs federated learning</a:t>
+            </a:r>
+          </a:p>
+          <a:p>
+            <a:pPr marL="228600" indent="-228600">
+              <a:buFont typeface="+mj-lt"/>
+              <a:buAutoNum type="arabicPeriod"/>
+            </a:pPr>
+            <a:r>
+              <a:rPr lang="en-US" sz="1200" b="1" dirty="0"/>
+              <a:t>query and save Kepler stats (CPU,RAM usage + CO2 estimation) from Prometheus</a:t>
+            </a:r>
+          </a:p>
+          <a:p>
+            <a:pPr marL="228600" indent="-228600">
+              <a:buFont typeface="+mj-lt"/>
+              <a:buAutoNum type="arabicPeriod"/>
+            </a:pPr>
+            <a:r>
+              <a:rPr lang="en-US" sz="1200" b="1" dirty="0"/>
+              <a:t>query and save measurements and predictions from Prometheus</a:t>
+            </a:r>
+          </a:p>
+          <a:p>
+            <a:pPr marL="228600" indent="-228600">
+              <a:buFont typeface="+mj-lt"/>
+              <a:buAutoNum type="arabicPeriod"/>
+            </a:pPr>
+            <a:r>
+              <a:rPr lang="en-US" sz="1200" b="1" dirty="0"/>
+              <a:t>make screenshots: Grafana, Testbed environment</a:t>
+            </a:r>
+          </a:p>
+          <a:p>
+            <a:pPr marL="228600" indent="-228600">
+              <a:buFont typeface="+mj-lt"/>
+              <a:buAutoNum type="arabicPeriod"/>
+            </a:pPr>
+            <a:r>
+              <a:rPr lang="en-US" sz="1200" b="1" dirty="0"/>
+              <a:t>make pictures of used HW (</a:t>
+            </a:r>
+            <a:r>
+              <a:rPr lang="en-US" sz="1200" b="1" dirty="0" err="1"/>
+              <a:t>RaspberyPis</a:t>
+            </a:r>
+            <a:r>
+              <a:rPr lang="en-US" sz="1200" b="1" dirty="0"/>
+              <a:t>, workstation, SUPERCOM servers rack?)</a:t>
+            </a:r>
+          </a:p>
+          <a:p>
+            <a:endParaRPr lang="en-US" sz="1200" b="1" dirty="0"/>
+          </a:p>
+        </p:txBody>
+      </p:sp>
+      <p:grpSp>
+        <p:nvGrpSpPr>
+          <p:cNvPr id="11" name="Group 10">
+            <a:extLst>
+              <a:ext uri="{FF2B5EF4-FFF2-40B4-BE49-F238E27FC236}">
+                <a16:creationId xmlns:a16="http://schemas.microsoft.com/office/drawing/2014/main" id="{65623107-F3ED-0851-0DEC-9B04048D27E3}"/>
+              </a:ext>
+            </a:extLst>
+          </p:cNvPr>
+          <p:cNvGrpSpPr/>
+          <p:nvPr/>
+        </p:nvGrpSpPr>
+        <p:grpSpPr>
+          <a:xfrm>
+            <a:off x="43543" y="2243470"/>
+            <a:ext cx="9663984" cy="4489024"/>
+            <a:chOff x="43542" y="194058"/>
+            <a:chExt cx="12030075" cy="6538436"/>
+          </a:xfrm>
+        </p:grpSpPr>
+        <p:sp>
+          <p:nvSpPr>
+            <p:cNvPr id="4" name="Rectangle: Rounded Corners 3">
+              <a:extLst>
+                <a:ext uri="{FF2B5EF4-FFF2-40B4-BE49-F238E27FC236}">
+                  <a16:creationId xmlns:a16="http://schemas.microsoft.com/office/drawing/2014/main" id="{2A75015F-1D58-F894-6F69-20EDFFC581A7}"/>
+                </a:ext>
+              </a:extLst>
+            </p:cNvPr>
+            <p:cNvSpPr/>
+            <p:nvPr/>
+          </p:nvSpPr>
+          <p:spPr>
+            <a:xfrm>
+              <a:off x="43542" y="2988870"/>
+              <a:ext cx="2320505" cy="1528190"/>
+            </a:xfrm>
+            <a:prstGeom prst="roundRect">
+              <a:avLst/>
+            </a:prstGeom>
+            <a:noFill/>
+          </p:spPr>
+          <p:style>
+            <a:lnRef idx="2">
+              <a:schemeClr val="accent1">
+                <a:shade val="15000"/>
+              </a:schemeClr>
+            </a:lnRef>
+            <a:fillRef idx="1">
+              <a:schemeClr val="accent1"/>
+            </a:fillRef>
+            <a:effectRef idx="0">
+              <a:schemeClr val="accent1"/>
+            </a:effectRef>
+            <a:fontRef idx="minor">
+              <a:schemeClr val="lt1"/>
+            </a:fontRef>
+          </p:style>
+          <p:txBody>
+            <a:bodyPr rtlCol="0" anchor="t"/>
+            <a:lstStyle/>
+            <a:p>
+              <a:r>
+                <a:rPr lang="en-US" sz="1000" b="1" dirty="0">
+                  <a:solidFill>
+                    <a:schemeClr val="tx1"/>
+                  </a:solidFill>
+                </a:rPr>
+                <a:t>laptop</a:t>
+              </a:r>
+            </a:p>
+          </p:txBody>
+        </p:sp>
+        <p:sp>
+          <p:nvSpPr>
+            <p:cNvPr id="5" name="Rectangle: Rounded Corners 4">
+              <a:extLst>
+                <a:ext uri="{FF2B5EF4-FFF2-40B4-BE49-F238E27FC236}">
+                  <a16:creationId xmlns:a16="http://schemas.microsoft.com/office/drawing/2014/main" id="{1F7A99E5-9067-C176-0682-2609C35AAC80}"/>
+                </a:ext>
+              </a:extLst>
+            </p:cNvPr>
+            <p:cNvSpPr/>
+            <p:nvPr/>
+          </p:nvSpPr>
+          <p:spPr>
+            <a:xfrm>
+              <a:off x="2602306" y="3039672"/>
+              <a:ext cx="4077930" cy="1528190"/>
+            </a:xfrm>
+            <a:prstGeom prst="roundRect">
+              <a:avLst/>
+            </a:prstGeom>
+            <a:noFill/>
+          </p:spPr>
+          <p:style>
+            <a:lnRef idx="2">
+              <a:schemeClr val="accent1">
+                <a:shade val="15000"/>
+              </a:schemeClr>
+            </a:lnRef>
+            <a:fillRef idx="1">
+              <a:schemeClr val="accent1"/>
+            </a:fillRef>
+            <a:effectRef idx="0">
+              <a:schemeClr val="accent1"/>
+            </a:effectRef>
+            <a:fontRef idx="minor">
+              <a:schemeClr val="lt1"/>
+            </a:fontRef>
+          </p:style>
+          <p:txBody>
+            <a:bodyPr rtlCol="0" anchor="t"/>
+            <a:lstStyle/>
+            <a:p>
+              <a:r>
+                <a:rPr lang="en-US" sz="1000" b="1" dirty="0">
+                  <a:solidFill>
+                    <a:schemeClr val="tx1"/>
+                  </a:solidFill>
+                </a:rPr>
+                <a:t>Edge node #1 (</a:t>
+              </a:r>
+              <a:r>
+                <a:rPr lang="en-US" sz="1000" b="1" dirty="0" err="1">
+                  <a:solidFill>
+                    <a:schemeClr val="tx1"/>
+                  </a:solidFill>
+                </a:rPr>
+                <a:t>RaspberryPi</a:t>
+              </a:r>
+              <a:r>
+                <a:rPr lang="en-US" sz="1000" b="1" dirty="0">
+                  <a:solidFill>
+                    <a:schemeClr val="tx1"/>
+                  </a:solidFill>
+                </a:rPr>
+                <a:t>)</a:t>
+              </a:r>
+            </a:p>
+          </p:txBody>
+        </p:sp>
+        <p:sp>
+          <p:nvSpPr>
+            <p:cNvPr id="7" name="Rectangle: Rounded Corners 6">
+              <a:extLst>
+                <a:ext uri="{FF2B5EF4-FFF2-40B4-BE49-F238E27FC236}">
+                  <a16:creationId xmlns:a16="http://schemas.microsoft.com/office/drawing/2014/main" id="{0AB92AFC-14BF-2686-A74F-2B55C7A73755}"/>
+                </a:ext>
+              </a:extLst>
+            </p:cNvPr>
+            <p:cNvSpPr/>
+            <p:nvPr/>
+          </p:nvSpPr>
+          <p:spPr>
+            <a:xfrm>
+              <a:off x="2765323" y="3452301"/>
+              <a:ext cx="1433788" cy="926139"/>
+            </a:xfrm>
+            <a:prstGeom prst="roundRect">
+              <a:avLst/>
+            </a:prstGeom>
+            <a:noFill/>
+          </p:spPr>
+          <p:style>
+            <a:lnRef idx="2">
+              <a:schemeClr val="accent1">
+                <a:shade val="15000"/>
+              </a:schemeClr>
+            </a:lnRef>
+            <a:fillRef idx="1">
+              <a:schemeClr val="accent1"/>
+            </a:fillRef>
+            <a:effectRef idx="0">
+              <a:schemeClr val="accent1"/>
+            </a:effectRef>
+            <a:fontRef idx="minor">
+              <a:schemeClr val="lt1"/>
+            </a:fontRef>
+          </p:style>
+          <p:txBody>
+            <a:bodyPr rtlCol="0" anchor="ctr"/>
+            <a:lstStyle/>
+            <a:p>
+              <a:pPr algn="ctr"/>
+              <a:r>
+                <a:rPr lang="en-US" sz="1000" b="1" dirty="0">
+                  <a:solidFill>
+                    <a:schemeClr val="tx1"/>
+                  </a:solidFill>
+                </a:rPr>
+                <a:t>Edge pod #1</a:t>
+              </a:r>
+              <a:endParaRPr lang="en-US" sz="1000" dirty="0">
+                <a:solidFill>
+                  <a:schemeClr val="tx1"/>
+                </a:solidFill>
+              </a:endParaRPr>
+            </a:p>
+            <a:p>
+              <a:pPr algn="ctr"/>
+              <a:r>
+                <a:rPr lang="en-US" sz="1000" dirty="0">
+                  <a:solidFill>
+                    <a:schemeClr val="tx1"/>
+                  </a:solidFill>
+                </a:rPr>
+                <a:t>Redis Database</a:t>
+              </a:r>
+            </a:p>
+          </p:txBody>
+        </p:sp>
+        <p:sp>
+          <p:nvSpPr>
+            <p:cNvPr id="13" name="Rectangle: Rounded Corners 12">
+              <a:extLst>
+                <a:ext uri="{FF2B5EF4-FFF2-40B4-BE49-F238E27FC236}">
+                  <a16:creationId xmlns:a16="http://schemas.microsoft.com/office/drawing/2014/main" id="{6412DA4F-B667-4C2B-3A44-BE8953288974}"/>
+                </a:ext>
+              </a:extLst>
+            </p:cNvPr>
+            <p:cNvSpPr/>
+            <p:nvPr/>
+          </p:nvSpPr>
+          <p:spPr>
+            <a:xfrm>
+              <a:off x="109597" y="3401499"/>
+              <a:ext cx="2176813" cy="1055176"/>
+            </a:xfrm>
+            <a:prstGeom prst="roundRect">
+              <a:avLst/>
+            </a:prstGeom>
+            <a:noFill/>
+          </p:spPr>
+          <p:style>
+            <a:lnRef idx="2">
+              <a:schemeClr val="accent1">
+                <a:shade val="15000"/>
+              </a:schemeClr>
+            </a:lnRef>
+            <a:fillRef idx="1">
+              <a:schemeClr val="accent1"/>
+            </a:fillRef>
+            <a:effectRef idx="0">
+              <a:schemeClr val="accent1"/>
+            </a:effectRef>
+            <a:fontRef idx="minor">
+              <a:schemeClr val="lt1"/>
+            </a:fontRef>
+          </p:style>
+          <p:txBody>
+            <a:bodyPr rtlCol="0" anchor="ctr"/>
+            <a:lstStyle/>
+            <a:p>
+              <a:pPr algn="ctr"/>
+              <a:r>
+                <a:rPr lang="en-US" sz="1000" dirty="0">
+                  <a:solidFill>
+                    <a:schemeClr val="tx1"/>
+                  </a:solidFill>
+                </a:rPr>
+                <a:t>Python script</a:t>
+              </a:r>
+            </a:p>
+          </p:txBody>
+        </p:sp>
+        <p:cxnSp>
+          <p:nvCxnSpPr>
+            <p:cNvPr id="15" name="Straight Arrow Connector 14">
+              <a:extLst>
+                <a:ext uri="{FF2B5EF4-FFF2-40B4-BE49-F238E27FC236}">
+                  <a16:creationId xmlns:a16="http://schemas.microsoft.com/office/drawing/2014/main" id="{78ED417A-1244-88EE-14E4-C0AE1F40CD09}"/>
+                </a:ext>
+              </a:extLst>
+            </p:cNvPr>
+            <p:cNvCxnSpPr>
+              <a:cxnSpLocks/>
+              <a:stCxn id="13" idx="3"/>
+              <a:endCxn id="7" idx="1"/>
+            </p:cNvCxnSpPr>
+            <p:nvPr/>
+          </p:nvCxnSpPr>
+          <p:spPr>
+            <a:xfrm flipV="1">
+              <a:off x="2286410" y="3915371"/>
+              <a:ext cx="478913" cy="13716"/>
+            </a:xfrm>
+            <a:prstGeom prst="straightConnector1">
+              <a:avLst/>
+            </a:prstGeom>
+            <a:ln>
+              <a:tailEnd type="triangle"/>
+            </a:ln>
+          </p:spPr>
+          <p:style>
+            <a:lnRef idx="1">
+              <a:schemeClr val="dk1"/>
+            </a:lnRef>
+            <a:fillRef idx="0">
+              <a:schemeClr val="dk1"/>
+            </a:fillRef>
+            <a:effectRef idx="0">
+              <a:schemeClr val="dk1"/>
+            </a:effectRef>
+            <a:fontRef idx="minor">
+              <a:schemeClr val="tx1"/>
+            </a:fontRef>
+          </p:style>
+        </p:cxnSp>
+        <p:sp>
+          <p:nvSpPr>
+            <p:cNvPr id="27" name="Rectangle: Rounded Corners 26">
+              <a:extLst>
+                <a:ext uri="{FF2B5EF4-FFF2-40B4-BE49-F238E27FC236}">
+                  <a16:creationId xmlns:a16="http://schemas.microsoft.com/office/drawing/2014/main" id="{0456B13F-CAD0-7AC4-5A6B-976EDE54A4AD}"/>
+                </a:ext>
+              </a:extLst>
+            </p:cNvPr>
+            <p:cNvSpPr/>
+            <p:nvPr/>
+          </p:nvSpPr>
+          <p:spPr>
+            <a:xfrm>
+              <a:off x="2524668" y="1801906"/>
+              <a:ext cx="9548949" cy="4930588"/>
+            </a:xfrm>
+            <a:prstGeom prst="roundRect">
+              <a:avLst/>
+            </a:prstGeom>
+            <a:noFill/>
+          </p:spPr>
+          <p:style>
+            <a:lnRef idx="2">
+              <a:schemeClr val="accent1">
+                <a:shade val="15000"/>
+              </a:schemeClr>
+            </a:lnRef>
+            <a:fillRef idx="1">
+              <a:schemeClr val="accent1"/>
+            </a:fillRef>
+            <a:effectRef idx="0">
+              <a:schemeClr val="accent1"/>
+            </a:effectRef>
+            <a:fontRef idx="minor">
+              <a:schemeClr val="lt1"/>
+            </a:fontRef>
+          </p:style>
+          <p:txBody>
+            <a:bodyPr rtlCol="0" anchor="t"/>
+            <a:lstStyle/>
+            <a:p>
+              <a:r>
+                <a:rPr lang="en-US" sz="1000" b="1" dirty="0">
+                  <a:solidFill>
+                    <a:schemeClr val="tx1"/>
+                  </a:solidFill>
+                </a:rPr>
+                <a:t>Kubernetes</a:t>
+              </a:r>
+            </a:p>
+          </p:txBody>
+        </p:sp>
+        <p:sp>
+          <p:nvSpPr>
+            <p:cNvPr id="28" name="Rectangle: Rounded Corners 27">
+              <a:extLst>
+                <a:ext uri="{FF2B5EF4-FFF2-40B4-BE49-F238E27FC236}">
+                  <a16:creationId xmlns:a16="http://schemas.microsoft.com/office/drawing/2014/main" id="{01B066D7-293F-22DC-5C1A-EEC562FDE499}"/>
+                </a:ext>
+              </a:extLst>
+            </p:cNvPr>
+            <p:cNvSpPr/>
+            <p:nvPr/>
+          </p:nvSpPr>
+          <p:spPr>
+            <a:xfrm>
+              <a:off x="7277158" y="3575551"/>
+              <a:ext cx="1457323" cy="686045"/>
+            </a:xfrm>
+            <a:prstGeom prst="roundRect">
+              <a:avLst/>
+            </a:prstGeom>
+            <a:noFill/>
+          </p:spPr>
+          <p:style>
+            <a:lnRef idx="2">
+              <a:schemeClr val="accent1">
+                <a:shade val="15000"/>
+              </a:schemeClr>
+            </a:lnRef>
+            <a:fillRef idx="1">
+              <a:schemeClr val="accent1"/>
+            </a:fillRef>
+            <a:effectRef idx="0">
+              <a:schemeClr val="accent1"/>
+            </a:effectRef>
+            <a:fontRef idx="minor">
+              <a:schemeClr val="lt1"/>
+            </a:fontRef>
+          </p:style>
+          <p:txBody>
+            <a:bodyPr rtlCol="0" anchor="ctr"/>
+            <a:lstStyle/>
+            <a:p>
+              <a:pPr algn="ctr"/>
+              <a:r>
+                <a:rPr lang="en-US" sz="1000" dirty="0">
+                  <a:solidFill>
+                    <a:schemeClr val="tx1"/>
+                  </a:solidFill>
+                </a:rPr>
+                <a:t>Prometheus</a:t>
+              </a:r>
+            </a:p>
+          </p:txBody>
+        </p:sp>
+        <p:sp>
+          <p:nvSpPr>
+            <p:cNvPr id="30" name="Rectangle: Rounded Corners 29">
+              <a:extLst>
+                <a:ext uri="{FF2B5EF4-FFF2-40B4-BE49-F238E27FC236}">
+                  <a16:creationId xmlns:a16="http://schemas.microsoft.com/office/drawing/2014/main" id="{611E5A6F-3DA3-39FF-E941-8717B5EF50E3}"/>
+                </a:ext>
+              </a:extLst>
+            </p:cNvPr>
+            <p:cNvSpPr/>
+            <p:nvPr/>
+          </p:nvSpPr>
+          <p:spPr>
+            <a:xfrm>
+              <a:off x="7327420" y="2719983"/>
+              <a:ext cx="1368515" cy="686045"/>
+            </a:xfrm>
+            <a:prstGeom prst="roundRect">
+              <a:avLst/>
+            </a:prstGeom>
+            <a:noFill/>
+          </p:spPr>
+          <p:style>
+            <a:lnRef idx="2">
+              <a:schemeClr val="accent1">
+                <a:shade val="15000"/>
+              </a:schemeClr>
+            </a:lnRef>
+            <a:fillRef idx="1">
+              <a:schemeClr val="accent1"/>
+            </a:fillRef>
+            <a:effectRef idx="0">
+              <a:schemeClr val="accent1"/>
+            </a:effectRef>
+            <a:fontRef idx="minor">
+              <a:schemeClr val="lt1"/>
+            </a:fontRef>
+          </p:style>
+          <p:txBody>
+            <a:bodyPr rtlCol="0" anchor="t"/>
+            <a:lstStyle/>
+            <a:p>
+              <a:pPr algn="ctr"/>
+              <a:r>
+                <a:rPr lang="en-US" sz="1000" dirty="0">
+                  <a:solidFill>
+                    <a:schemeClr val="tx1"/>
+                  </a:solidFill>
+                </a:rPr>
+                <a:t>Dashboard (Grafana)</a:t>
+              </a:r>
+            </a:p>
+          </p:txBody>
+        </p:sp>
+        <p:sp>
+          <p:nvSpPr>
+            <p:cNvPr id="31" name="Rectangle: Rounded Corners 30">
+              <a:extLst>
+                <a:ext uri="{FF2B5EF4-FFF2-40B4-BE49-F238E27FC236}">
+                  <a16:creationId xmlns:a16="http://schemas.microsoft.com/office/drawing/2014/main" id="{3EFF49BB-E06E-C05C-E4C5-74311E05CC31}"/>
+                </a:ext>
+              </a:extLst>
+            </p:cNvPr>
+            <p:cNvSpPr/>
+            <p:nvPr/>
+          </p:nvSpPr>
+          <p:spPr>
+            <a:xfrm>
+              <a:off x="7155946" y="2207693"/>
+              <a:ext cx="4822421" cy="3949137"/>
+            </a:xfrm>
+            <a:prstGeom prst="roundRect">
+              <a:avLst/>
+            </a:prstGeom>
+            <a:noFill/>
+          </p:spPr>
+          <p:style>
+            <a:lnRef idx="2">
+              <a:schemeClr val="accent1">
+                <a:shade val="15000"/>
+              </a:schemeClr>
+            </a:lnRef>
+            <a:fillRef idx="1">
+              <a:schemeClr val="accent1"/>
+            </a:fillRef>
+            <a:effectRef idx="0">
+              <a:schemeClr val="accent1"/>
+            </a:effectRef>
+            <a:fontRef idx="minor">
+              <a:schemeClr val="lt1"/>
+            </a:fontRef>
+          </p:style>
+          <p:txBody>
+            <a:bodyPr rtlCol="0" anchor="t"/>
+            <a:lstStyle/>
+            <a:p>
+              <a:r>
+                <a:rPr lang="en-US" sz="1000" b="1" dirty="0">
+                  <a:solidFill>
+                    <a:schemeClr val="tx1"/>
+                  </a:solidFill>
+                </a:rPr>
+                <a:t>Core</a:t>
+              </a:r>
+            </a:p>
+          </p:txBody>
+        </p:sp>
+        <p:sp>
+          <p:nvSpPr>
+            <p:cNvPr id="32" name="Rectangle: Rounded Corners 31">
+              <a:extLst>
+                <a:ext uri="{FF2B5EF4-FFF2-40B4-BE49-F238E27FC236}">
+                  <a16:creationId xmlns:a16="http://schemas.microsoft.com/office/drawing/2014/main" id="{456BA914-1FF5-FBEC-F1B4-09C307C53013}"/>
+                </a:ext>
+              </a:extLst>
+            </p:cNvPr>
+            <p:cNvSpPr/>
+            <p:nvPr/>
+          </p:nvSpPr>
+          <p:spPr>
+            <a:xfrm>
+              <a:off x="10494027" y="4482782"/>
+              <a:ext cx="1232804" cy="686045"/>
+            </a:xfrm>
+            <a:prstGeom prst="roundRect">
+              <a:avLst/>
+            </a:prstGeom>
+            <a:noFill/>
+            <a:ln>
+              <a:solidFill>
+                <a:schemeClr val="tx1"/>
+              </a:solidFill>
+            </a:ln>
+          </p:spPr>
+          <p:style>
+            <a:lnRef idx="2">
+              <a:schemeClr val="accent1">
+                <a:shade val="15000"/>
+              </a:schemeClr>
+            </a:lnRef>
+            <a:fillRef idx="1">
+              <a:schemeClr val="accent1"/>
+            </a:fillRef>
+            <a:effectRef idx="0">
+              <a:schemeClr val="accent1"/>
+            </a:effectRef>
+            <a:fontRef idx="minor">
+              <a:schemeClr val="lt1"/>
+            </a:fontRef>
+          </p:style>
+          <p:txBody>
+            <a:bodyPr rtlCol="0" anchor="ctr"/>
+            <a:lstStyle/>
+            <a:p>
+              <a:pPr algn="ctr"/>
+              <a:r>
+                <a:rPr lang="en-US" sz="1000" dirty="0">
+                  <a:solidFill>
+                    <a:schemeClr val="tx1"/>
+                  </a:solidFill>
+                </a:rPr>
+                <a:t>Kubeflow</a:t>
+              </a:r>
+            </a:p>
+          </p:txBody>
+        </p:sp>
+        <p:sp>
+          <p:nvSpPr>
+            <p:cNvPr id="33" name="Rectangle: Rounded Corners 32">
+              <a:extLst>
+                <a:ext uri="{FF2B5EF4-FFF2-40B4-BE49-F238E27FC236}">
+                  <a16:creationId xmlns:a16="http://schemas.microsoft.com/office/drawing/2014/main" id="{AB6EDF7B-0F12-5E36-C7CE-7CAD89500F7C}"/>
+                </a:ext>
+              </a:extLst>
+            </p:cNvPr>
+            <p:cNvSpPr/>
+            <p:nvPr/>
+          </p:nvSpPr>
+          <p:spPr>
+            <a:xfrm>
+              <a:off x="7277158" y="4464974"/>
+              <a:ext cx="1457323" cy="686045"/>
+            </a:xfrm>
+            <a:prstGeom prst="roundRect">
+              <a:avLst/>
+            </a:prstGeom>
+            <a:noFill/>
+          </p:spPr>
+          <p:style>
+            <a:lnRef idx="2">
+              <a:schemeClr val="accent1">
+                <a:shade val="15000"/>
+              </a:schemeClr>
+            </a:lnRef>
+            <a:fillRef idx="1">
+              <a:schemeClr val="accent1"/>
+            </a:fillRef>
+            <a:effectRef idx="0">
+              <a:schemeClr val="accent1"/>
+            </a:effectRef>
+            <a:fontRef idx="minor">
+              <a:schemeClr val="lt1"/>
+            </a:fontRef>
+          </p:style>
+          <p:txBody>
+            <a:bodyPr rtlCol="0" anchor="ctr"/>
+            <a:lstStyle/>
+            <a:p>
+              <a:pPr algn="ctr"/>
+              <a:r>
+                <a:rPr lang="en-US" sz="1000" dirty="0">
+                  <a:solidFill>
+                    <a:schemeClr val="tx1"/>
+                  </a:solidFill>
+                </a:rPr>
+                <a:t>Kepler</a:t>
+              </a:r>
+            </a:p>
+          </p:txBody>
+        </p:sp>
+        <p:cxnSp>
+          <p:nvCxnSpPr>
+            <p:cNvPr id="40" name="Straight Arrow Connector 39">
+              <a:extLst>
+                <a:ext uri="{FF2B5EF4-FFF2-40B4-BE49-F238E27FC236}">
+                  <a16:creationId xmlns:a16="http://schemas.microsoft.com/office/drawing/2014/main" id="{AF749126-C003-8BDC-D3E3-DEF69862FE66}"/>
+                </a:ext>
+              </a:extLst>
+            </p:cNvPr>
+            <p:cNvCxnSpPr>
+              <a:cxnSpLocks/>
+              <a:stCxn id="30" idx="2"/>
+              <a:endCxn id="28" idx="0"/>
+            </p:cNvCxnSpPr>
+            <p:nvPr/>
+          </p:nvCxnSpPr>
+          <p:spPr>
+            <a:xfrm flipH="1">
+              <a:off x="8005820" y="3406028"/>
+              <a:ext cx="5858" cy="169523"/>
+            </a:xfrm>
+            <a:prstGeom prst="straightConnector1">
+              <a:avLst/>
+            </a:prstGeom>
+            <a:ln>
+              <a:headEnd type="triangle"/>
+              <a:tailEnd type="triangle"/>
+            </a:ln>
+          </p:spPr>
+          <p:style>
+            <a:lnRef idx="1">
+              <a:schemeClr val="dk1"/>
+            </a:lnRef>
+            <a:fillRef idx="0">
+              <a:schemeClr val="dk1"/>
+            </a:fillRef>
+            <a:effectRef idx="0">
+              <a:schemeClr val="dk1"/>
+            </a:effectRef>
+            <a:fontRef idx="minor">
+              <a:schemeClr val="tx1"/>
+            </a:fontRef>
+          </p:style>
+        </p:cxnSp>
+        <p:sp>
+          <p:nvSpPr>
+            <p:cNvPr id="17" name="Rectangle: Rounded Corners 16">
+              <a:extLst>
+                <a:ext uri="{FF2B5EF4-FFF2-40B4-BE49-F238E27FC236}">
+                  <a16:creationId xmlns:a16="http://schemas.microsoft.com/office/drawing/2014/main" id="{97D9C8EC-A386-593A-52F8-3AB566F9B3A1}"/>
+                </a:ext>
+              </a:extLst>
+            </p:cNvPr>
+            <p:cNvSpPr/>
+            <p:nvPr/>
+          </p:nvSpPr>
+          <p:spPr>
+            <a:xfrm>
+              <a:off x="8846324" y="2719983"/>
+              <a:ext cx="1457323" cy="686045"/>
+            </a:xfrm>
+            <a:prstGeom prst="roundRect">
+              <a:avLst/>
+            </a:prstGeom>
+            <a:noFill/>
+          </p:spPr>
+          <p:style>
+            <a:lnRef idx="2">
+              <a:schemeClr val="accent1">
+                <a:shade val="15000"/>
+              </a:schemeClr>
+            </a:lnRef>
+            <a:fillRef idx="1">
+              <a:schemeClr val="accent1"/>
+            </a:fillRef>
+            <a:effectRef idx="0">
+              <a:schemeClr val="accent1"/>
+            </a:effectRef>
+            <a:fontRef idx="minor">
+              <a:schemeClr val="lt1"/>
+            </a:fontRef>
+          </p:style>
+          <p:txBody>
+            <a:bodyPr rtlCol="0" anchor="ctr"/>
+            <a:lstStyle/>
+            <a:p>
+              <a:pPr algn="ctr"/>
+              <a:r>
+                <a:rPr lang="en-US" sz="1000" dirty="0">
+                  <a:solidFill>
+                    <a:schemeClr val="tx1"/>
+                  </a:solidFill>
+                </a:rPr>
+                <a:t>Ingress</a:t>
+              </a:r>
+            </a:p>
+          </p:txBody>
+        </p:sp>
+        <p:cxnSp>
+          <p:nvCxnSpPr>
+            <p:cNvPr id="19" name="Straight Arrow Connector 18">
+              <a:extLst>
+                <a:ext uri="{FF2B5EF4-FFF2-40B4-BE49-F238E27FC236}">
+                  <a16:creationId xmlns:a16="http://schemas.microsoft.com/office/drawing/2014/main" id="{43F0F1B4-3102-8320-4560-DBDAB247FDC5}"/>
+                </a:ext>
+              </a:extLst>
+            </p:cNvPr>
+            <p:cNvCxnSpPr>
+              <a:cxnSpLocks/>
+              <a:stCxn id="17" idx="1"/>
+              <a:endCxn id="30" idx="3"/>
+            </p:cNvCxnSpPr>
+            <p:nvPr/>
+          </p:nvCxnSpPr>
+          <p:spPr>
+            <a:xfrm flipH="1">
+              <a:off x="8695935" y="3063006"/>
+              <a:ext cx="150389" cy="0"/>
+            </a:xfrm>
+            <a:prstGeom prst="straightConnector1">
+              <a:avLst/>
+            </a:prstGeom>
+            <a:ln>
+              <a:tailEnd type="triangle"/>
+            </a:ln>
+          </p:spPr>
+          <p:style>
+            <a:lnRef idx="1">
+              <a:schemeClr val="dk1"/>
+            </a:lnRef>
+            <a:fillRef idx="0">
+              <a:schemeClr val="dk1"/>
+            </a:fillRef>
+            <a:effectRef idx="0">
+              <a:schemeClr val="dk1"/>
+            </a:effectRef>
+            <a:fontRef idx="minor">
+              <a:schemeClr val="tx1"/>
+            </a:fontRef>
+          </p:style>
+        </p:cxnSp>
+        <p:cxnSp>
+          <p:nvCxnSpPr>
+            <p:cNvPr id="26" name="Connector: Elbow 25">
+              <a:extLst>
+                <a:ext uri="{FF2B5EF4-FFF2-40B4-BE49-F238E27FC236}">
+                  <a16:creationId xmlns:a16="http://schemas.microsoft.com/office/drawing/2014/main" id="{941F72D9-A2C4-795E-6240-5C7CE4B5951A}"/>
+                </a:ext>
+              </a:extLst>
+            </p:cNvPr>
+            <p:cNvCxnSpPr>
+              <a:cxnSpLocks/>
+              <a:stCxn id="17" idx="2"/>
+              <a:endCxn id="28" idx="3"/>
+            </p:cNvCxnSpPr>
+            <p:nvPr/>
+          </p:nvCxnSpPr>
+          <p:spPr>
+            <a:xfrm rot="5400000">
+              <a:off x="8898461" y="3242049"/>
+              <a:ext cx="512546" cy="840505"/>
+            </a:xfrm>
+            <a:prstGeom prst="bentConnector2">
+              <a:avLst/>
+            </a:prstGeom>
+            <a:ln>
+              <a:tailEnd type="triangle"/>
+            </a:ln>
+          </p:spPr>
+          <p:style>
+            <a:lnRef idx="1">
+              <a:schemeClr val="dk1"/>
+            </a:lnRef>
+            <a:fillRef idx="0">
+              <a:schemeClr val="dk1"/>
+            </a:fillRef>
+            <a:effectRef idx="0">
+              <a:schemeClr val="dk1"/>
+            </a:effectRef>
+            <a:fontRef idx="minor">
+              <a:schemeClr val="tx1"/>
+            </a:fontRef>
+          </p:style>
+        </p:cxnSp>
+        <p:sp>
+          <p:nvSpPr>
+            <p:cNvPr id="29" name="Rectangle: Rounded Corners 28">
+              <a:extLst>
+                <a:ext uri="{FF2B5EF4-FFF2-40B4-BE49-F238E27FC236}">
+                  <a16:creationId xmlns:a16="http://schemas.microsoft.com/office/drawing/2014/main" id="{573F5773-EBC0-76AA-9245-850DCD2D6FBA}"/>
+                </a:ext>
+              </a:extLst>
+            </p:cNvPr>
+            <p:cNvSpPr/>
+            <p:nvPr/>
+          </p:nvSpPr>
+          <p:spPr>
+            <a:xfrm>
+              <a:off x="8795211" y="194058"/>
+              <a:ext cx="1543890" cy="760957"/>
+            </a:xfrm>
+            <a:prstGeom prst="roundRect">
+              <a:avLst/>
+            </a:prstGeom>
+            <a:noFill/>
+          </p:spPr>
+          <p:style>
+            <a:lnRef idx="2">
+              <a:schemeClr val="accent1">
+                <a:shade val="15000"/>
+              </a:schemeClr>
+            </a:lnRef>
+            <a:fillRef idx="1">
+              <a:schemeClr val="accent1"/>
+            </a:fillRef>
+            <a:effectRef idx="0">
+              <a:schemeClr val="accent1"/>
+            </a:effectRef>
+            <a:fontRef idx="minor">
+              <a:schemeClr val="lt1"/>
+            </a:fontRef>
+          </p:style>
+          <p:txBody>
+            <a:bodyPr rtlCol="0" anchor="ctr"/>
+            <a:lstStyle/>
+            <a:p>
+              <a:pPr algn="ctr"/>
+              <a:r>
+                <a:rPr lang="en-US" sz="1000" b="1" dirty="0">
+                  <a:solidFill>
+                    <a:schemeClr val="tx1"/>
+                  </a:solidFill>
+                </a:rPr>
+                <a:t>Operator</a:t>
+              </a:r>
+            </a:p>
+            <a:p>
+              <a:pPr algn="ctr"/>
+              <a:r>
+                <a:rPr lang="en-US" sz="1000" dirty="0">
+                  <a:solidFill>
+                    <a:schemeClr val="tx1"/>
+                  </a:solidFill>
+                </a:rPr>
+                <a:t>(user)</a:t>
+              </a:r>
+            </a:p>
+          </p:txBody>
+        </p:sp>
+        <p:cxnSp>
+          <p:nvCxnSpPr>
+            <p:cNvPr id="34" name="Straight Arrow Connector 33">
+              <a:extLst>
+                <a:ext uri="{FF2B5EF4-FFF2-40B4-BE49-F238E27FC236}">
+                  <a16:creationId xmlns:a16="http://schemas.microsoft.com/office/drawing/2014/main" id="{B94624E4-E6F0-62E8-8390-618C43CD3DFA}"/>
+                </a:ext>
+              </a:extLst>
+            </p:cNvPr>
+            <p:cNvCxnSpPr>
+              <a:cxnSpLocks/>
+              <a:stCxn id="29" idx="2"/>
+              <a:endCxn id="17" idx="0"/>
+            </p:cNvCxnSpPr>
+            <p:nvPr/>
+          </p:nvCxnSpPr>
+          <p:spPr>
+            <a:xfrm>
+              <a:off x="9567156" y="955015"/>
+              <a:ext cx="7830" cy="1764968"/>
+            </a:xfrm>
+            <a:prstGeom prst="straightConnector1">
+              <a:avLst/>
+            </a:prstGeom>
+            <a:ln>
+              <a:tailEnd type="triangle"/>
+            </a:ln>
+          </p:spPr>
+          <p:style>
+            <a:lnRef idx="1">
+              <a:schemeClr val="dk1"/>
+            </a:lnRef>
+            <a:fillRef idx="0">
+              <a:schemeClr val="dk1"/>
+            </a:fillRef>
+            <a:effectRef idx="0">
+              <a:schemeClr val="dk1"/>
+            </a:effectRef>
+            <a:fontRef idx="minor">
+              <a:schemeClr val="tx1"/>
+            </a:fontRef>
+          </p:style>
+        </p:cxnSp>
+        <p:cxnSp>
+          <p:nvCxnSpPr>
+            <p:cNvPr id="2" name="Straight Arrow Connector 1">
+              <a:extLst>
+                <a:ext uri="{FF2B5EF4-FFF2-40B4-BE49-F238E27FC236}">
+                  <a16:creationId xmlns:a16="http://schemas.microsoft.com/office/drawing/2014/main" id="{C1B77F16-5612-C87A-279C-CF8CF3957F4B}"/>
+                </a:ext>
+              </a:extLst>
+            </p:cNvPr>
+            <p:cNvCxnSpPr>
+              <a:cxnSpLocks/>
+              <a:stCxn id="28" idx="2"/>
+              <a:endCxn id="33" idx="0"/>
+            </p:cNvCxnSpPr>
+            <p:nvPr/>
+          </p:nvCxnSpPr>
+          <p:spPr>
+            <a:xfrm>
+              <a:off x="8005820" y="4261596"/>
+              <a:ext cx="0" cy="203378"/>
+            </a:xfrm>
+            <a:prstGeom prst="straightConnector1">
+              <a:avLst/>
+            </a:prstGeom>
+            <a:ln>
+              <a:headEnd type="triangle"/>
+              <a:tailEnd type="triangle"/>
+            </a:ln>
+          </p:spPr>
+          <p:style>
+            <a:lnRef idx="1">
+              <a:schemeClr val="dk1"/>
+            </a:lnRef>
+            <a:fillRef idx="0">
+              <a:schemeClr val="dk1"/>
+            </a:fillRef>
+            <a:effectRef idx="0">
+              <a:schemeClr val="dk1"/>
+            </a:effectRef>
+            <a:fontRef idx="minor">
+              <a:schemeClr val="tx1"/>
+            </a:fontRef>
+          </p:style>
+        </p:cxnSp>
+        <p:sp>
+          <p:nvSpPr>
+            <p:cNvPr id="3" name="Rectangle: Rounded Corners 2">
+              <a:extLst>
+                <a:ext uri="{FF2B5EF4-FFF2-40B4-BE49-F238E27FC236}">
+                  <a16:creationId xmlns:a16="http://schemas.microsoft.com/office/drawing/2014/main" id="{414212F6-1C80-7028-0BCA-0E62121FD47B}"/>
+                </a:ext>
+              </a:extLst>
+            </p:cNvPr>
+            <p:cNvSpPr/>
+            <p:nvPr/>
+          </p:nvSpPr>
+          <p:spPr>
+            <a:xfrm>
+              <a:off x="4454190" y="3494020"/>
+              <a:ext cx="2072508" cy="884420"/>
+            </a:xfrm>
+            <a:prstGeom prst="roundRect">
+              <a:avLst/>
+            </a:prstGeom>
+            <a:noFill/>
+            <a:ln>
+              <a:solidFill>
+                <a:schemeClr val="tx1"/>
+              </a:solidFill>
+            </a:ln>
+          </p:spPr>
+          <p:style>
+            <a:lnRef idx="2">
+              <a:schemeClr val="accent1">
+                <a:shade val="15000"/>
+              </a:schemeClr>
+            </a:lnRef>
+            <a:fillRef idx="1">
+              <a:schemeClr val="accent1"/>
+            </a:fillRef>
+            <a:effectRef idx="0">
+              <a:schemeClr val="accent1"/>
+            </a:effectRef>
+            <a:fontRef idx="minor">
+              <a:schemeClr val="lt1"/>
+            </a:fontRef>
+          </p:style>
+          <p:txBody>
+            <a:bodyPr rtlCol="0" anchor="ctr"/>
+            <a:lstStyle/>
+            <a:p>
+              <a:pPr algn="ctr"/>
+              <a:r>
+                <a:rPr lang="en-US" sz="1000" b="1" dirty="0">
+                  <a:solidFill>
+                    <a:schemeClr val="tx1"/>
+                  </a:solidFill>
+                </a:rPr>
+                <a:t>Edge pod #2</a:t>
+              </a:r>
+              <a:endParaRPr lang="en-US" sz="1000" dirty="0">
+                <a:solidFill>
+                  <a:schemeClr val="tx1"/>
+                </a:solidFill>
+              </a:endParaRPr>
+            </a:p>
+            <a:p>
+              <a:pPr algn="ctr"/>
+              <a:r>
+                <a:rPr lang="en-US" sz="1000" dirty="0" err="1">
+                  <a:solidFill>
+                    <a:schemeClr val="tx1"/>
+                  </a:solidFill>
+                </a:rPr>
+                <a:t>Kserve</a:t>
+              </a:r>
+              <a:endParaRPr lang="en-US" sz="1000" dirty="0">
+                <a:solidFill>
+                  <a:schemeClr val="tx1"/>
+                </a:solidFill>
+              </a:endParaRPr>
+            </a:p>
+            <a:p>
+              <a:pPr algn="ctr"/>
+              <a:r>
+                <a:rPr lang="en-US" sz="1000" dirty="0">
+                  <a:solidFill>
+                    <a:schemeClr val="tx1"/>
+                  </a:solidFill>
+                </a:rPr>
+                <a:t>inference service</a:t>
+              </a:r>
+            </a:p>
+          </p:txBody>
+        </p:sp>
+        <p:sp>
+          <p:nvSpPr>
+            <p:cNvPr id="14" name="Rectangle: Rounded Corners 13">
+              <a:extLst>
+                <a:ext uri="{FF2B5EF4-FFF2-40B4-BE49-F238E27FC236}">
+                  <a16:creationId xmlns:a16="http://schemas.microsoft.com/office/drawing/2014/main" id="{28060903-58D4-4692-0666-AAEE46F9966F}"/>
+                </a:ext>
+              </a:extLst>
+            </p:cNvPr>
+            <p:cNvSpPr/>
+            <p:nvPr/>
+          </p:nvSpPr>
+          <p:spPr>
+            <a:xfrm>
+              <a:off x="8876083" y="4482783"/>
+              <a:ext cx="1457323" cy="686045"/>
+            </a:xfrm>
+            <a:prstGeom prst="roundRect">
+              <a:avLst/>
+            </a:prstGeom>
+            <a:noFill/>
+            <a:ln>
+              <a:solidFill>
+                <a:schemeClr val="tx1"/>
+              </a:solidFill>
+            </a:ln>
+          </p:spPr>
+          <p:style>
+            <a:lnRef idx="2">
+              <a:schemeClr val="accent1">
+                <a:shade val="15000"/>
+              </a:schemeClr>
+            </a:lnRef>
+            <a:fillRef idx="1">
+              <a:schemeClr val="accent1"/>
+            </a:fillRef>
+            <a:effectRef idx="0">
+              <a:schemeClr val="accent1"/>
+            </a:effectRef>
+            <a:fontRef idx="minor">
+              <a:schemeClr val="lt1"/>
+            </a:fontRef>
+          </p:style>
+          <p:txBody>
+            <a:bodyPr rtlCol="0" anchor="ctr"/>
+            <a:lstStyle/>
+            <a:p>
+              <a:pPr algn="ctr"/>
+              <a:r>
+                <a:rPr lang="en-US" sz="1000" dirty="0" err="1">
+                  <a:solidFill>
+                    <a:schemeClr val="tx1"/>
+                  </a:solidFill>
+                </a:rPr>
+                <a:t>Minio</a:t>
+              </a:r>
+              <a:r>
+                <a:rPr lang="en-US" sz="1000" dirty="0">
+                  <a:solidFill>
+                    <a:schemeClr val="tx1"/>
+                  </a:solidFill>
+                </a:rPr>
+                <a:t> Storage</a:t>
+              </a:r>
+            </a:p>
+          </p:txBody>
+        </p:sp>
+        <p:sp>
+          <p:nvSpPr>
+            <p:cNvPr id="20" name="Rectangle: Rounded Corners 19">
+              <a:extLst>
+                <a:ext uri="{FF2B5EF4-FFF2-40B4-BE49-F238E27FC236}">
+                  <a16:creationId xmlns:a16="http://schemas.microsoft.com/office/drawing/2014/main" id="{89F0EA83-47D4-F134-A232-4C59C12654FE}"/>
+                </a:ext>
+              </a:extLst>
+            </p:cNvPr>
+            <p:cNvSpPr/>
+            <p:nvPr/>
+          </p:nvSpPr>
+          <p:spPr>
+            <a:xfrm>
+              <a:off x="10494027" y="3580576"/>
+              <a:ext cx="1232804" cy="686045"/>
+            </a:xfrm>
+            <a:prstGeom prst="roundRect">
+              <a:avLst/>
+            </a:prstGeom>
+            <a:noFill/>
+            <a:ln>
+              <a:solidFill>
+                <a:schemeClr val="tx1"/>
+              </a:solidFill>
+            </a:ln>
+          </p:spPr>
+          <p:style>
+            <a:lnRef idx="2">
+              <a:schemeClr val="accent1">
+                <a:shade val="15000"/>
+              </a:schemeClr>
+            </a:lnRef>
+            <a:fillRef idx="1">
+              <a:schemeClr val="accent1"/>
+            </a:fillRef>
+            <a:effectRef idx="0">
+              <a:schemeClr val="accent1"/>
+            </a:effectRef>
+            <a:fontRef idx="minor">
+              <a:schemeClr val="lt1"/>
+            </a:fontRef>
+          </p:style>
+          <p:txBody>
+            <a:bodyPr rtlCol="0" anchor="ctr"/>
+            <a:lstStyle/>
+            <a:p>
+              <a:pPr algn="ctr"/>
+              <a:r>
+                <a:rPr lang="en-US" sz="1000" dirty="0" err="1">
+                  <a:solidFill>
+                    <a:schemeClr val="tx1"/>
+                  </a:solidFill>
+                </a:rPr>
+                <a:t>Jupyter</a:t>
+              </a:r>
+              <a:r>
+                <a:rPr lang="en-US" sz="1000" dirty="0">
+                  <a:solidFill>
+                    <a:schemeClr val="tx1"/>
+                  </a:solidFill>
+                </a:rPr>
+                <a:t> notebook</a:t>
+              </a:r>
+            </a:p>
+          </p:txBody>
+        </p:sp>
+        <p:cxnSp>
+          <p:nvCxnSpPr>
+            <p:cNvPr id="36" name="Connector: Elbow 35">
+              <a:extLst>
+                <a:ext uri="{FF2B5EF4-FFF2-40B4-BE49-F238E27FC236}">
+                  <a16:creationId xmlns:a16="http://schemas.microsoft.com/office/drawing/2014/main" id="{1B18EC67-17DE-3531-B912-8C2376B3DA6E}"/>
+                </a:ext>
+              </a:extLst>
+            </p:cNvPr>
+            <p:cNvCxnSpPr>
+              <a:cxnSpLocks/>
+              <a:stCxn id="14" idx="0"/>
+              <a:endCxn id="20" idx="1"/>
+            </p:cNvCxnSpPr>
+            <p:nvPr/>
+          </p:nvCxnSpPr>
+          <p:spPr>
+            <a:xfrm rot="5400000" flipH="1" flipV="1">
+              <a:off x="9769794" y="3758550"/>
+              <a:ext cx="559184" cy="889282"/>
+            </a:xfrm>
+            <a:prstGeom prst="bentConnector2">
+              <a:avLst/>
+            </a:prstGeom>
+            <a:ln>
+              <a:headEnd type="triangle"/>
+              <a:tailEnd type="triangle"/>
+            </a:ln>
+          </p:spPr>
+          <p:style>
+            <a:lnRef idx="1">
+              <a:schemeClr val="dk1"/>
+            </a:lnRef>
+            <a:fillRef idx="0">
+              <a:schemeClr val="dk1"/>
+            </a:fillRef>
+            <a:effectRef idx="0">
+              <a:schemeClr val="dk1"/>
+            </a:effectRef>
+            <a:fontRef idx="minor">
+              <a:schemeClr val="tx1"/>
+            </a:fontRef>
+          </p:style>
+        </p:cxnSp>
+        <p:cxnSp>
+          <p:nvCxnSpPr>
+            <p:cNvPr id="38" name="Straight Arrow Connector 37">
+              <a:extLst>
+                <a:ext uri="{FF2B5EF4-FFF2-40B4-BE49-F238E27FC236}">
+                  <a16:creationId xmlns:a16="http://schemas.microsoft.com/office/drawing/2014/main" id="{3ACC7D5A-4A4A-0CEA-19C4-69F8CFD10847}"/>
+                </a:ext>
+              </a:extLst>
+            </p:cNvPr>
+            <p:cNvCxnSpPr>
+              <a:cxnSpLocks/>
+              <a:stCxn id="14" idx="3"/>
+              <a:endCxn id="32" idx="1"/>
+            </p:cNvCxnSpPr>
+            <p:nvPr/>
+          </p:nvCxnSpPr>
+          <p:spPr>
+            <a:xfrm flipV="1">
+              <a:off x="10333406" y="4825805"/>
+              <a:ext cx="160621" cy="1"/>
+            </a:xfrm>
+            <a:prstGeom prst="straightConnector1">
+              <a:avLst/>
+            </a:prstGeom>
+            <a:ln>
+              <a:solidFill>
+                <a:schemeClr val="tx1"/>
+              </a:solidFill>
+              <a:headEnd type="triangle"/>
+              <a:tailEnd type="triangle"/>
+            </a:ln>
+          </p:spPr>
+          <p:style>
+            <a:lnRef idx="1">
+              <a:schemeClr val="accent1"/>
+            </a:lnRef>
+            <a:fillRef idx="0">
+              <a:schemeClr val="accent1"/>
+            </a:fillRef>
+            <a:effectRef idx="0">
+              <a:schemeClr val="accent1"/>
+            </a:effectRef>
+            <a:fontRef idx="minor">
+              <a:schemeClr val="tx1"/>
+            </a:fontRef>
+          </p:style>
+        </p:cxnSp>
+        <p:cxnSp>
+          <p:nvCxnSpPr>
+            <p:cNvPr id="43" name="Straight Arrow Connector 42">
+              <a:extLst>
+                <a:ext uri="{FF2B5EF4-FFF2-40B4-BE49-F238E27FC236}">
+                  <a16:creationId xmlns:a16="http://schemas.microsoft.com/office/drawing/2014/main" id="{270E2DFE-34B4-F390-A107-7168C9FCE81D}"/>
+                </a:ext>
+              </a:extLst>
+            </p:cNvPr>
+            <p:cNvCxnSpPr>
+              <a:cxnSpLocks/>
+              <a:stCxn id="20" idx="2"/>
+              <a:endCxn id="32" idx="0"/>
+            </p:cNvCxnSpPr>
+            <p:nvPr/>
+          </p:nvCxnSpPr>
+          <p:spPr>
+            <a:xfrm>
+              <a:off x="11110429" y="4266621"/>
+              <a:ext cx="0" cy="216161"/>
+            </a:xfrm>
+            <a:prstGeom prst="straightConnector1">
+              <a:avLst/>
+            </a:prstGeom>
+            <a:ln>
+              <a:solidFill>
+                <a:schemeClr val="tx1"/>
+              </a:solidFill>
+              <a:tailEnd type="triangle"/>
+            </a:ln>
+          </p:spPr>
+          <p:style>
+            <a:lnRef idx="1">
+              <a:schemeClr val="accent1"/>
+            </a:lnRef>
+            <a:fillRef idx="0">
+              <a:schemeClr val="accent1"/>
+            </a:fillRef>
+            <a:effectRef idx="0">
+              <a:schemeClr val="accent1"/>
+            </a:effectRef>
+            <a:fontRef idx="minor">
+              <a:schemeClr val="tx1"/>
+            </a:fontRef>
+          </p:style>
+        </p:cxnSp>
+        <p:sp>
+          <p:nvSpPr>
+            <p:cNvPr id="58" name="Rectangle 57">
+              <a:extLst>
+                <a:ext uri="{FF2B5EF4-FFF2-40B4-BE49-F238E27FC236}">
+                  <a16:creationId xmlns:a16="http://schemas.microsoft.com/office/drawing/2014/main" id="{7653AFDD-35FF-E237-5C8C-40707EF66280}"/>
+                </a:ext>
+              </a:extLst>
+            </p:cNvPr>
+            <p:cNvSpPr/>
+            <p:nvPr/>
+          </p:nvSpPr>
+          <p:spPr>
+            <a:xfrm>
+              <a:off x="5538595" y="5139322"/>
+              <a:ext cx="1456729" cy="701765"/>
+            </a:xfrm>
+            <a:prstGeom prst="rect">
+              <a:avLst/>
+            </a:prstGeom>
+            <a:solidFill>
+              <a:schemeClr val="bg1"/>
+            </a:solidFill>
+          </p:spPr>
+          <p:style>
+            <a:lnRef idx="2">
+              <a:schemeClr val="accent1">
+                <a:shade val="15000"/>
+              </a:schemeClr>
+            </a:lnRef>
+            <a:fillRef idx="1">
+              <a:schemeClr val="accent1"/>
+            </a:fillRef>
+            <a:effectRef idx="0">
+              <a:schemeClr val="accent1"/>
+            </a:effectRef>
+            <a:fontRef idx="minor">
+              <a:schemeClr val="lt1"/>
+            </a:fontRef>
+          </p:style>
+          <p:txBody>
+            <a:bodyPr rtlCol="0" anchor="ctr"/>
+            <a:lstStyle/>
+            <a:p>
+              <a:pPr algn="ctr"/>
+              <a:r>
+                <a:rPr lang="en-US" sz="1000" dirty="0">
+                  <a:solidFill>
+                    <a:schemeClr val="tx1"/>
+                  </a:solidFill>
+                </a:rPr>
+                <a:t>energy, CPU, </a:t>
+              </a:r>
+            </a:p>
+            <a:p>
+              <a:pPr algn="ctr"/>
+              <a:r>
+                <a:rPr lang="en-US" sz="1000" dirty="0">
+                  <a:solidFill>
+                    <a:schemeClr val="tx1"/>
+                  </a:solidFill>
+                </a:rPr>
+                <a:t>memory usage stats</a:t>
+              </a:r>
+            </a:p>
+          </p:txBody>
+        </p:sp>
+        <p:cxnSp>
+          <p:nvCxnSpPr>
+            <p:cNvPr id="60" name="Connector: Elbow 59">
+              <a:extLst>
+                <a:ext uri="{FF2B5EF4-FFF2-40B4-BE49-F238E27FC236}">
+                  <a16:creationId xmlns:a16="http://schemas.microsoft.com/office/drawing/2014/main" id="{D0A49605-7CDE-5F3E-BEFC-FF14130B171B}"/>
+                </a:ext>
+              </a:extLst>
+            </p:cNvPr>
+            <p:cNvCxnSpPr>
+              <a:cxnSpLocks/>
+              <a:stCxn id="58" idx="1"/>
+              <a:endCxn id="5" idx="2"/>
+            </p:cNvCxnSpPr>
+            <p:nvPr/>
+          </p:nvCxnSpPr>
+          <p:spPr>
+            <a:xfrm rot="10800000">
+              <a:off x="4641273" y="4567864"/>
+              <a:ext cx="897324" cy="922343"/>
+            </a:xfrm>
+            <a:prstGeom prst="bentConnector2">
+              <a:avLst/>
+            </a:prstGeom>
+            <a:ln>
+              <a:tailEnd type="triangle"/>
+            </a:ln>
+          </p:spPr>
+          <p:style>
+            <a:lnRef idx="1">
+              <a:schemeClr val="dk1"/>
+            </a:lnRef>
+            <a:fillRef idx="0">
+              <a:schemeClr val="dk1"/>
+            </a:fillRef>
+            <a:effectRef idx="0">
+              <a:schemeClr val="dk1"/>
+            </a:effectRef>
+            <a:fontRef idx="minor">
+              <a:schemeClr val="tx1"/>
+            </a:fontRef>
+          </p:style>
+        </p:cxnSp>
+        <p:cxnSp>
+          <p:nvCxnSpPr>
+            <p:cNvPr id="62" name="Connector: Elbow 61">
+              <a:extLst>
+                <a:ext uri="{FF2B5EF4-FFF2-40B4-BE49-F238E27FC236}">
+                  <a16:creationId xmlns:a16="http://schemas.microsoft.com/office/drawing/2014/main" id="{76D143EC-BBE3-B048-717D-C02AA2308CAF}"/>
+                </a:ext>
+              </a:extLst>
+            </p:cNvPr>
+            <p:cNvCxnSpPr>
+              <a:cxnSpLocks/>
+              <a:stCxn id="58" idx="3"/>
+              <a:endCxn id="33" idx="2"/>
+            </p:cNvCxnSpPr>
+            <p:nvPr/>
+          </p:nvCxnSpPr>
+          <p:spPr>
+            <a:xfrm flipV="1">
+              <a:off x="6995325" y="5151020"/>
+              <a:ext cx="1010496" cy="339186"/>
+            </a:xfrm>
+            <a:prstGeom prst="bentConnector2">
+              <a:avLst/>
+            </a:prstGeom>
+            <a:ln>
+              <a:solidFill>
+                <a:schemeClr val="tx1"/>
+              </a:solidFill>
+              <a:tailEnd type="triangle"/>
+            </a:ln>
+          </p:spPr>
+          <p:style>
+            <a:lnRef idx="1">
+              <a:schemeClr val="accent1"/>
+            </a:lnRef>
+            <a:fillRef idx="0">
+              <a:schemeClr val="accent1"/>
+            </a:fillRef>
+            <a:effectRef idx="0">
+              <a:schemeClr val="accent1"/>
+            </a:effectRef>
+            <a:fontRef idx="minor">
+              <a:schemeClr val="tx1"/>
+            </a:fontRef>
+          </p:style>
+        </p:cxnSp>
+        <p:cxnSp>
+          <p:nvCxnSpPr>
+            <p:cNvPr id="84" name="Connector: Elbow 83">
+              <a:extLst>
+                <a:ext uri="{FF2B5EF4-FFF2-40B4-BE49-F238E27FC236}">
+                  <a16:creationId xmlns:a16="http://schemas.microsoft.com/office/drawing/2014/main" id="{462C1622-3C2B-2408-FC57-84B713F0F0DF}"/>
+                </a:ext>
+              </a:extLst>
+            </p:cNvPr>
+            <p:cNvCxnSpPr>
+              <a:cxnSpLocks/>
+              <a:stCxn id="17" idx="3"/>
+              <a:endCxn id="20" idx="0"/>
+            </p:cNvCxnSpPr>
+            <p:nvPr/>
+          </p:nvCxnSpPr>
+          <p:spPr>
+            <a:xfrm>
+              <a:off x="10303647" y="3063006"/>
+              <a:ext cx="806782" cy="517570"/>
+            </a:xfrm>
+            <a:prstGeom prst="bentConnector2">
+              <a:avLst/>
+            </a:prstGeom>
+            <a:ln>
+              <a:tailEnd type="triangle"/>
+            </a:ln>
+          </p:spPr>
+          <p:style>
+            <a:lnRef idx="1">
+              <a:schemeClr val="dk1"/>
+            </a:lnRef>
+            <a:fillRef idx="0">
+              <a:schemeClr val="dk1"/>
+            </a:fillRef>
+            <a:effectRef idx="0">
+              <a:schemeClr val="dk1"/>
+            </a:effectRef>
+            <a:fontRef idx="minor">
+              <a:schemeClr val="tx1"/>
+            </a:fontRef>
+          </p:style>
+        </p:cxnSp>
+        <p:sp>
+          <p:nvSpPr>
+            <p:cNvPr id="104" name="Rectangle: Rounded Corners 103">
+              <a:extLst>
+                <a:ext uri="{FF2B5EF4-FFF2-40B4-BE49-F238E27FC236}">
+                  <a16:creationId xmlns:a16="http://schemas.microsoft.com/office/drawing/2014/main" id="{93B41787-A640-3CBF-3F14-98021654D5AA}"/>
+                </a:ext>
+              </a:extLst>
+            </p:cNvPr>
+            <p:cNvSpPr/>
+            <p:nvPr/>
+          </p:nvSpPr>
+          <p:spPr>
+            <a:xfrm>
+              <a:off x="10494026" y="5384988"/>
+              <a:ext cx="1232805" cy="640134"/>
+            </a:xfrm>
+            <a:prstGeom prst="roundRect">
+              <a:avLst/>
+            </a:prstGeom>
+            <a:noFill/>
+            <a:ln>
+              <a:solidFill>
+                <a:schemeClr val="tx1"/>
+              </a:solidFill>
+            </a:ln>
+          </p:spPr>
+          <p:style>
+            <a:lnRef idx="2">
+              <a:schemeClr val="accent1">
+                <a:shade val="15000"/>
+              </a:schemeClr>
+            </a:lnRef>
+            <a:fillRef idx="1">
+              <a:schemeClr val="accent1"/>
+            </a:fillRef>
+            <a:effectRef idx="0">
+              <a:schemeClr val="accent1"/>
+            </a:effectRef>
+            <a:fontRef idx="minor">
+              <a:schemeClr val="lt1"/>
+            </a:fontRef>
+          </p:style>
+          <p:txBody>
+            <a:bodyPr rtlCol="0" anchor="ctr"/>
+            <a:lstStyle/>
+            <a:p>
+              <a:pPr algn="ctr"/>
+              <a:r>
+                <a:rPr lang="en-US" sz="1000" dirty="0" err="1">
+                  <a:solidFill>
+                    <a:schemeClr val="tx1"/>
+                  </a:solidFill>
+                </a:rPr>
+                <a:t>Kserve</a:t>
+              </a:r>
+              <a:endParaRPr lang="en-US" sz="1000" dirty="0">
+                <a:solidFill>
+                  <a:schemeClr val="tx1"/>
+                </a:solidFill>
+              </a:endParaRPr>
+            </a:p>
+          </p:txBody>
+        </p:sp>
+        <p:cxnSp>
+          <p:nvCxnSpPr>
+            <p:cNvPr id="116" name="Straight Arrow Connector 115">
+              <a:extLst>
+                <a:ext uri="{FF2B5EF4-FFF2-40B4-BE49-F238E27FC236}">
+                  <a16:creationId xmlns:a16="http://schemas.microsoft.com/office/drawing/2014/main" id="{3BA5A090-0716-F8AA-18FA-980C1AE494E2}"/>
+                </a:ext>
+              </a:extLst>
+            </p:cNvPr>
+            <p:cNvCxnSpPr>
+              <a:cxnSpLocks/>
+              <a:stCxn id="32" idx="2"/>
+              <a:endCxn id="104" idx="0"/>
+            </p:cNvCxnSpPr>
+            <p:nvPr/>
+          </p:nvCxnSpPr>
+          <p:spPr>
+            <a:xfrm>
+              <a:off x="11110429" y="5168827"/>
+              <a:ext cx="0" cy="216161"/>
+            </a:xfrm>
+            <a:prstGeom prst="straightConnector1">
+              <a:avLst/>
+            </a:prstGeom>
+            <a:ln>
+              <a:solidFill>
+                <a:schemeClr val="tx1"/>
+              </a:solidFill>
+              <a:tailEnd type="triangle"/>
+            </a:ln>
+          </p:spPr>
+          <p:style>
+            <a:lnRef idx="1">
+              <a:schemeClr val="accent1"/>
+            </a:lnRef>
+            <a:fillRef idx="0">
+              <a:schemeClr val="accent1"/>
+            </a:fillRef>
+            <a:effectRef idx="0">
+              <a:schemeClr val="accent1"/>
+            </a:effectRef>
+            <a:fontRef idx="minor">
+              <a:schemeClr val="tx1"/>
+            </a:fontRef>
+          </p:style>
+        </p:cxnSp>
+        <p:sp>
+          <p:nvSpPr>
+            <p:cNvPr id="123" name="Rectangle 122">
+              <a:extLst>
+                <a:ext uri="{FF2B5EF4-FFF2-40B4-BE49-F238E27FC236}">
+                  <a16:creationId xmlns:a16="http://schemas.microsoft.com/office/drawing/2014/main" id="{E58E515E-C572-E1CE-2D9B-05CE434759C5}"/>
+                </a:ext>
+              </a:extLst>
+            </p:cNvPr>
+            <p:cNvSpPr/>
+            <p:nvPr/>
+          </p:nvSpPr>
+          <p:spPr>
+            <a:xfrm>
+              <a:off x="7712882" y="6318911"/>
+              <a:ext cx="2327587" cy="251462"/>
+            </a:xfrm>
+            <a:prstGeom prst="rect">
+              <a:avLst/>
+            </a:prstGeom>
+            <a:solidFill>
+              <a:schemeClr val="bg1"/>
+            </a:solidFill>
+          </p:spPr>
+          <p:style>
+            <a:lnRef idx="2">
+              <a:schemeClr val="accent1">
+                <a:shade val="15000"/>
+              </a:schemeClr>
+            </a:lnRef>
+            <a:fillRef idx="1">
+              <a:schemeClr val="accent1"/>
+            </a:fillRef>
+            <a:effectRef idx="0">
+              <a:schemeClr val="accent1"/>
+            </a:effectRef>
+            <a:fontRef idx="minor">
+              <a:schemeClr val="lt1"/>
+            </a:fontRef>
+          </p:style>
+          <p:txBody>
+            <a:bodyPr rtlCol="0" anchor="ctr"/>
+            <a:lstStyle/>
+            <a:p>
+              <a:pPr algn="ctr"/>
+              <a:r>
+                <a:rPr lang="en-US" sz="1000" dirty="0">
+                  <a:solidFill>
+                    <a:schemeClr val="tx1"/>
+                  </a:solidFill>
+                </a:rPr>
+                <a:t>model serving</a:t>
+              </a:r>
+            </a:p>
+          </p:txBody>
+        </p:sp>
+        <p:cxnSp>
+          <p:nvCxnSpPr>
+            <p:cNvPr id="124" name="Connector: Elbow 123">
+              <a:extLst>
+                <a:ext uri="{FF2B5EF4-FFF2-40B4-BE49-F238E27FC236}">
+                  <a16:creationId xmlns:a16="http://schemas.microsoft.com/office/drawing/2014/main" id="{573BDA7B-2769-FD32-615D-F8C7B30DAA5E}"/>
+                </a:ext>
+              </a:extLst>
+            </p:cNvPr>
+            <p:cNvCxnSpPr>
+              <a:cxnSpLocks/>
+              <a:stCxn id="123" idx="1"/>
+              <a:endCxn id="3" idx="2"/>
+            </p:cNvCxnSpPr>
+            <p:nvPr/>
+          </p:nvCxnSpPr>
+          <p:spPr>
+            <a:xfrm rot="10800000">
+              <a:off x="5490444" y="4378440"/>
+              <a:ext cx="2222438" cy="2066202"/>
+            </a:xfrm>
+            <a:prstGeom prst="bentConnector2">
+              <a:avLst/>
+            </a:prstGeom>
+            <a:ln>
+              <a:tailEnd type="triangle"/>
+            </a:ln>
+          </p:spPr>
+          <p:style>
+            <a:lnRef idx="1">
+              <a:schemeClr val="dk1"/>
+            </a:lnRef>
+            <a:fillRef idx="0">
+              <a:schemeClr val="dk1"/>
+            </a:fillRef>
+            <a:effectRef idx="0">
+              <a:schemeClr val="dk1"/>
+            </a:effectRef>
+            <a:fontRef idx="minor">
+              <a:schemeClr val="tx1"/>
+            </a:fontRef>
+          </p:style>
+        </p:cxnSp>
+        <p:cxnSp>
+          <p:nvCxnSpPr>
+            <p:cNvPr id="127" name="Connector: Elbow 126">
+              <a:extLst>
+                <a:ext uri="{FF2B5EF4-FFF2-40B4-BE49-F238E27FC236}">
+                  <a16:creationId xmlns:a16="http://schemas.microsoft.com/office/drawing/2014/main" id="{C9D380EC-43DE-DE45-E298-57060CD933BB}"/>
+                </a:ext>
+              </a:extLst>
+            </p:cNvPr>
+            <p:cNvCxnSpPr>
+              <a:cxnSpLocks/>
+              <a:stCxn id="104" idx="2"/>
+              <a:endCxn id="123" idx="3"/>
+            </p:cNvCxnSpPr>
+            <p:nvPr/>
+          </p:nvCxnSpPr>
+          <p:spPr>
+            <a:xfrm rot="5400000">
+              <a:off x="10365689" y="5699902"/>
+              <a:ext cx="419520" cy="1069960"/>
+            </a:xfrm>
+            <a:prstGeom prst="bentConnector2">
+              <a:avLst/>
+            </a:prstGeom>
+            <a:ln>
+              <a:tailEnd type="triangle"/>
+            </a:ln>
+          </p:spPr>
+          <p:style>
+            <a:lnRef idx="1">
+              <a:schemeClr val="dk1"/>
+            </a:lnRef>
+            <a:fillRef idx="0">
+              <a:schemeClr val="dk1"/>
+            </a:fillRef>
+            <a:effectRef idx="0">
+              <a:schemeClr val="dk1"/>
+            </a:effectRef>
+            <a:fontRef idx="minor">
+              <a:schemeClr val="tx1"/>
+            </a:fontRef>
+          </p:style>
+        </p:cxnSp>
+        <p:cxnSp>
+          <p:nvCxnSpPr>
+            <p:cNvPr id="134" name="Straight Arrow Connector 133">
+              <a:extLst>
+                <a:ext uri="{FF2B5EF4-FFF2-40B4-BE49-F238E27FC236}">
+                  <a16:creationId xmlns:a16="http://schemas.microsoft.com/office/drawing/2014/main" id="{EB6178EA-B186-6BD8-22E8-3FAD14D79D3E}"/>
+                </a:ext>
+              </a:extLst>
+            </p:cNvPr>
+            <p:cNvCxnSpPr>
+              <a:cxnSpLocks/>
+              <a:stCxn id="3" idx="3"/>
+              <a:endCxn id="28" idx="1"/>
+            </p:cNvCxnSpPr>
+            <p:nvPr/>
+          </p:nvCxnSpPr>
+          <p:spPr>
+            <a:xfrm flipV="1">
+              <a:off x="6526698" y="3918574"/>
+              <a:ext cx="750460" cy="17656"/>
+            </a:xfrm>
+            <a:prstGeom prst="straightConnector1">
+              <a:avLst/>
+            </a:prstGeom>
+            <a:ln>
+              <a:headEnd type="triangle"/>
+              <a:tailEnd type="triangle"/>
+            </a:ln>
+          </p:spPr>
+          <p:style>
+            <a:lnRef idx="1">
+              <a:schemeClr val="dk1"/>
+            </a:lnRef>
+            <a:fillRef idx="0">
+              <a:schemeClr val="dk1"/>
+            </a:fillRef>
+            <a:effectRef idx="0">
+              <a:schemeClr val="dk1"/>
+            </a:effectRef>
+            <a:fontRef idx="minor">
+              <a:schemeClr val="tx1"/>
+            </a:fontRef>
+          </p:style>
+        </p:cxnSp>
+        <p:sp>
+          <p:nvSpPr>
+            <p:cNvPr id="8" name="Rectangle: Rounded Corners 7">
+              <a:extLst>
+                <a:ext uri="{FF2B5EF4-FFF2-40B4-BE49-F238E27FC236}">
+                  <a16:creationId xmlns:a16="http://schemas.microsoft.com/office/drawing/2014/main" id="{ECBB3996-2998-AB59-D664-11A063CF8E4D}"/>
+                </a:ext>
+              </a:extLst>
+            </p:cNvPr>
+            <p:cNvSpPr/>
+            <p:nvPr/>
+          </p:nvSpPr>
+          <p:spPr>
+            <a:xfrm>
+              <a:off x="2602306" y="4722294"/>
+              <a:ext cx="1596805" cy="629956"/>
+            </a:xfrm>
+            <a:prstGeom prst="roundRect">
+              <a:avLst/>
+            </a:prstGeom>
+            <a:noFill/>
+          </p:spPr>
+          <p:style>
+            <a:lnRef idx="2">
+              <a:schemeClr val="accent1">
+                <a:shade val="15000"/>
+              </a:schemeClr>
+            </a:lnRef>
+            <a:fillRef idx="1">
+              <a:schemeClr val="accent1"/>
+            </a:fillRef>
+            <a:effectRef idx="0">
+              <a:schemeClr val="accent1"/>
+            </a:effectRef>
+            <a:fontRef idx="minor">
+              <a:schemeClr val="lt1"/>
+            </a:fontRef>
+          </p:style>
+          <p:txBody>
+            <a:bodyPr rtlCol="0" anchor="t"/>
+            <a:lstStyle/>
+            <a:p>
+              <a:r>
+                <a:rPr lang="en-US" sz="1000" b="1" dirty="0">
+                  <a:solidFill>
+                    <a:schemeClr val="tx1"/>
+                  </a:solidFill>
+                </a:rPr>
+                <a:t>Edge node #2</a:t>
+              </a:r>
+            </a:p>
+          </p:txBody>
+        </p:sp>
+        <p:sp>
+          <p:nvSpPr>
+            <p:cNvPr id="10" name="Rectangle: Rounded Corners 9">
+              <a:extLst>
+                <a:ext uri="{FF2B5EF4-FFF2-40B4-BE49-F238E27FC236}">
+                  <a16:creationId xmlns:a16="http://schemas.microsoft.com/office/drawing/2014/main" id="{DED95158-7FAB-3EE5-EAA2-E15DDDA8F8AB}"/>
+                </a:ext>
+              </a:extLst>
+            </p:cNvPr>
+            <p:cNvSpPr/>
+            <p:nvPr/>
+          </p:nvSpPr>
+          <p:spPr>
+            <a:xfrm>
+              <a:off x="2602306" y="5479235"/>
+              <a:ext cx="1596805" cy="629956"/>
+            </a:xfrm>
+            <a:prstGeom prst="roundRect">
+              <a:avLst/>
+            </a:prstGeom>
+            <a:noFill/>
+          </p:spPr>
+          <p:style>
+            <a:lnRef idx="2">
+              <a:schemeClr val="accent1">
+                <a:shade val="15000"/>
+              </a:schemeClr>
+            </a:lnRef>
+            <a:fillRef idx="1">
+              <a:schemeClr val="accent1"/>
+            </a:fillRef>
+            <a:effectRef idx="0">
+              <a:schemeClr val="accent1"/>
+            </a:effectRef>
+            <a:fontRef idx="minor">
+              <a:schemeClr val="lt1"/>
+            </a:fontRef>
+          </p:style>
+          <p:txBody>
+            <a:bodyPr rtlCol="0" anchor="t"/>
+            <a:lstStyle/>
+            <a:p>
+              <a:r>
+                <a:rPr lang="en-US" sz="1000" b="1" dirty="0">
+                  <a:solidFill>
+                    <a:schemeClr val="tx1"/>
+                  </a:solidFill>
+                </a:rPr>
+                <a:t>Edge node #3</a:t>
+              </a:r>
+            </a:p>
+          </p:txBody>
+        </p:sp>
+      </p:grpSp>
+    </p:spTree>
+    <p:extLst>
+      <p:ext uri="{BB962C8B-B14F-4D97-AF65-F5344CB8AC3E}">
+        <p14:creationId xmlns:p14="http://schemas.microsoft.com/office/powerpoint/2010/main" val="1166001463"/>
+      </p:ext>
+    </p:extLst>
+  </p:cSld>
+  <p:clrMapOvr>
+    <a:masterClrMapping/>
+  </p:clrMapOvr>
+</p:sld>
+</file>
+
+<file path=ppt/slides/slide5.xml><?xml version="1.0" encoding="utf-8"?>
+<p:sld xmlns:a="http://schemas.openxmlformats.org/drawingml/2006/main" xmlns:r="http://schemas.openxmlformats.org/officeDocument/2006/relationships" xmlns:p="http://schemas.openxmlformats.org/presentationml/2006/main">
+  <p:cSld>
+    <p:spTree>
+      <p:nvGrpSpPr>
+        <p:cNvPr id="1" name=""/>
+        <p:cNvGrpSpPr/>
+        <p:nvPr/>
+      </p:nvGrpSpPr>
+      <p:grpSpPr>
+        <a:xfrm>
+          <a:off x="0" y="0"/>
+          <a:ext cx="0" cy="0"/>
+          <a:chOff x="0" y="0"/>
+          <a:chExt cx="0" cy="0"/>
+        </a:xfrm>
+      </p:grpSpPr>
+      <p:sp>
+        <p:nvSpPr>
+          <p:cNvPr id="5" name="Rectangle: Rounded Corners 4">
+            <a:extLst>
+              <a:ext uri="{FF2B5EF4-FFF2-40B4-BE49-F238E27FC236}">
+                <a16:creationId xmlns:a16="http://schemas.microsoft.com/office/drawing/2014/main" id="{FD2B149D-8B8F-E745-66C6-8A2F1D9D6594}"/>
+              </a:ext>
+            </a:extLst>
+          </p:cNvPr>
+          <p:cNvSpPr/>
+          <p:nvPr/>
+        </p:nvSpPr>
+        <p:spPr>
+          <a:xfrm>
+            <a:off x="74428" y="2937663"/>
+            <a:ext cx="2321658" cy="1565604"/>
+          </a:xfrm>
+          <a:prstGeom prst="roundRect">
+            <a:avLst/>
+          </a:prstGeom>
+          <a:noFill/>
+        </p:spPr>
+        <p:style>
+          <a:lnRef idx="2">
+            <a:schemeClr val="accent1">
+              <a:shade val="15000"/>
+            </a:schemeClr>
+          </a:lnRef>
+          <a:fillRef idx="1">
+            <a:schemeClr val="accent1"/>
+          </a:fillRef>
+          <a:effectRef idx="0">
+            <a:schemeClr val="accent1"/>
+          </a:effectRef>
+          <a:fontRef idx="minor">
+            <a:schemeClr val="lt1"/>
+          </a:fontRef>
+        </p:style>
+        <p:txBody>
+          <a:bodyPr rtlCol="0" anchor="t"/>
+          <a:lstStyle/>
+          <a:p>
+            <a:r>
+              <a:rPr lang="en-US" b="1" dirty="0">
+                <a:solidFill>
+                  <a:schemeClr val="tx1"/>
+                </a:solidFill>
+              </a:rPr>
+              <a:t>laptop</a:t>
+            </a:r>
+          </a:p>
+        </p:txBody>
+      </p:sp>
+      <p:sp>
+        <p:nvSpPr>
+          <p:cNvPr id="6" name="Rectangle: Rounded Corners 5">
+            <a:extLst>
+              <a:ext uri="{FF2B5EF4-FFF2-40B4-BE49-F238E27FC236}">
+                <a16:creationId xmlns:a16="http://schemas.microsoft.com/office/drawing/2014/main" id="{D31D2488-FC24-E115-5386-9FBE8F7113C7}"/>
+              </a:ext>
+            </a:extLst>
+          </p:cNvPr>
+          <p:cNvSpPr/>
+          <p:nvPr/>
+        </p:nvSpPr>
+        <p:spPr>
+          <a:xfrm>
+            <a:off x="2634464" y="2989709"/>
+            <a:ext cx="4079957" cy="1565604"/>
+          </a:xfrm>
+          <a:prstGeom prst="roundRect">
+            <a:avLst/>
+          </a:prstGeom>
+          <a:noFill/>
+        </p:spPr>
+        <p:style>
+          <a:lnRef idx="2">
+            <a:schemeClr val="accent1">
+              <a:shade val="15000"/>
+            </a:schemeClr>
+          </a:lnRef>
+          <a:fillRef idx="1">
+            <a:schemeClr val="accent1"/>
+          </a:fillRef>
+          <a:effectRef idx="0">
+            <a:schemeClr val="accent1"/>
+          </a:effectRef>
+          <a:fontRef idx="minor">
+            <a:schemeClr val="lt1"/>
+          </a:fontRef>
+        </p:style>
+        <p:txBody>
+          <a:bodyPr rtlCol="0" anchor="t"/>
+          <a:lstStyle/>
+          <a:p>
+            <a:r>
+              <a:rPr lang="en-US" b="1" dirty="0">
+                <a:solidFill>
+                  <a:schemeClr val="tx1"/>
+                </a:solidFill>
+              </a:rPr>
+              <a:t>Edge node #1 (</a:t>
+            </a:r>
+            <a:r>
+              <a:rPr lang="en-US" b="1" dirty="0" err="1">
+                <a:solidFill>
+                  <a:schemeClr val="tx1"/>
+                </a:solidFill>
+              </a:rPr>
+              <a:t>RaspberryPi</a:t>
+            </a:r>
+            <a:r>
+              <a:rPr lang="en-US" b="1" dirty="0">
+                <a:solidFill>
+                  <a:schemeClr val="tx1"/>
+                </a:solidFill>
+              </a:rPr>
+              <a:t>)</a:t>
+            </a:r>
+          </a:p>
+        </p:txBody>
+      </p:sp>
+      <p:sp>
+        <p:nvSpPr>
+          <p:cNvPr id="7" name="Rectangle: Rounded Corners 6">
+            <a:extLst>
+              <a:ext uri="{FF2B5EF4-FFF2-40B4-BE49-F238E27FC236}">
+                <a16:creationId xmlns:a16="http://schemas.microsoft.com/office/drawing/2014/main" id="{6D5387B5-ADE9-1588-9BBE-306EFB575899}"/>
+              </a:ext>
+            </a:extLst>
+          </p:cNvPr>
+          <p:cNvSpPr/>
+          <p:nvPr/>
+        </p:nvSpPr>
+        <p:spPr>
+          <a:xfrm>
+            <a:off x="2797562" y="3412440"/>
+            <a:ext cx="1434501" cy="948813"/>
+          </a:xfrm>
+          <a:prstGeom prst="roundRect">
+            <a:avLst/>
+          </a:prstGeom>
+          <a:noFill/>
+        </p:spPr>
+        <p:style>
+          <a:lnRef idx="2">
+            <a:schemeClr val="accent1">
+              <a:shade val="15000"/>
+            </a:schemeClr>
+          </a:lnRef>
+          <a:fillRef idx="1">
+            <a:schemeClr val="accent1"/>
+          </a:fillRef>
+          <a:effectRef idx="0">
+            <a:schemeClr val="accent1"/>
+          </a:effectRef>
+          <a:fontRef idx="minor">
+            <a:schemeClr val="lt1"/>
+          </a:fontRef>
+        </p:style>
+        <p:txBody>
+          <a:bodyPr rtlCol="0" anchor="ctr"/>
+          <a:lstStyle/>
+          <a:p>
+            <a:pPr algn="ctr"/>
+            <a:r>
+              <a:rPr lang="en-US" b="1" dirty="0">
+                <a:solidFill>
+                  <a:schemeClr val="tx1"/>
+                </a:solidFill>
+              </a:rPr>
+              <a:t>Edge pod #1</a:t>
+            </a:r>
+            <a:endParaRPr lang="en-US" dirty="0">
+              <a:solidFill>
+                <a:schemeClr val="tx1"/>
+              </a:solidFill>
+            </a:endParaRPr>
+          </a:p>
+          <a:p>
+            <a:pPr algn="ctr"/>
+            <a:r>
+              <a:rPr lang="en-US" dirty="0">
+                <a:solidFill>
+                  <a:schemeClr val="tx1"/>
+                </a:solidFill>
+              </a:rPr>
+              <a:t>Redis Database</a:t>
+            </a:r>
+          </a:p>
+        </p:txBody>
+      </p:sp>
+      <p:sp>
+        <p:nvSpPr>
+          <p:cNvPr id="8" name="Rectangle: Rounded Corners 7">
+            <a:extLst>
+              <a:ext uri="{FF2B5EF4-FFF2-40B4-BE49-F238E27FC236}">
+                <a16:creationId xmlns:a16="http://schemas.microsoft.com/office/drawing/2014/main" id="{1A474C64-52AB-005E-BF9B-FBFB50033AD0}"/>
+              </a:ext>
+            </a:extLst>
+          </p:cNvPr>
+          <p:cNvSpPr/>
+          <p:nvPr/>
+        </p:nvSpPr>
+        <p:spPr>
+          <a:xfrm>
+            <a:off x="140516" y="3360395"/>
+            <a:ext cx="2177895" cy="1081009"/>
+          </a:xfrm>
+          <a:prstGeom prst="roundRect">
+            <a:avLst/>
+          </a:prstGeom>
+          <a:noFill/>
+        </p:spPr>
+        <p:style>
+          <a:lnRef idx="2">
+            <a:schemeClr val="accent1">
+              <a:shade val="15000"/>
+            </a:schemeClr>
+          </a:lnRef>
+          <a:fillRef idx="1">
+            <a:schemeClr val="accent1"/>
+          </a:fillRef>
+          <a:effectRef idx="0">
+            <a:schemeClr val="accent1"/>
+          </a:effectRef>
+          <a:fontRef idx="minor">
+            <a:schemeClr val="lt1"/>
+          </a:fontRef>
+        </p:style>
+        <p:txBody>
+          <a:bodyPr rtlCol="0" anchor="ctr"/>
+          <a:lstStyle/>
+          <a:p>
+            <a:pPr algn="ctr"/>
+            <a:r>
+              <a:rPr lang="en-US" dirty="0">
+                <a:solidFill>
+                  <a:schemeClr val="tx1"/>
+                </a:solidFill>
+              </a:rPr>
+              <a:t>Python script</a:t>
+            </a:r>
+          </a:p>
+        </p:txBody>
+      </p:sp>
+      <p:cxnSp>
+        <p:nvCxnSpPr>
+          <p:cNvPr id="9" name="Straight Arrow Connector 8">
+            <a:extLst>
+              <a:ext uri="{FF2B5EF4-FFF2-40B4-BE49-F238E27FC236}">
+                <a16:creationId xmlns:a16="http://schemas.microsoft.com/office/drawing/2014/main" id="{19876AC0-BC55-4E75-CA59-C89D4711CBDF}"/>
+              </a:ext>
+            </a:extLst>
+          </p:cNvPr>
+          <p:cNvCxnSpPr>
+            <a:cxnSpLocks/>
+            <a:stCxn id="8" idx="3"/>
+            <a:endCxn id="7" idx="1"/>
+          </p:cNvCxnSpPr>
+          <p:nvPr/>
+        </p:nvCxnSpPr>
+        <p:spPr>
+          <a:xfrm flipV="1">
+            <a:off x="2318411" y="3886847"/>
+            <a:ext cx="479151" cy="14052"/>
+          </a:xfrm>
+          <a:prstGeom prst="straightConnector1">
+            <a:avLst/>
+          </a:prstGeom>
+          <a:ln>
+            <a:tailEnd type="triangle"/>
+          </a:ln>
+        </p:spPr>
+        <p:style>
+          <a:lnRef idx="1">
+            <a:schemeClr val="dk1"/>
+          </a:lnRef>
+          <a:fillRef idx="0">
+            <a:schemeClr val="dk1"/>
+          </a:fillRef>
+          <a:effectRef idx="0">
+            <a:schemeClr val="dk1"/>
+          </a:effectRef>
+          <a:fontRef idx="minor">
+            <a:schemeClr val="tx1"/>
+          </a:fontRef>
+        </p:style>
+      </p:cxnSp>
+      <p:sp>
+        <p:nvSpPr>
+          <p:cNvPr id="10" name="Rectangle: Rounded Corners 9">
+            <a:extLst>
+              <a:ext uri="{FF2B5EF4-FFF2-40B4-BE49-F238E27FC236}">
+                <a16:creationId xmlns:a16="http://schemas.microsoft.com/office/drawing/2014/main" id="{5AFCE1BA-44FD-8DBE-678F-E301E1DF10A9}"/>
+              </a:ext>
+            </a:extLst>
+          </p:cNvPr>
+          <p:cNvSpPr/>
+          <p:nvPr/>
+        </p:nvSpPr>
+        <p:spPr>
+          <a:xfrm>
+            <a:off x="2556787" y="1721640"/>
+            <a:ext cx="9553696" cy="5051300"/>
+          </a:xfrm>
+          <a:prstGeom prst="roundRect">
+            <a:avLst/>
+          </a:prstGeom>
+          <a:noFill/>
+        </p:spPr>
+        <p:style>
+          <a:lnRef idx="2">
+            <a:schemeClr val="accent1">
+              <a:shade val="15000"/>
+            </a:schemeClr>
+          </a:lnRef>
+          <a:fillRef idx="1">
+            <a:schemeClr val="accent1"/>
+          </a:fillRef>
+          <a:effectRef idx="0">
+            <a:schemeClr val="accent1"/>
+          </a:effectRef>
+          <a:fontRef idx="minor">
+            <a:schemeClr val="lt1"/>
+          </a:fontRef>
+        </p:style>
+        <p:txBody>
+          <a:bodyPr rtlCol="0" anchor="t"/>
+          <a:lstStyle/>
+          <a:p>
+            <a:r>
+              <a:rPr lang="en-US" b="1" dirty="0">
+                <a:solidFill>
+                  <a:schemeClr val="tx1"/>
+                </a:solidFill>
+              </a:rPr>
+              <a:t>Kubernetes</a:t>
+            </a:r>
+          </a:p>
+        </p:txBody>
+      </p:sp>
+      <p:sp>
+        <p:nvSpPr>
+          <p:cNvPr id="11" name="Rectangle: Rounded Corners 10">
+            <a:extLst>
+              <a:ext uri="{FF2B5EF4-FFF2-40B4-BE49-F238E27FC236}">
+                <a16:creationId xmlns:a16="http://schemas.microsoft.com/office/drawing/2014/main" id="{9D55FE9F-D8D1-E5A4-AFD5-4D730673A3A3}"/>
+              </a:ext>
+            </a:extLst>
+          </p:cNvPr>
+          <p:cNvSpPr/>
+          <p:nvPr/>
+        </p:nvSpPr>
+        <p:spPr>
+          <a:xfrm>
+            <a:off x="7311640" y="3538708"/>
+            <a:ext cx="1458047" cy="702841"/>
+          </a:xfrm>
+          <a:prstGeom prst="roundRect">
+            <a:avLst/>
+          </a:prstGeom>
+          <a:noFill/>
+        </p:spPr>
+        <p:style>
+          <a:lnRef idx="2">
+            <a:schemeClr val="accent1">
+              <a:shade val="15000"/>
+            </a:schemeClr>
+          </a:lnRef>
+          <a:fillRef idx="1">
+            <a:schemeClr val="accent1"/>
+          </a:fillRef>
+          <a:effectRef idx="0">
+            <a:schemeClr val="accent1"/>
+          </a:effectRef>
+          <a:fontRef idx="minor">
+            <a:schemeClr val="lt1"/>
+          </a:fontRef>
+        </p:style>
+        <p:txBody>
+          <a:bodyPr rtlCol="0" anchor="ctr"/>
+          <a:lstStyle/>
+          <a:p>
+            <a:pPr algn="ctr"/>
+            <a:r>
+              <a:rPr lang="en-US" dirty="0">
+                <a:solidFill>
+                  <a:schemeClr val="tx1"/>
+                </a:solidFill>
+              </a:rPr>
+              <a:t>Prometheus</a:t>
+            </a:r>
+          </a:p>
+        </p:txBody>
+      </p:sp>
+      <p:sp>
+        <p:nvSpPr>
+          <p:cNvPr id="12" name="Rectangle: Rounded Corners 11">
+            <a:extLst>
+              <a:ext uri="{FF2B5EF4-FFF2-40B4-BE49-F238E27FC236}">
+                <a16:creationId xmlns:a16="http://schemas.microsoft.com/office/drawing/2014/main" id="{25F02C6A-7CAA-7DA9-F944-BAFC90BACCC6}"/>
+              </a:ext>
+            </a:extLst>
+          </p:cNvPr>
+          <p:cNvSpPr/>
+          <p:nvPr/>
+        </p:nvSpPr>
+        <p:spPr>
+          <a:xfrm>
+            <a:off x="7361927" y="2662193"/>
+            <a:ext cx="1369195" cy="702841"/>
+          </a:xfrm>
+          <a:prstGeom prst="roundRect">
+            <a:avLst/>
+          </a:prstGeom>
+          <a:noFill/>
+        </p:spPr>
+        <p:style>
+          <a:lnRef idx="2">
+            <a:schemeClr val="accent1">
+              <a:shade val="15000"/>
+            </a:schemeClr>
+          </a:lnRef>
+          <a:fillRef idx="1">
+            <a:schemeClr val="accent1"/>
+          </a:fillRef>
+          <a:effectRef idx="0">
+            <a:schemeClr val="accent1"/>
+          </a:effectRef>
+          <a:fontRef idx="minor">
+            <a:schemeClr val="lt1"/>
+          </a:fontRef>
+        </p:style>
+        <p:txBody>
+          <a:bodyPr rtlCol="0" anchor="t"/>
+          <a:lstStyle/>
+          <a:p>
+            <a:pPr algn="ctr"/>
+            <a:r>
+              <a:rPr lang="en-US" dirty="0">
+                <a:solidFill>
+                  <a:schemeClr val="tx1"/>
+                </a:solidFill>
+              </a:rPr>
+              <a:t>Dashboard (Grafana)</a:t>
+            </a:r>
+          </a:p>
+        </p:txBody>
+      </p:sp>
+      <p:sp>
+        <p:nvSpPr>
+          <p:cNvPr id="13" name="Rectangle: Rounded Corners 12">
+            <a:extLst>
+              <a:ext uri="{FF2B5EF4-FFF2-40B4-BE49-F238E27FC236}">
+                <a16:creationId xmlns:a16="http://schemas.microsoft.com/office/drawing/2014/main" id="{E9234A36-12F3-CDCE-C22F-D493F7327CBC}"/>
+              </a:ext>
+            </a:extLst>
+          </p:cNvPr>
+          <p:cNvSpPr/>
+          <p:nvPr/>
+        </p:nvSpPr>
+        <p:spPr>
+          <a:xfrm>
+            <a:off x="7190367" y="2137361"/>
+            <a:ext cx="4824818" cy="4045821"/>
+          </a:xfrm>
+          <a:prstGeom prst="roundRect">
+            <a:avLst/>
+          </a:prstGeom>
+          <a:noFill/>
+        </p:spPr>
+        <p:style>
+          <a:lnRef idx="2">
+            <a:schemeClr val="accent1">
+              <a:shade val="15000"/>
+            </a:schemeClr>
+          </a:lnRef>
+          <a:fillRef idx="1">
+            <a:schemeClr val="accent1"/>
+          </a:fillRef>
+          <a:effectRef idx="0">
+            <a:schemeClr val="accent1"/>
+          </a:effectRef>
+          <a:fontRef idx="minor">
+            <a:schemeClr val="lt1"/>
+          </a:fontRef>
+        </p:style>
+        <p:txBody>
+          <a:bodyPr rtlCol="0" anchor="t"/>
+          <a:lstStyle/>
+          <a:p>
+            <a:r>
+              <a:rPr lang="en-US" b="1" dirty="0">
+                <a:solidFill>
+                  <a:schemeClr val="tx1"/>
+                </a:solidFill>
+              </a:rPr>
+              <a:t>Core</a:t>
+            </a:r>
+          </a:p>
+        </p:txBody>
+      </p:sp>
+      <p:sp>
+        <p:nvSpPr>
+          <p:cNvPr id="14" name="Rectangle: Rounded Corners 13">
+            <a:extLst>
+              <a:ext uri="{FF2B5EF4-FFF2-40B4-BE49-F238E27FC236}">
+                <a16:creationId xmlns:a16="http://schemas.microsoft.com/office/drawing/2014/main" id="{02AC21F9-3219-12F7-F82F-84945CDE63D3}"/>
+              </a:ext>
+            </a:extLst>
+          </p:cNvPr>
+          <p:cNvSpPr/>
+          <p:nvPr/>
+        </p:nvSpPr>
+        <p:spPr>
+          <a:xfrm>
+            <a:off x="10530108" y="4468150"/>
+            <a:ext cx="1233417" cy="702841"/>
+          </a:xfrm>
+          <a:prstGeom prst="roundRect">
+            <a:avLst/>
+          </a:prstGeom>
+          <a:noFill/>
+          <a:ln>
+            <a:solidFill>
+              <a:schemeClr val="tx1"/>
+            </a:solidFill>
+          </a:ln>
+        </p:spPr>
+        <p:style>
+          <a:lnRef idx="2">
+            <a:schemeClr val="accent1">
+              <a:shade val="15000"/>
+            </a:schemeClr>
+          </a:lnRef>
+          <a:fillRef idx="1">
+            <a:schemeClr val="accent1"/>
+          </a:fillRef>
+          <a:effectRef idx="0">
+            <a:schemeClr val="accent1"/>
+          </a:effectRef>
+          <a:fontRef idx="minor">
+            <a:schemeClr val="lt1"/>
+          </a:fontRef>
+        </p:style>
+        <p:txBody>
+          <a:bodyPr rtlCol="0" anchor="ctr"/>
+          <a:lstStyle/>
+          <a:p>
+            <a:pPr algn="ctr"/>
+            <a:r>
+              <a:rPr lang="en-US" dirty="0">
+                <a:solidFill>
+                  <a:schemeClr val="tx1"/>
+                </a:solidFill>
+              </a:rPr>
+              <a:t>Kubeflow</a:t>
+            </a:r>
+          </a:p>
+        </p:txBody>
+      </p:sp>
+      <p:sp>
+        <p:nvSpPr>
+          <p:cNvPr id="15" name="Rectangle: Rounded Corners 14">
+            <a:extLst>
+              <a:ext uri="{FF2B5EF4-FFF2-40B4-BE49-F238E27FC236}">
+                <a16:creationId xmlns:a16="http://schemas.microsoft.com/office/drawing/2014/main" id="{CD98917D-AA46-68F1-8088-F304B2521C67}"/>
+              </a:ext>
+            </a:extLst>
+          </p:cNvPr>
+          <p:cNvSpPr/>
+          <p:nvPr/>
+        </p:nvSpPr>
+        <p:spPr>
+          <a:xfrm>
+            <a:off x="7311640" y="4449906"/>
+            <a:ext cx="1458047" cy="702841"/>
+          </a:xfrm>
+          <a:prstGeom prst="roundRect">
+            <a:avLst/>
+          </a:prstGeom>
+          <a:noFill/>
+        </p:spPr>
+        <p:style>
+          <a:lnRef idx="2">
+            <a:schemeClr val="accent1">
+              <a:shade val="15000"/>
+            </a:schemeClr>
+          </a:lnRef>
+          <a:fillRef idx="1">
+            <a:schemeClr val="accent1"/>
+          </a:fillRef>
+          <a:effectRef idx="0">
+            <a:schemeClr val="accent1"/>
+          </a:effectRef>
+          <a:fontRef idx="minor">
+            <a:schemeClr val="lt1"/>
+          </a:fontRef>
+        </p:style>
+        <p:txBody>
+          <a:bodyPr rtlCol="0" anchor="ctr"/>
+          <a:lstStyle/>
+          <a:p>
+            <a:pPr algn="ctr"/>
+            <a:r>
+              <a:rPr lang="en-US" dirty="0">
+                <a:solidFill>
+                  <a:schemeClr val="tx1"/>
+                </a:solidFill>
+              </a:rPr>
+              <a:t>Kepler</a:t>
+            </a:r>
+          </a:p>
+        </p:txBody>
+      </p:sp>
+      <p:cxnSp>
+        <p:nvCxnSpPr>
+          <p:cNvPr id="16" name="Straight Arrow Connector 15">
+            <a:extLst>
+              <a:ext uri="{FF2B5EF4-FFF2-40B4-BE49-F238E27FC236}">
+                <a16:creationId xmlns:a16="http://schemas.microsoft.com/office/drawing/2014/main" id="{30F2A3AA-C5CF-6088-5DED-7601153E9114}"/>
+              </a:ext>
+            </a:extLst>
+          </p:cNvPr>
+          <p:cNvCxnSpPr>
+            <a:cxnSpLocks/>
+            <a:stCxn id="12" idx="2"/>
+            <a:endCxn id="11" idx="0"/>
+          </p:cNvCxnSpPr>
+          <p:nvPr/>
+        </p:nvCxnSpPr>
+        <p:spPr>
+          <a:xfrm flipH="1">
+            <a:off x="8040664" y="3365034"/>
+            <a:ext cx="5861" cy="173673"/>
+          </a:xfrm>
+          <a:prstGeom prst="straightConnector1">
+            <a:avLst/>
+          </a:prstGeom>
+          <a:ln>
+            <a:headEnd type="triangle"/>
+            <a:tailEnd type="triangle"/>
+          </a:ln>
+        </p:spPr>
+        <p:style>
+          <a:lnRef idx="1">
+            <a:schemeClr val="dk1"/>
+          </a:lnRef>
+          <a:fillRef idx="0">
+            <a:schemeClr val="dk1"/>
+          </a:fillRef>
+          <a:effectRef idx="0">
+            <a:schemeClr val="dk1"/>
+          </a:effectRef>
+          <a:fontRef idx="minor">
+            <a:schemeClr val="tx1"/>
+          </a:fontRef>
+        </p:style>
+      </p:cxnSp>
+      <p:sp>
+        <p:nvSpPr>
+          <p:cNvPr id="17" name="Rectangle: Rounded Corners 16">
+            <a:extLst>
+              <a:ext uri="{FF2B5EF4-FFF2-40B4-BE49-F238E27FC236}">
+                <a16:creationId xmlns:a16="http://schemas.microsoft.com/office/drawing/2014/main" id="{4DADABF8-1025-E42C-50EF-2DA914407C75}"/>
+              </a:ext>
+            </a:extLst>
+          </p:cNvPr>
+          <p:cNvSpPr/>
+          <p:nvPr/>
+        </p:nvSpPr>
+        <p:spPr>
+          <a:xfrm>
+            <a:off x="8881586" y="2662193"/>
+            <a:ext cx="1458047" cy="702841"/>
+          </a:xfrm>
+          <a:prstGeom prst="roundRect">
+            <a:avLst/>
+          </a:prstGeom>
+          <a:noFill/>
+        </p:spPr>
+        <p:style>
+          <a:lnRef idx="2">
+            <a:schemeClr val="accent1">
+              <a:shade val="15000"/>
+            </a:schemeClr>
+          </a:lnRef>
+          <a:fillRef idx="1">
+            <a:schemeClr val="accent1"/>
+          </a:fillRef>
+          <a:effectRef idx="0">
+            <a:schemeClr val="accent1"/>
+          </a:effectRef>
+          <a:fontRef idx="minor">
+            <a:schemeClr val="lt1"/>
+          </a:fontRef>
+        </p:style>
+        <p:txBody>
+          <a:bodyPr rtlCol="0" anchor="ctr"/>
+          <a:lstStyle/>
+          <a:p>
+            <a:pPr algn="ctr"/>
+            <a:r>
+              <a:rPr lang="en-US" dirty="0">
+                <a:solidFill>
+                  <a:schemeClr val="tx1"/>
+                </a:solidFill>
+              </a:rPr>
+              <a:t>Ingress</a:t>
+            </a:r>
+          </a:p>
+        </p:txBody>
+      </p:sp>
+      <p:cxnSp>
+        <p:nvCxnSpPr>
+          <p:cNvPr id="18" name="Straight Arrow Connector 17">
+            <a:extLst>
+              <a:ext uri="{FF2B5EF4-FFF2-40B4-BE49-F238E27FC236}">
+                <a16:creationId xmlns:a16="http://schemas.microsoft.com/office/drawing/2014/main" id="{AA48D928-FDC4-6924-4F6D-9E4D3D8AF99C}"/>
+              </a:ext>
+            </a:extLst>
+          </p:cNvPr>
+          <p:cNvCxnSpPr>
+            <a:cxnSpLocks/>
+            <a:stCxn id="17" idx="1"/>
+            <a:endCxn id="12" idx="3"/>
+          </p:cNvCxnSpPr>
+          <p:nvPr/>
+        </p:nvCxnSpPr>
+        <p:spPr>
+          <a:xfrm flipH="1">
+            <a:off x="8731122" y="3013614"/>
+            <a:ext cx="150464" cy="0"/>
+          </a:xfrm>
+          <a:prstGeom prst="straightConnector1">
+            <a:avLst/>
+          </a:prstGeom>
+          <a:ln>
+            <a:tailEnd type="triangle"/>
+          </a:ln>
+        </p:spPr>
+        <p:style>
+          <a:lnRef idx="1">
+            <a:schemeClr val="dk1"/>
+          </a:lnRef>
+          <a:fillRef idx="0">
+            <a:schemeClr val="dk1"/>
+          </a:fillRef>
+          <a:effectRef idx="0">
+            <a:schemeClr val="dk1"/>
+          </a:effectRef>
+          <a:fontRef idx="minor">
+            <a:schemeClr val="tx1"/>
+          </a:fontRef>
+        </p:style>
+      </p:cxnSp>
+      <p:cxnSp>
+        <p:nvCxnSpPr>
+          <p:cNvPr id="19" name="Connector: Elbow 18">
+            <a:extLst>
+              <a:ext uri="{FF2B5EF4-FFF2-40B4-BE49-F238E27FC236}">
+                <a16:creationId xmlns:a16="http://schemas.microsoft.com/office/drawing/2014/main" id="{BB94CA3F-5AA0-9EC1-8550-9B309F661CE6}"/>
+              </a:ext>
+            </a:extLst>
+          </p:cNvPr>
+          <p:cNvCxnSpPr>
+            <a:cxnSpLocks/>
+            <a:stCxn id="17" idx="2"/>
+            <a:endCxn id="11" idx="3"/>
+          </p:cNvCxnSpPr>
+          <p:nvPr/>
+        </p:nvCxnSpPr>
+        <p:spPr>
+          <a:xfrm rot="5400000">
+            <a:off x="8927602" y="3207121"/>
+            <a:ext cx="525094" cy="840923"/>
+          </a:xfrm>
+          <a:prstGeom prst="bentConnector2">
+            <a:avLst/>
+          </a:prstGeom>
+          <a:ln>
+            <a:tailEnd type="triangle"/>
+          </a:ln>
+        </p:spPr>
+        <p:style>
+          <a:lnRef idx="1">
+            <a:schemeClr val="dk1"/>
+          </a:lnRef>
+          <a:fillRef idx="0">
+            <a:schemeClr val="dk1"/>
+          </a:fillRef>
+          <a:effectRef idx="0">
+            <a:schemeClr val="dk1"/>
+          </a:effectRef>
+          <a:fontRef idx="minor">
+            <a:schemeClr val="tx1"/>
+          </a:fontRef>
+        </p:style>
+      </p:cxnSp>
+      <p:sp>
+        <p:nvSpPr>
+          <p:cNvPr id="20" name="Rectangle: Rounded Corners 19">
+            <a:extLst>
+              <a:ext uri="{FF2B5EF4-FFF2-40B4-BE49-F238E27FC236}">
+                <a16:creationId xmlns:a16="http://schemas.microsoft.com/office/drawing/2014/main" id="{261AE292-DEFC-4400-24D9-11D135AB8A20}"/>
+              </a:ext>
+            </a:extLst>
+          </p:cNvPr>
+          <p:cNvSpPr/>
+          <p:nvPr/>
+        </p:nvSpPr>
+        <p:spPr>
+          <a:xfrm>
+            <a:off x="8830447" y="74428"/>
+            <a:ext cx="1544657" cy="779587"/>
+          </a:xfrm>
+          <a:prstGeom prst="roundRect">
+            <a:avLst/>
+          </a:prstGeom>
+          <a:noFill/>
+        </p:spPr>
+        <p:style>
+          <a:lnRef idx="2">
+            <a:schemeClr val="accent1">
+              <a:shade val="15000"/>
+            </a:schemeClr>
+          </a:lnRef>
+          <a:fillRef idx="1">
+            <a:schemeClr val="accent1"/>
+          </a:fillRef>
+          <a:effectRef idx="0">
+            <a:schemeClr val="accent1"/>
+          </a:effectRef>
+          <a:fontRef idx="minor">
+            <a:schemeClr val="lt1"/>
+          </a:fontRef>
+        </p:style>
+        <p:txBody>
+          <a:bodyPr rtlCol="0" anchor="ctr"/>
+          <a:lstStyle/>
+          <a:p>
+            <a:pPr algn="ctr"/>
+            <a:r>
+              <a:rPr lang="en-US" b="1" dirty="0">
+                <a:solidFill>
+                  <a:schemeClr val="tx1"/>
+                </a:solidFill>
+              </a:rPr>
+              <a:t>Operator</a:t>
+            </a:r>
+          </a:p>
+          <a:p>
+            <a:pPr algn="ctr"/>
+            <a:r>
+              <a:rPr lang="en-US" dirty="0">
+                <a:solidFill>
+                  <a:schemeClr val="tx1"/>
+                </a:solidFill>
+              </a:rPr>
+              <a:t>(user)</a:t>
+            </a:r>
+          </a:p>
+        </p:txBody>
+      </p:sp>
+      <p:cxnSp>
+        <p:nvCxnSpPr>
+          <p:cNvPr id="21" name="Straight Arrow Connector 20">
+            <a:extLst>
+              <a:ext uri="{FF2B5EF4-FFF2-40B4-BE49-F238E27FC236}">
+                <a16:creationId xmlns:a16="http://schemas.microsoft.com/office/drawing/2014/main" id="{F8181440-00D8-75AE-1B59-42698BE197AB}"/>
+              </a:ext>
+            </a:extLst>
+          </p:cNvPr>
+          <p:cNvCxnSpPr>
+            <a:cxnSpLocks/>
+            <a:stCxn id="20" idx="2"/>
+            <a:endCxn id="17" idx="0"/>
+          </p:cNvCxnSpPr>
+          <p:nvPr/>
+        </p:nvCxnSpPr>
+        <p:spPr>
+          <a:xfrm>
+            <a:off x="9602776" y="854015"/>
+            <a:ext cx="7834" cy="1808178"/>
+          </a:xfrm>
+          <a:prstGeom prst="straightConnector1">
+            <a:avLst/>
+          </a:prstGeom>
+          <a:ln>
+            <a:tailEnd type="triangle"/>
+          </a:ln>
+        </p:spPr>
+        <p:style>
+          <a:lnRef idx="1">
+            <a:schemeClr val="dk1"/>
+          </a:lnRef>
+          <a:fillRef idx="0">
+            <a:schemeClr val="dk1"/>
+          </a:fillRef>
+          <a:effectRef idx="0">
+            <a:schemeClr val="dk1"/>
+          </a:effectRef>
+          <a:fontRef idx="minor">
+            <a:schemeClr val="tx1"/>
+          </a:fontRef>
+        </p:style>
+      </p:cxnSp>
+      <p:cxnSp>
+        <p:nvCxnSpPr>
+          <p:cNvPr id="22" name="Straight Arrow Connector 21">
+            <a:extLst>
+              <a:ext uri="{FF2B5EF4-FFF2-40B4-BE49-F238E27FC236}">
+                <a16:creationId xmlns:a16="http://schemas.microsoft.com/office/drawing/2014/main" id="{F4DD12A1-684B-454B-3B94-DD8592CA6CC4}"/>
+              </a:ext>
+            </a:extLst>
+          </p:cNvPr>
+          <p:cNvCxnSpPr>
+            <a:cxnSpLocks/>
+            <a:stCxn id="11" idx="2"/>
+            <a:endCxn id="15" idx="0"/>
+          </p:cNvCxnSpPr>
+          <p:nvPr/>
+        </p:nvCxnSpPr>
+        <p:spPr>
+          <a:xfrm>
+            <a:off x="8040664" y="4241549"/>
+            <a:ext cx="0" cy="208357"/>
+          </a:xfrm>
+          <a:prstGeom prst="straightConnector1">
+            <a:avLst/>
+          </a:prstGeom>
+          <a:ln>
+            <a:headEnd type="triangle"/>
+            <a:tailEnd type="triangle"/>
+          </a:ln>
+        </p:spPr>
+        <p:style>
+          <a:lnRef idx="1">
+            <a:schemeClr val="dk1"/>
+          </a:lnRef>
+          <a:fillRef idx="0">
+            <a:schemeClr val="dk1"/>
+          </a:fillRef>
+          <a:effectRef idx="0">
+            <a:schemeClr val="dk1"/>
+          </a:effectRef>
+          <a:fontRef idx="minor">
+            <a:schemeClr val="tx1"/>
+          </a:fontRef>
+        </p:style>
+      </p:cxnSp>
+      <p:sp>
+        <p:nvSpPr>
+          <p:cNvPr id="23" name="Rectangle: Rounded Corners 22">
+            <a:extLst>
+              <a:ext uri="{FF2B5EF4-FFF2-40B4-BE49-F238E27FC236}">
+                <a16:creationId xmlns:a16="http://schemas.microsoft.com/office/drawing/2014/main" id="{513C506A-6A44-C8A5-11D6-E0E5ED2E326B}"/>
+              </a:ext>
+            </a:extLst>
+          </p:cNvPr>
+          <p:cNvSpPr/>
+          <p:nvPr/>
+        </p:nvSpPr>
+        <p:spPr>
+          <a:xfrm>
+            <a:off x="4487268" y="3455181"/>
+            <a:ext cx="2073538" cy="906073"/>
+          </a:xfrm>
+          <a:prstGeom prst="roundRect">
+            <a:avLst/>
+          </a:prstGeom>
+          <a:noFill/>
+          <a:ln>
+            <a:solidFill>
+              <a:schemeClr val="tx1"/>
+            </a:solidFill>
+          </a:ln>
+        </p:spPr>
+        <p:style>
+          <a:lnRef idx="2">
+            <a:schemeClr val="accent1">
+              <a:shade val="15000"/>
+            </a:schemeClr>
+          </a:lnRef>
+          <a:fillRef idx="1">
+            <a:schemeClr val="accent1"/>
+          </a:fillRef>
+          <a:effectRef idx="0">
+            <a:schemeClr val="accent1"/>
+          </a:effectRef>
+          <a:fontRef idx="minor">
+            <a:schemeClr val="lt1"/>
+          </a:fontRef>
+        </p:style>
+        <p:txBody>
+          <a:bodyPr rtlCol="0" anchor="ctr"/>
+          <a:lstStyle/>
+          <a:p>
+            <a:pPr algn="ctr"/>
+            <a:r>
+              <a:rPr lang="en-US" b="1" dirty="0">
+                <a:solidFill>
+                  <a:schemeClr val="tx1"/>
+                </a:solidFill>
+              </a:rPr>
+              <a:t>Edge pod #2</a:t>
+            </a:r>
+            <a:endParaRPr lang="en-US" dirty="0">
+              <a:solidFill>
+                <a:schemeClr val="tx1"/>
+              </a:solidFill>
+            </a:endParaRPr>
+          </a:p>
+          <a:p>
+            <a:pPr algn="ctr"/>
+            <a:r>
+              <a:rPr lang="en-US" dirty="0" err="1">
+                <a:solidFill>
+                  <a:schemeClr val="tx1"/>
+                </a:solidFill>
+              </a:rPr>
+              <a:t>Kserve</a:t>
+            </a:r>
+            <a:endParaRPr lang="en-US" dirty="0">
+              <a:solidFill>
+                <a:schemeClr val="tx1"/>
+              </a:solidFill>
+            </a:endParaRPr>
+          </a:p>
+          <a:p>
+            <a:pPr algn="ctr"/>
+            <a:r>
+              <a:rPr lang="en-US" dirty="0">
+                <a:solidFill>
+                  <a:schemeClr val="tx1"/>
+                </a:solidFill>
+              </a:rPr>
+              <a:t>inference service</a:t>
+            </a:r>
+          </a:p>
+        </p:txBody>
+      </p:sp>
+      <p:sp>
+        <p:nvSpPr>
+          <p:cNvPr id="24" name="Rectangle: Rounded Corners 23">
+            <a:extLst>
+              <a:ext uri="{FF2B5EF4-FFF2-40B4-BE49-F238E27FC236}">
+                <a16:creationId xmlns:a16="http://schemas.microsoft.com/office/drawing/2014/main" id="{F21635B3-FCDE-9584-4293-7CE47C8A47D7}"/>
+              </a:ext>
+            </a:extLst>
+          </p:cNvPr>
+          <p:cNvSpPr/>
+          <p:nvPr/>
+        </p:nvSpPr>
+        <p:spPr>
+          <a:xfrm>
+            <a:off x="8911360" y="4468151"/>
+            <a:ext cx="1458047" cy="702841"/>
+          </a:xfrm>
+          <a:prstGeom prst="roundRect">
+            <a:avLst/>
+          </a:prstGeom>
+          <a:noFill/>
+          <a:ln>
+            <a:solidFill>
+              <a:schemeClr val="tx1"/>
+            </a:solidFill>
+          </a:ln>
+        </p:spPr>
+        <p:style>
+          <a:lnRef idx="2">
+            <a:schemeClr val="accent1">
+              <a:shade val="15000"/>
+            </a:schemeClr>
+          </a:lnRef>
+          <a:fillRef idx="1">
+            <a:schemeClr val="accent1"/>
+          </a:fillRef>
+          <a:effectRef idx="0">
+            <a:schemeClr val="accent1"/>
+          </a:effectRef>
+          <a:fontRef idx="minor">
+            <a:schemeClr val="lt1"/>
+          </a:fontRef>
+        </p:style>
+        <p:txBody>
+          <a:bodyPr rtlCol="0" anchor="ctr"/>
+          <a:lstStyle/>
+          <a:p>
+            <a:pPr algn="ctr"/>
+            <a:r>
+              <a:rPr lang="en-US" dirty="0" err="1">
+                <a:solidFill>
+                  <a:schemeClr val="tx1"/>
+                </a:solidFill>
+              </a:rPr>
+              <a:t>Minio</a:t>
+            </a:r>
+            <a:r>
+              <a:rPr lang="en-US" dirty="0">
+                <a:solidFill>
+                  <a:schemeClr val="tx1"/>
+                </a:solidFill>
+              </a:rPr>
+              <a:t> Storage</a:t>
+            </a:r>
+          </a:p>
+        </p:txBody>
+      </p:sp>
+      <p:sp>
+        <p:nvSpPr>
+          <p:cNvPr id="25" name="Rectangle: Rounded Corners 24">
+            <a:extLst>
+              <a:ext uri="{FF2B5EF4-FFF2-40B4-BE49-F238E27FC236}">
+                <a16:creationId xmlns:a16="http://schemas.microsoft.com/office/drawing/2014/main" id="{8D1E5525-EFAC-FC61-AF23-F13619595EF4}"/>
+              </a:ext>
+            </a:extLst>
+          </p:cNvPr>
+          <p:cNvSpPr/>
+          <p:nvPr/>
+        </p:nvSpPr>
+        <p:spPr>
+          <a:xfrm>
+            <a:off x="10530108" y="3543856"/>
+            <a:ext cx="1233417" cy="702841"/>
+          </a:xfrm>
+          <a:prstGeom prst="roundRect">
+            <a:avLst/>
+          </a:prstGeom>
+          <a:noFill/>
+          <a:ln>
+            <a:solidFill>
+              <a:schemeClr val="tx1"/>
+            </a:solidFill>
+          </a:ln>
+        </p:spPr>
+        <p:style>
+          <a:lnRef idx="2">
+            <a:schemeClr val="accent1">
+              <a:shade val="15000"/>
+            </a:schemeClr>
+          </a:lnRef>
+          <a:fillRef idx="1">
+            <a:schemeClr val="accent1"/>
+          </a:fillRef>
+          <a:effectRef idx="0">
+            <a:schemeClr val="accent1"/>
+          </a:effectRef>
+          <a:fontRef idx="minor">
+            <a:schemeClr val="lt1"/>
+          </a:fontRef>
+        </p:style>
+        <p:txBody>
+          <a:bodyPr rtlCol="0" anchor="ctr"/>
+          <a:lstStyle/>
+          <a:p>
+            <a:pPr algn="ctr"/>
+            <a:r>
+              <a:rPr lang="en-US" dirty="0" err="1">
+                <a:solidFill>
+                  <a:schemeClr val="tx1"/>
+                </a:solidFill>
+              </a:rPr>
+              <a:t>Jupyter</a:t>
+            </a:r>
+            <a:r>
+              <a:rPr lang="en-US" dirty="0">
+                <a:solidFill>
+                  <a:schemeClr val="tx1"/>
+                </a:solidFill>
+              </a:rPr>
+              <a:t> notebook</a:t>
+            </a:r>
+          </a:p>
+        </p:txBody>
+      </p:sp>
+      <p:cxnSp>
+        <p:nvCxnSpPr>
+          <p:cNvPr id="26" name="Connector: Elbow 25">
+            <a:extLst>
+              <a:ext uri="{FF2B5EF4-FFF2-40B4-BE49-F238E27FC236}">
+                <a16:creationId xmlns:a16="http://schemas.microsoft.com/office/drawing/2014/main" id="{F2969FBD-76E6-DD2C-BEB4-53A9A82F90AB}"/>
+              </a:ext>
+            </a:extLst>
+          </p:cNvPr>
+          <p:cNvCxnSpPr>
+            <a:cxnSpLocks/>
+            <a:stCxn id="24" idx="0"/>
+            <a:endCxn id="25" idx="1"/>
+          </p:cNvCxnSpPr>
+          <p:nvPr/>
+        </p:nvCxnSpPr>
+        <p:spPr>
+          <a:xfrm rot="5400000" flipH="1" flipV="1">
+            <a:off x="9798809" y="3736852"/>
+            <a:ext cx="572874" cy="889724"/>
+          </a:xfrm>
+          <a:prstGeom prst="bentConnector2">
+            <a:avLst/>
+          </a:prstGeom>
+          <a:ln>
+            <a:headEnd type="triangle"/>
+            <a:tailEnd type="triangle"/>
+          </a:ln>
+        </p:spPr>
+        <p:style>
+          <a:lnRef idx="1">
+            <a:schemeClr val="dk1"/>
+          </a:lnRef>
+          <a:fillRef idx="0">
+            <a:schemeClr val="dk1"/>
+          </a:fillRef>
+          <a:effectRef idx="0">
+            <a:schemeClr val="dk1"/>
+          </a:effectRef>
+          <a:fontRef idx="minor">
+            <a:schemeClr val="tx1"/>
+          </a:fontRef>
+        </p:style>
+      </p:cxnSp>
+      <p:cxnSp>
+        <p:nvCxnSpPr>
+          <p:cNvPr id="27" name="Straight Arrow Connector 26">
+            <a:extLst>
+              <a:ext uri="{FF2B5EF4-FFF2-40B4-BE49-F238E27FC236}">
+                <a16:creationId xmlns:a16="http://schemas.microsoft.com/office/drawing/2014/main" id="{CD976515-8407-7A52-3F01-EC3DD2228A18}"/>
+              </a:ext>
+            </a:extLst>
+          </p:cNvPr>
+          <p:cNvCxnSpPr>
+            <a:cxnSpLocks/>
+            <a:stCxn id="24" idx="3"/>
+            <a:endCxn id="14" idx="1"/>
+          </p:cNvCxnSpPr>
+          <p:nvPr/>
+        </p:nvCxnSpPr>
+        <p:spPr>
+          <a:xfrm flipV="1">
+            <a:off x="10369407" y="4819571"/>
+            <a:ext cx="160701" cy="1"/>
+          </a:xfrm>
+          <a:prstGeom prst="straightConnector1">
+            <a:avLst/>
+          </a:prstGeom>
+          <a:ln>
+            <a:solidFill>
+              <a:schemeClr val="tx1"/>
+            </a:solidFill>
+            <a:headEnd type="triangle"/>
+            <a:tailEnd type="triangle"/>
+          </a:ln>
+        </p:spPr>
+        <p:style>
+          <a:lnRef idx="1">
+            <a:schemeClr val="accent1"/>
+          </a:lnRef>
+          <a:fillRef idx="0">
+            <a:schemeClr val="accent1"/>
+          </a:fillRef>
+          <a:effectRef idx="0">
+            <a:schemeClr val="accent1"/>
+          </a:effectRef>
+          <a:fontRef idx="minor">
+            <a:schemeClr val="tx1"/>
+          </a:fontRef>
+        </p:style>
+      </p:cxnSp>
+      <p:cxnSp>
+        <p:nvCxnSpPr>
+          <p:cNvPr id="28" name="Straight Arrow Connector 27">
+            <a:extLst>
+              <a:ext uri="{FF2B5EF4-FFF2-40B4-BE49-F238E27FC236}">
+                <a16:creationId xmlns:a16="http://schemas.microsoft.com/office/drawing/2014/main" id="{BFD27D85-79CC-968D-88DB-70B4FD5376E4}"/>
+              </a:ext>
+            </a:extLst>
+          </p:cNvPr>
+          <p:cNvCxnSpPr>
+            <a:cxnSpLocks/>
+            <a:stCxn id="25" idx="2"/>
+            <a:endCxn id="14" idx="0"/>
+          </p:cNvCxnSpPr>
+          <p:nvPr/>
+        </p:nvCxnSpPr>
+        <p:spPr>
+          <a:xfrm>
+            <a:off x="11146816" y="4246697"/>
+            <a:ext cx="0" cy="221453"/>
+          </a:xfrm>
+          <a:prstGeom prst="straightConnector1">
+            <a:avLst/>
+          </a:prstGeom>
+          <a:ln>
+            <a:solidFill>
+              <a:schemeClr val="tx1"/>
+            </a:solidFill>
+            <a:tailEnd type="triangle"/>
+          </a:ln>
+        </p:spPr>
+        <p:style>
+          <a:lnRef idx="1">
+            <a:schemeClr val="accent1"/>
+          </a:lnRef>
+          <a:fillRef idx="0">
+            <a:schemeClr val="accent1"/>
+          </a:fillRef>
+          <a:effectRef idx="0">
+            <a:schemeClr val="accent1"/>
+          </a:effectRef>
+          <a:fontRef idx="minor">
+            <a:schemeClr val="tx1"/>
+          </a:fontRef>
+        </p:style>
+      </p:cxnSp>
+      <p:sp>
+        <p:nvSpPr>
+          <p:cNvPr id="29" name="Rectangle 28">
+            <a:extLst>
+              <a:ext uri="{FF2B5EF4-FFF2-40B4-BE49-F238E27FC236}">
+                <a16:creationId xmlns:a16="http://schemas.microsoft.com/office/drawing/2014/main" id="{29EF1A76-215D-015D-B231-9BEBF05FB4FC}"/>
+              </a:ext>
+            </a:extLst>
+          </p:cNvPr>
+          <p:cNvSpPr/>
+          <p:nvPr/>
+        </p:nvSpPr>
+        <p:spPr>
+          <a:xfrm>
+            <a:off x="5572213" y="5358905"/>
+            <a:ext cx="1457453" cy="500804"/>
+          </a:xfrm>
+          <a:prstGeom prst="rect">
+            <a:avLst/>
+          </a:prstGeom>
+          <a:solidFill>
+            <a:schemeClr val="bg1"/>
+          </a:solidFill>
+        </p:spPr>
+        <p:style>
+          <a:lnRef idx="2">
+            <a:schemeClr val="accent1">
+              <a:shade val="15000"/>
+            </a:schemeClr>
+          </a:lnRef>
+          <a:fillRef idx="1">
+            <a:schemeClr val="accent1"/>
+          </a:fillRef>
+          <a:effectRef idx="0">
+            <a:schemeClr val="accent1"/>
+          </a:effectRef>
+          <a:fontRef idx="minor">
+            <a:schemeClr val="lt1"/>
+          </a:fontRef>
+        </p:style>
+        <p:txBody>
+          <a:bodyPr rtlCol="0" anchor="ctr"/>
+          <a:lstStyle/>
+          <a:p>
+            <a:pPr algn="ctr"/>
+            <a:r>
+              <a:rPr lang="en-US" sz="1200" dirty="0">
+                <a:solidFill>
+                  <a:schemeClr val="tx1"/>
+                </a:solidFill>
+              </a:rPr>
+              <a:t>energy, CPU, </a:t>
+            </a:r>
+          </a:p>
+          <a:p>
+            <a:pPr algn="ctr"/>
+            <a:r>
+              <a:rPr lang="en-US" sz="1200" dirty="0">
+                <a:solidFill>
+                  <a:schemeClr val="tx1"/>
+                </a:solidFill>
+              </a:rPr>
+              <a:t>memory usage stats</a:t>
+            </a:r>
+          </a:p>
+        </p:txBody>
+      </p:sp>
+      <p:cxnSp>
+        <p:nvCxnSpPr>
+          <p:cNvPr id="30" name="Connector: Elbow 29">
+            <a:extLst>
+              <a:ext uri="{FF2B5EF4-FFF2-40B4-BE49-F238E27FC236}">
+                <a16:creationId xmlns:a16="http://schemas.microsoft.com/office/drawing/2014/main" id="{2C02C643-D132-1EFE-60B6-7F54E7AA4867}"/>
+              </a:ext>
+            </a:extLst>
+          </p:cNvPr>
+          <p:cNvCxnSpPr>
+            <a:cxnSpLocks/>
+            <a:stCxn id="29" idx="1"/>
+            <a:endCxn id="6" idx="2"/>
+          </p:cNvCxnSpPr>
+          <p:nvPr/>
+        </p:nvCxnSpPr>
+        <p:spPr>
+          <a:xfrm rot="10800000">
+            <a:off x="4674443" y="4555313"/>
+            <a:ext cx="897770" cy="1053994"/>
+          </a:xfrm>
+          <a:prstGeom prst="bentConnector2">
+            <a:avLst/>
+          </a:prstGeom>
+          <a:ln>
+            <a:tailEnd type="triangle"/>
+          </a:ln>
+        </p:spPr>
+        <p:style>
+          <a:lnRef idx="1">
+            <a:schemeClr val="dk1"/>
+          </a:lnRef>
+          <a:fillRef idx="0">
+            <a:schemeClr val="dk1"/>
+          </a:fillRef>
+          <a:effectRef idx="0">
+            <a:schemeClr val="dk1"/>
+          </a:effectRef>
+          <a:fontRef idx="minor">
+            <a:schemeClr val="tx1"/>
+          </a:fontRef>
+        </p:style>
+      </p:cxnSp>
+      <p:cxnSp>
+        <p:nvCxnSpPr>
+          <p:cNvPr id="31" name="Connector: Elbow 30">
+            <a:extLst>
+              <a:ext uri="{FF2B5EF4-FFF2-40B4-BE49-F238E27FC236}">
+                <a16:creationId xmlns:a16="http://schemas.microsoft.com/office/drawing/2014/main" id="{708B11DC-6D69-964D-452C-E3E2592D33D0}"/>
+              </a:ext>
+            </a:extLst>
+          </p:cNvPr>
+          <p:cNvCxnSpPr>
+            <a:cxnSpLocks/>
+            <a:stCxn id="29" idx="3"/>
+            <a:endCxn id="15" idx="2"/>
+          </p:cNvCxnSpPr>
+          <p:nvPr/>
+        </p:nvCxnSpPr>
+        <p:spPr>
+          <a:xfrm flipV="1">
+            <a:off x="7029666" y="5152747"/>
+            <a:ext cx="1010998" cy="456560"/>
+          </a:xfrm>
+          <a:prstGeom prst="bentConnector2">
+            <a:avLst/>
+          </a:prstGeom>
+          <a:ln>
+            <a:solidFill>
+              <a:schemeClr val="tx1"/>
+            </a:solidFill>
+            <a:tailEnd type="triangle"/>
+          </a:ln>
+        </p:spPr>
+        <p:style>
+          <a:lnRef idx="1">
+            <a:schemeClr val="accent1"/>
+          </a:lnRef>
+          <a:fillRef idx="0">
+            <a:schemeClr val="accent1"/>
+          </a:fillRef>
+          <a:effectRef idx="0">
+            <a:schemeClr val="accent1"/>
+          </a:effectRef>
+          <a:fontRef idx="minor">
+            <a:schemeClr val="tx1"/>
+          </a:fontRef>
+        </p:style>
+      </p:cxnSp>
+      <p:cxnSp>
+        <p:nvCxnSpPr>
+          <p:cNvPr id="32" name="Connector: Elbow 31">
+            <a:extLst>
+              <a:ext uri="{FF2B5EF4-FFF2-40B4-BE49-F238E27FC236}">
+                <a16:creationId xmlns:a16="http://schemas.microsoft.com/office/drawing/2014/main" id="{346A641C-B8C1-A7E4-8A93-4738C1575802}"/>
+              </a:ext>
+            </a:extLst>
+          </p:cNvPr>
+          <p:cNvCxnSpPr>
+            <a:cxnSpLocks/>
+            <a:stCxn id="17" idx="3"/>
+            <a:endCxn id="25" idx="0"/>
+          </p:cNvCxnSpPr>
+          <p:nvPr/>
+        </p:nvCxnSpPr>
+        <p:spPr>
+          <a:xfrm>
+            <a:off x="10339633" y="3013614"/>
+            <a:ext cx="807183" cy="530241"/>
+          </a:xfrm>
+          <a:prstGeom prst="bentConnector2">
+            <a:avLst/>
+          </a:prstGeom>
+          <a:ln>
+            <a:tailEnd type="triangle"/>
+          </a:ln>
+        </p:spPr>
+        <p:style>
+          <a:lnRef idx="1">
+            <a:schemeClr val="dk1"/>
+          </a:lnRef>
+          <a:fillRef idx="0">
+            <a:schemeClr val="dk1"/>
+          </a:fillRef>
+          <a:effectRef idx="0">
+            <a:schemeClr val="dk1"/>
+          </a:effectRef>
+          <a:fontRef idx="minor">
+            <a:schemeClr val="tx1"/>
+          </a:fontRef>
+        </p:style>
+      </p:cxnSp>
+      <p:sp>
+        <p:nvSpPr>
+          <p:cNvPr id="33" name="Rectangle: Rounded Corners 32">
+            <a:extLst>
+              <a:ext uri="{FF2B5EF4-FFF2-40B4-BE49-F238E27FC236}">
+                <a16:creationId xmlns:a16="http://schemas.microsoft.com/office/drawing/2014/main" id="{38B84296-3CA7-0D4A-7585-98CBF640B142}"/>
+              </a:ext>
+            </a:extLst>
+          </p:cNvPr>
+          <p:cNvSpPr/>
+          <p:nvPr/>
+        </p:nvSpPr>
+        <p:spPr>
+          <a:xfrm>
+            <a:off x="10530107" y="5392444"/>
+            <a:ext cx="1233418" cy="655806"/>
+          </a:xfrm>
+          <a:prstGeom prst="roundRect">
+            <a:avLst/>
+          </a:prstGeom>
+          <a:noFill/>
+          <a:ln>
+            <a:solidFill>
+              <a:schemeClr val="tx1"/>
+            </a:solidFill>
+          </a:ln>
+        </p:spPr>
+        <p:style>
+          <a:lnRef idx="2">
+            <a:schemeClr val="accent1">
+              <a:shade val="15000"/>
+            </a:schemeClr>
+          </a:lnRef>
+          <a:fillRef idx="1">
+            <a:schemeClr val="accent1"/>
+          </a:fillRef>
+          <a:effectRef idx="0">
+            <a:schemeClr val="accent1"/>
+          </a:effectRef>
+          <a:fontRef idx="minor">
+            <a:schemeClr val="lt1"/>
+          </a:fontRef>
+        </p:style>
+        <p:txBody>
+          <a:bodyPr rtlCol="0" anchor="ctr"/>
+          <a:lstStyle/>
+          <a:p>
+            <a:pPr algn="ctr"/>
+            <a:r>
+              <a:rPr lang="en-US" dirty="0" err="1">
+                <a:solidFill>
+                  <a:schemeClr val="tx1"/>
+                </a:solidFill>
+              </a:rPr>
+              <a:t>Kserve</a:t>
+            </a:r>
+            <a:endParaRPr lang="en-US" dirty="0">
+              <a:solidFill>
+                <a:schemeClr val="tx1"/>
+              </a:solidFill>
+            </a:endParaRPr>
+          </a:p>
+        </p:txBody>
+      </p:sp>
+      <p:cxnSp>
+        <p:nvCxnSpPr>
+          <p:cNvPr id="34" name="Straight Arrow Connector 33">
+            <a:extLst>
+              <a:ext uri="{FF2B5EF4-FFF2-40B4-BE49-F238E27FC236}">
+                <a16:creationId xmlns:a16="http://schemas.microsoft.com/office/drawing/2014/main" id="{512296D6-FD1B-9DDF-82D3-8F7409522A94}"/>
+              </a:ext>
+            </a:extLst>
+          </p:cNvPr>
+          <p:cNvCxnSpPr>
+            <a:cxnSpLocks/>
+            <a:stCxn id="14" idx="2"/>
+            <a:endCxn id="33" idx="0"/>
+          </p:cNvCxnSpPr>
+          <p:nvPr/>
+        </p:nvCxnSpPr>
+        <p:spPr>
+          <a:xfrm>
+            <a:off x="11146816" y="5170991"/>
+            <a:ext cx="0" cy="221453"/>
+          </a:xfrm>
+          <a:prstGeom prst="straightConnector1">
+            <a:avLst/>
+          </a:prstGeom>
+          <a:ln>
+            <a:solidFill>
+              <a:schemeClr val="tx1"/>
+            </a:solidFill>
+            <a:tailEnd type="triangle"/>
+          </a:ln>
+        </p:spPr>
+        <p:style>
+          <a:lnRef idx="1">
+            <a:schemeClr val="accent1"/>
+          </a:lnRef>
+          <a:fillRef idx="0">
+            <a:schemeClr val="accent1"/>
+          </a:fillRef>
+          <a:effectRef idx="0">
+            <a:schemeClr val="accent1"/>
+          </a:effectRef>
+          <a:fontRef idx="minor">
+            <a:schemeClr val="tx1"/>
+          </a:fontRef>
+        </p:style>
+      </p:cxnSp>
+      <p:sp>
+        <p:nvSpPr>
+          <p:cNvPr id="35" name="Rectangle 34">
+            <a:extLst>
+              <a:ext uri="{FF2B5EF4-FFF2-40B4-BE49-F238E27FC236}">
+                <a16:creationId xmlns:a16="http://schemas.microsoft.com/office/drawing/2014/main" id="{BCF0C38B-BF95-C375-FCCF-9FD6C02DEC6B}"/>
+              </a:ext>
+            </a:extLst>
+          </p:cNvPr>
+          <p:cNvSpPr/>
+          <p:nvPr/>
+        </p:nvSpPr>
+        <p:spPr>
+          <a:xfrm>
+            <a:off x="7747580" y="6349232"/>
+            <a:ext cx="2328744" cy="257618"/>
+          </a:xfrm>
+          <a:prstGeom prst="rect">
+            <a:avLst/>
+          </a:prstGeom>
+          <a:solidFill>
+            <a:schemeClr val="bg1"/>
+          </a:solidFill>
+        </p:spPr>
+        <p:style>
+          <a:lnRef idx="2">
+            <a:schemeClr val="accent1">
+              <a:shade val="15000"/>
+            </a:schemeClr>
+          </a:lnRef>
+          <a:fillRef idx="1">
+            <a:schemeClr val="accent1"/>
+          </a:fillRef>
+          <a:effectRef idx="0">
+            <a:schemeClr val="accent1"/>
+          </a:effectRef>
+          <a:fontRef idx="minor">
+            <a:schemeClr val="lt1"/>
+          </a:fontRef>
+        </p:style>
+        <p:txBody>
+          <a:bodyPr rtlCol="0" anchor="ctr"/>
+          <a:lstStyle/>
+          <a:p>
+            <a:pPr algn="ctr"/>
+            <a:r>
+              <a:rPr lang="en-US" sz="1200" dirty="0">
+                <a:solidFill>
+                  <a:schemeClr val="tx1"/>
+                </a:solidFill>
+              </a:rPr>
+              <a:t>model serving</a:t>
+            </a:r>
+          </a:p>
+        </p:txBody>
+      </p:sp>
+      <p:cxnSp>
+        <p:nvCxnSpPr>
+          <p:cNvPr id="36" name="Connector: Elbow 35">
+            <a:extLst>
+              <a:ext uri="{FF2B5EF4-FFF2-40B4-BE49-F238E27FC236}">
+                <a16:creationId xmlns:a16="http://schemas.microsoft.com/office/drawing/2014/main" id="{79C371E3-C107-6595-E080-FEFB1870384D}"/>
+              </a:ext>
+            </a:extLst>
+          </p:cNvPr>
+          <p:cNvCxnSpPr>
+            <a:cxnSpLocks/>
+            <a:stCxn id="35" idx="1"/>
+            <a:endCxn id="23" idx="2"/>
+          </p:cNvCxnSpPr>
+          <p:nvPr/>
+        </p:nvCxnSpPr>
+        <p:spPr>
+          <a:xfrm rot="10800000">
+            <a:off x="5524038" y="4361253"/>
+            <a:ext cx="2223543" cy="2116787"/>
+          </a:xfrm>
+          <a:prstGeom prst="bentConnector2">
+            <a:avLst/>
+          </a:prstGeom>
+          <a:ln>
+            <a:tailEnd type="triangle"/>
+          </a:ln>
+        </p:spPr>
+        <p:style>
+          <a:lnRef idx="1">
+            <a:schemeClr val="dk1"/>
+          </a:lnRef>
+          <a:fillRef idx="0">
+            <a:schemeClr val="dk1"/>
+          </a:fillRef>
+          <a:effectRef idx="0">
+            <a:schemeClr val="dk1"/>
+          </a:effectRef>
+          <a:fontRef idx="minor">
+            <a:schemeClr val="tx1"/>
+          </a:fontRef>
+        </p:style>
+      </p:cxnSp>
+      <p:cxnSp>
+        <p:nvCxnSpPr>
+          <p:cNvPr id="37" name="Connector: Elbow 36">
+            <a:extLst>
+              <a:ext uri="{FF2B5EF4-FFF2-40B4-BE49-F238E27FC236}">
+                <a16:creationId xmlns:a16="http://schemas.microsoft.com/office/drawing/2014/main" id="{6A81173C-1752-B6B5-4786-D848BFDE45D9}"/>
+              </a:ext>
+            </a:extLst>
+          </p:cNvPr>
+          <p:cNvCxnSpPr>
+            <a:cxnSpLocks/>
+            <a:stCxn id="33" idx="2"/>
+            <a:endCxn id="35" idx="3"/>
+          </p:cNvCxnSpPr>
+          <p:nvPr/>
+        </p:nvCxnSpPr>
+        <p:spPr>
+          <a:xfrm rot="5400000">
+            <a:off x="10396675" y="5727899"/>
+            <a:ext cx="429791" cy="1070492"/>
+          </a:xfrm>
+          <a:prstGeom prst="bentConnector2">
+            <a:avLst/>
+          </a:prstGeom>
+          <a:ln>
+            <a:tailEnd type="triangle"/>
+          </a:ln>
+        </p:spPr>
+        <p:style>
+          <a:lnRef idx="1">
+            <a:schemeClr val="dk1"/>
+          </a:lnRef>
+          <a:fillRef idx="0">
+            <a:schemeClr val="dk1"/>
+          </a:fillRef>
+          <a:effectRef idx="0">
+            <a:schemeClr val="dk1"/>
+          </a:effectRef>
+          <a:fontRef idx="minor">
+            <a:schemeClr val="tx1"/>
+          </a:fontRef>
+        </p:style>
+      </p:cxnSp>
+      <p:cxnSp>
+        <p:nvCxnSpPr>
+          <p:cNvPr id="38" name="Straight Arrow Connector 37">
+            <a:extLst>
+              <a:ext uri="{FF2B5EF4-FFF2-40B4-BE49-F238E27FC236}">
+                <a16:creationId xmlns:a16="http://schemas.microsoft.com/office/drawing/2014/main" id="{702CE32B-91EA-BCE8-11F0-165DD07AD500}"/>
+              </a:ext>
+            </a:extLst>
+          </p:cNvPr>
+          <p:cNvCxnSpPr>
+            <a:cxnSpLocks/>
+            <a:stCxn id="23" idx="3"/>
+            <a:endCxn id="11" idx="1"/>
+          </p:cNvCxnSpPr>
+          <p:nvPr/>
+        </p:nvCxnSpPr>
+        <p:spPr>
+          <a:xfrm flipV="1">
+            <a:off x="6560807" y="3890129"/>
+            <a:ext cx="750833" cy="18088"/>
+          </a:xfrm>
+          <a:prstGeom prst="straightConnector1">
+            <a:avLst/>
+          </a:prstGeom>
+          <a:ln>
+            <a:headEnd type="triangle"/>
+            <a:tailEnd type="triangle"/>
+          </a:ln>
+        </p:spPr>
+        <p:style>
+          <a:lnRef idx="1">
+            <a:schemeClr val="dk1"/>
+          </a:lnRef>
+          <a:fillRef idx="0">
+            <a:schemeClr val="dk1"/>
+          </a:fillRef>
+          <a:effectRef idx="0">
+            <a:schemeClr val="dk1"/>
+          </a:effectRef>
+          <a:fontRef idx="minor">
+            <a:schemeClr val="tx1"/>
+          </a:fontRef>
+        </p:style>
+      </p:cxnSp>
+      <p:sp>
+        <p:nvSpPr>
+          <p:cNvPr id="39" name="Rectangle: Rounded Corners 38">
+            <a:extLst>
+              <a:ext uri="{FF2B5EF4-FFF2-40B4-BE49-F238E27FC236}">
+                <a16:creationId xmlns:a16="http://schemas.microsoft.com/office/drawing/2014/main" id="{715E4C9D-5D4C-4A82-0D0C-19A3D8F85854}"/>
+              </a:ext>
+            </a:extLst>
+          </p:cNvPr>
+          <p:cNvSpPr/>
+          <p:nvPr/>
+        </p:nvSpPr>
+        <p:spPr>
+          <a:xfrm>
+            <a:off x="2634464" y="4713526"/>
+            <a:ext cx="1597599" cy="645379"/>
+          </a:xfrm>
+          <a:prstGeom prst="roundRect">
+            <a:avLst/>
+          </a:prstGeom>
+          <a:noFill/>
+        </p:spPr>
+        <p:style>
+          <a:lnRef idx="2">
+            <a:schemeClr val="accent1">
+              <a:shade val="15000"/>
+            </a:schemeClr>
+          </a:lnRef>
+          <a:fillRef idx="1">
+            <a:schemeClr val="accent1"/>
+          </a:fillRef>
+          <a:effectRef idx="0">
+            <a:schemeClr val="accent1"/>
+          </a:effectRef>
+          <a:fontRef idx="minor">
+            <a:schemeClr val="lt1"/>
+          </a:fontRef>
+        </p:style>
+        <p:txBody>
+          <a:bodyPr rtlCol="0" anchor="t"/>
+          <a:lstStyle/>
+          <a:p>
+            <a:r>
+              <a:rPr lang="en-US" b="1" dirty="0">
+                <a:solidFill>
+                  <a:schemeClr val="tx1"/>
+                </a:solidFill>
+              </a:rPr>
+              <a:t>Edge node #2</a:t>
+            </a:r>
+          </a:p>
+        </p:txBody>
+      </p:sp>
+      <p:sp>
+        <p:nvSpPr>
+          <p:cNvPr id="40" name="Rectangle: Rounded Corners 39">
+            <a:extLst>
+              <a:ext uri="{FF2B5EF4-FFF2-40B4-BE49-F238E27FC236}">
+                <a16:creationId xmlns:a16="http://schemas.microsoft.com/office/drawing/2014/main" id="{02BE2EA8-6A6C-742E-DB56-BD4B87DC3879}"/>
+              </a:ext>
+            </a:extLst>
+          </p:cNvPr>
+          <p:cNvSpPr/>
+          <p:nvPr/>
+        </p:nvSpPr>
+        <p:spPr>
+          <a:xfrm>
+            <a:off x="2634464" y="5488998"/>
+            <a:ext cx="1597599" cy="645379"/>
+          </a:xfrm>
+          <a:prstGeom prst="roundRect">
+            <a:avLst/>
+          </a:prstGeom>
+          <a:noFill/>
+        </p:spPr>
+        <p:style>
+          <a:lnRef idx="2">
+            <a:schemeClr val="accent1">
+              <a:shade val="15000"/>
+            </a:schemeClr>
+          </a:lnRef>
+          <a:fillRef idx="1">
+            <a:schemeClr val="accent1"/>
+          </a:fillRef>
+          <a:effectRef idx="0">
+            <a:schemeClr val="accent1"/>
+          </a:effectRef>
+          <a:fontRef idx="minor">
+            <a:schemeClr val="lt1"/>
+          </a:fontRef>
+        </p:style>
+        <p:txBody>
+          <a:bodyPr rtlCol="0" anchor="t"/>
+          <a:lstStyle/>
+          <a:p>
+            <a:r>
+              <a:rPr lang="en-US" b="1" dirty="0">
+                <a:solidFill>
+                  <a:schemeClr val="tx1"/>
+                </a:solidFill>
+              </a:rPr>
+              <a:t>Edge node #3</a:t>
+            </a:r>
+          </a:p>
+        </p:txBody>
+      </p:sp>
+    </p:spTree>
+    <p:extLst>
+      <p:ext uri="{BB962C8B-B14F-4D97-AF65-F5344CB8AC3E}">
+        <p14:creationId xmlns:p14="http://schemas.microsoft.com/office/powerpoint/2010/main" val="3954098035"/>
       </p:ext>
     </p:extLst>
   </p:cSld>
